--- a/Angol/jobs_KT_BH_Angol_2_ppt.pptx
+++ b/Angol/jobs_KT_BH_Angol_2_ppt.pptx
@@ -5,20 +5,17 @@
     <p:sldMasterId id="2147483673" r:id="rId1"/>
   </p:sldMasterIdLst>
   <p:notesMasterIdLst>
-    <p:notesMasterId r:id="rId10"/>
+    <p:notesMasterId r:id="rId7"/>
   </p:notesMasterIdLst>
   <p:handoutMasterIdLst>
-    <p:handoutMasterId r:id="rId11"/>
+    <p:handoutMasterId r:id="rId8"/>
   </p:handoutMasterIdLst>
   <p:sldIdLst>
-    <p:sldId id="257" r:id="rId2"/>
-    <p:sldId id="268" r:id="rId3"/>
-    <p:sldId id="262" r:id="rId4"/>
-    <p:sldId id="263" r:id="rId5"/>
-    <p:sldId id="264" r:id="rId6"/>
-    <p:sldId id="265" r:id="rId7"/>
-    <p:sldId id="266" r:id="rId8"/>
-    <p:sldId id="267" r:id="rId9"/>
+    <p:sldId id="262" r:id="rId2"/>
+    <p:sldId id="263" r:id="rId3"/>
+    <p:sldId id="264" r:id="rId4"/>
+    <p:sldId id="265" r:id="rId5"/>
+    <p:sldId id="266" r:id="rId6"/>
   </p:sldIdLst>
   <p:sldSz cx="12192000" cy="6858000"/>
   <p:notesSz cx="6858000" cy="9144000"/>
@@ -212,7 +209,7 @@
             <a:pPr rtl="0"/>
             <a:fld id="{5814DCE5-411A-4E42-AD3C-2494A4EAE779}" type="datetime1">
               <a:rPr lang="hu-HU" smtClean="0"/>
-              <a:t>2024. 01. 19.</a:t>
+              <a:t>2024. 06. 13.</a:t>
             </a:fld>
             <a:endParaRPr lang="en-US" dirty="0"/>
           </a:p>
@@ -382,7 +379,7 @@
             <a:pPr rtl="0"/>
             <a:fld id="{79368516-3842-4620-B9B3-67F535CB3A5D}" type="datetime1">
               <a:rPr lang="hu-HU" smtClean="0"/>
-              <a:t>2024. 01. 19.</a:t>
+              <a:t>2024. 06. 13.</a:t>
             </a:fld>
             <a:endParaRPr lang="en-US"/>
           </a:p>
@@ -1127,7 +1124,7 @@
             <a:pPr rtl="0"/>
             <a:fld id="{E8BDBE0D-D7BD-4B72-8656-1BA1EE15204D}" type="datetime1">
               <a:rPr lang="hu-HU" smtClean="0"/>
-              <a:t>2024. 01. 19.</a:t>
+              <a:t>2024. 06. 13.</a:t>
             </a:fld>
             <a:endParaRPr lang="en-US" dirty="0"/>
           </a:p>
@@ -1333,7 +1330,7 @@
             <a:pPr rtl="0"/>
             <a:fld id="{18164A21-2A73-421C-B26A-59E41BBEFBEB}" type="datetime1">
               <a:rPr lang="hu-HU" smtClean="0"/>
-              <a:t>2024. 01. 19.</a:t>
+              <a:t>2024. 06. 13.</a:t>
             </a:fld>
             <a:endParaRPr lang="en-US"/>
           </a:p>
@@ -1517,7 +1514,7 @@
             <a:pPr rtl="0"/>
             <a:fld id="{C27CBEE9-063A-466D-A69B-CD20FA75015F}" type="datetime1">
               <a:rPr lang="hu-HU" smtClean="0"/>
-              <a:t>2024. 01. 19.</a:t>
+              <a:t>2024. 06. 13.</a:t>
             </a:fld>
             <a:endParaRPr lang="en-US"/>
           </a:p>
@@ -1691,7 +1688,7 @@
             <a:pPr rtl="0"/>
             <a:fld id="{7B7A52B9-A8AB-438E-B534-4C40C3A9E74F}" type="datetime1">
               <a:rPr lang="hu-HU" smtClean="0"/>
-              <a:t>2024. 01. 19.</a:t>
+              <a:t>2024. 06. 13.</a:t>
             </a:fld>
             <a:endParaRPr lang="en-US"/>
           </a:p>
@@ -2294,7 +2291,7 @@
             <a:pPr rtl="0"/>
             <a:fld id="{F11F62F7-5E21-4DF6-AD45-F2360C22BAAE}" type="datetime1">
               <a:rPr lang="hu-HU" smtClean="0"/>
-              <a:t>2024. 01. 19.</a:t>
+              <a:t>2024. 06. 13.</a:t>
             </a:fld>
             <a:endParaRPr lang="en-US" dirty="0"/>
           </a:p>
@@ -2618,7 +2615,7 @@
             <a:pPr rtl="0"/>
             <a:fld id="{C1AD0CF7-F942-4A78-BD5B-565FEA1F0330}" type="datetime1">
               <a:rPr lang="hu-HU" smtClean="0"/>
-              <a:t>2024. 01. 19.</a:t>
+              <a:t>2024. 06. 13.</a:t>
             </a:fld>
             <a:endParaRPr lang="en-US"/>
           </a:p>
@@ -3059,7 +3056,7 @@
             <a:pPr rtl="0"/>
             <a:fld id="{52B1E64E-AF4C-4D8A-B1A2-6376454CC97D}" type="datetime1">
               <a:rPr lang="hu-HU" smtClean="0"/>
-              <a:t>2024. 01. 19.</a:t>
+              <a:t>2024. 06. 13.</a:t>
             </a:fld>
             <a:endParaRPr lang="en-US"/>
           </a:p>
@@ -3181,7 +3178,7 @@
             <a:pPr rtl="0"/>
             <a:fld id="{AD377358-1C37-4F07-9A78-BAC0F950DA57}" type="datetime1">
               <a:rPr lang="hu-HU" smtClean="0"/>
-              <a:t>2024. 01. 19.</a:t>
+              <a:t>2024. 06. 13.</a:t>
             </a:fld>
             <a:endParaRPr lang="en-US"/>
           </a:p>
@@ -3279,7 +3276,7 @@
             <a:pPr rtl="0"/>
             <a:fld id="{7FCB3493-9A23-4FBB-AEE0-C0E6D5F3648B}" type="datetime1">
               <a:rPr lang="hu-HU" smtClean="0"/>
-              <a:t>2024. 01. 19.</a:t>
+              <a:t>2024. 06. 13.</a:t>
             </a:fld>
             <a:endParaRPr lang="en-US"/>
           </a:p>
@@ -3700,7 +3697,7 @@
             <a:pPr rtl="0"/>
             <a:fld id="{C45F6E80-D825-48C2-9648-1D1B31372F92}" type="datetime1">
               <a:rPr lang="hu-HU" smtClean="0"/>
-              <a:t>2024. 01. 19.</a:t>
+              <a:t>2024. 06. 13.</a:t>
             </a:fld>
             <a:endParaRPr lang="en-US"/>
           </a:p>
@@ -3965,7 +3962,7 @@
             <a:pPr rtl="0"/>
             <a:fld id="{8977A4C8-8FD0-44EA-A473-E0338D05B7ED}" type="datetime1">
               <a:rPr lang="hu-HU" smtClean="0"/>
-              <a:t>2024. 01. 19.</a:t>
+              <a:t>2024. 06. 13.</a:t>
             </a:fld>
             <a:endParaRPr lang="en-US" dirty="0"/>
           </a:p>
@@ -4491,7 +4488,7 @@
             <a:pPr rtl="0"/>
             <a:fld id="{10150E88-5DA4-48FE-971C-3A8E0386704F}" type="datetime1">
               <a:rPr lang="hu-HU" smtClean="0"/>
-              <a:t>2024. 01. 19.</a:t>
+              <a:t>2024. 06. 13.</a:t>
             </a:fld>
             <a:endParaRPr lang="en-US" dirty="0"/>
           </a:p>
@@ -4962,589 +4959,6 @@
           <a:chExt cx="0" cy="0"/>
         </a:xfrm>
       </p:grpSpPr>
-      <p:pic>
-        <p:nvPicPr>
-          <p:cNvPr id="6" name="Kép 5" descr="Egy embléma közelképe&#10;&#10;Automatikusan létrehozott leírás">
-            <a:extLst>
-              <a:ext uri="{FF2B5EF4-FFF2-40B4-BE49-F238E27FC236}">
-                <a16:creationId xmlns:a16="http://schemas.microsoft.com/office/drawing/2014/main" id="{8045422F-7258-40AC-BD2E-2469AA448922}"/>
-              </a:ext>
-            </a:extLst>
-          </p:cNvPr>
-          <p:cNvPicPr>
-            <a:picLocks noChangeAspect="1"/>
-          </p:cNvPicPr>
-          <p:nvPr/>
-        </p:nvPicPr>
-        <p:blipFill rotWithShape="1">
-          <a:blip r:embed="rId2">
-            <a:extLst>
-              <a:ext uri="{28A0092B-C50C-407E-A947-70E740481C1C}">
-                <a14:useLocalDpi xmlns:a14="http://schemas.microsoft.com/office/drawing/2010/main" val="0"/>
-              </a:ext>
-            </a:extLst>
-          </a:blip>
-          <a:srcRect r="-1"/>
-          <a:stretch/>
-        </p:blipFill>
-        <p:spPr>
-          <a:xfrm>
-            <a:off x="20" y="10"/>
-            <a:ext cx="12191979" cy="6857990"/>
-          </a:xfrm>
-          <a:prstGeom prst="rect">
-            <a:avLst/>
-          </a:prstGeom>
-        </p:spPr>
-      </p:pic>
-      <p:sp>
-        <p:nvSpPr>
-          <p:cNvPr id="82" name="Téglalap 81">
-            <a:extLst>
-              <a:ext uri="{FF2B5EF4-FFF2-40B4-BE49-F238E27FC236}">
-                <a16:creationId xmlns:a16="http://schemas.microsoft.com/office/drawing/2014/main" id="{2644B391-9BFE-445C-A9EC-F544BB85FBC7}"/>
-              </a:ext>
-              <a:ext uri="{C183D7F6-B498-43B3-948B-1728B52AA6E4}">
-                <adec:decorative xmlns:adec="http://schemas.microsoft.com/office/drawing/2017/decorative" val="1"/>
-              </a:ext>
-            </a:extLst>
-          </p:cNvPr>
-          <p:cNvSpPr>
-            <a:spLocks noGrp="1" noRot="1" noChangeAspect="1" noMove="1" noResize="1" noEditPoints="1" noAdjustHandles="1" noChangeArrowheads="1" noChangeShapeType="1" noTextEdit="1"/>
-          </p:cNvSpPr>
-          <p:nvPr>
-            <p:extLst>
-              <p:ext uri="{386F3935-93C4-4BCD-93E2-E3B085C9AB24}">
-                <p16:designElem xmlns:p16="http://schemas.microsoft.com/office/powerpoint/2015/main" val="1"/>
-              </p:ext>
-            </p:extLst>
-          </p:nvPr>
-        </p:nvSpPr>
-        <p:spPr>
-          <a:xfrm>
-            <a:off x="5695067" y="1808532"/>
-            <a:ext cx="5452527" cy="3240936"/>
-          </a:xfrm>
-          <a:prstGeom prst="rect">
-            <a:avLst/>
-          </a:prstGeom>
-          <a:solidFill>
-            <a:schemeClr val="bg1">
-              <a:lumMod val="75000"/>
-              <a:lumOff val="25000"/>
-            </a:schemeClr>
-          </a:solidFill>
-          <a:ln w="6350" cap="sq" cmpd="sng" algn="ctr">
-            <a:noFill/>
-            <a:prstDash val="solid"/>
-            <a:miter lim="800000"/>
-          </a:ln>
-          <a:effectLst/>
-        </p:spPr>
-        <p:txBody>
-          <a:bodyPr/>
-          <a:lstStyle/>
-          <a:p>
-            <a:endParaRPr lang="hu-HU" dirty="0"/>
-          </a:p>
-        </p:txBody>
-      </p:sp>
-      <p:sp>
-        <p:nvSpPr>
-          <p:cNvPr id="84" name="Téglalap 83">
-            <a:extLst>
-              <a:ext uri="{FF2B5EF4-FFF2-40B4-BE49-F238E27FC236}">
-                <a16:creationId xmlns:a16="http://schemas.microsoft.com/office/drawing/2014/main" id="{80F26E69-87D9-4655-AE7B-280A87AA3CAD}"/>
-              </a:ext>
-              <a:ext uri="{C183D7F6-B498-43B3-948B-1728B52AA6E4}">
-                <adec:decorative xmlns:adec="http://schemas.microsoft.com/office/drawing/2017/decorative" val="1"/>
-              </a:ext>
-            </a:extLst>
-          </p:cNvPr>
-          <p:cNvSpPr>
-            <a:spLocks noGrp="1" noRot="1" noChangeAspect="1" noMove="1" noResize="1" noEditPoints="1" noAdjustHandles="1" noChangeArrowheads="1" noChangeShapeType="1" noTextEdit="1"/>
-          </p:cNvSpPr>
-          <p:nvPr>
-            <p:extLst>
-              <p:ext uri="{386F3935-93C4-4BCD-93E2-E3B085C9AB24}">
-                <p16:designElem xmlns:p16="http://schemas.microsoft.com/office/powerpoint/2015/main" val="1"/>
-              </p:ext>
-            </p:extLst>
-          </p:nvPr>
-        </p:nvSpPr>
-        <p:spPr>
-          <a:xfrm>
-            <a:off x="5861010" y="1975104"/>
-            <a:ext cx="5120640" cy="2907792"/>
-          </a:xfrm>
-          <a:prstGeom prst="rect">
-            <a:avLst/>
-          </a:prstGeom>
-          <a:noFill/>
-          <a:ln w="6350" cap="sq" cmpd="sng" algn="ctr">
-            <a:solidFill>
-              <a:schemeClr val="tx1"/>
-            </a:solidFill>
-            <a:prstDash val="solid"/>
-            <a:miter lim="800000"/>
-          </a:ln>
-          <a:effectLst>
-            <a:softEdge rad="0"/>
-          </a:effectLst>
-        </p:spPr>
-        <p:txBody>
-          <a:bodyPr/>
-          <a:lstStyle/>
-          <a:p>
-            <a:endParaRPr lang="hu-HU" dirty="0"/>
-          </a:p>
-        </p:txBody>
-      </p:sp>
-      <p:sp>
-        <p:nvSpPr>
-          <p:cNvPr id="2" name="Cím 1">
-            <a:extLst>
-              <a:ext uri="{FF2B5EF4-FFF2-40B4-BE49-F238E27FC236}">
-                <a16:creationId xmlns:a16="http://schemas.microsoft.com/office/drawing/2014/main" id="{18C3B467-088C-4F3D-A9A7-105C4E1E20CD}"/>
-              </a:ext>
-            </a:extLst>
-          </p:cNvPr>
-          <p:cNvSpPr>
-            <a:spLocks noGrp="1"/>
-          </p:cNvSpPr>
-          <p:nvPr>
-            <p:ph type="ctrTitle"/>
-          </p:nvPr>
-        </p:nvSpPr>
-        <p:spPr>
-          <a:xfrm>
-            <a:off x="6033792" y="2118596"/>
-            <a:ext cx="4775075" cy="1630907"/>
-          </a:xfrm>
-        </p:spPr>
-        <p:txBody>
-          <a:bodyPr rtlCol="0">
-            <a:normAutofit/>
-          </a:bodyPr>
-          <a:lstStyle/>
-          <a:p>
-            <a:pPr rtl="0"/>
-            <a:r>
-              <a:rPr lang="hu" sz="4400">
-                <a:solidFill>
-                  <a:schemeClr val="tx1"/>
-                </a:solidFill>
-              </a:rPr>
-              <a:t>Job types</a:t>
-            </a:r>
-            <a:br>
-              <a:rPr lang="hu" sz="4400">
-                <a:solidFill>
-                  <a:schemeClr val="tx1"/>
-                </a:solidFill>
-              </a:rPr>
-            </a:br>
-            <a:r>
-              <a:rPr lang="hu" sz="4400">
-                <a:solidFill>
-                  <a:schemeClr val="tx1"/>
-                </a:solidFill>
-              </a:rPr>
-              <a:t>and </a:t>
-            </a:r>
-            <a:r>
-              <a:rPr lang="hu" sz="4400" dirty="0">
-                <a:solidFill>
-                  <a:schemeClr val="tx1"/>
-                </a:solidFill>
-              </a:rPr>
-              <a:t>examples</a:t>
-            </a:r>
-          </a:p>
-        </p:txBody>
-      </p:sp>
-    </p:spTree>
-    <p:extLst>
-      <p:ext uri="{BB962C8B-B14F-4D97-AF65-F5344CB8AC3E}">
-        <p14:creationId xmlns:p14="http://schemas.microsoft.com/office/powerpoint/2010/main" val="2584280759"/>
-      </p:ext>
-    </p:extLst>
-  </p:cSld>
-  <p:clrMapOvr>
-    <a:overrideClrMapping bg1="dk1" tx1="lt1" bg2="dk2" tx2="lt2" accent1="accent1" accent2="accent2" accent3="accent3" accent4="accent4" accent5="accent5" accent6="accent6" hlink="hlink" folHlink="folHlink"/>
-  </p:clrMapOvr>
-</p:sld>
-</file>
-
-<file path=ppt/slides/slide2.xml><?xml version="1.0" encoding="utf-8"?>
-<p:sld xmlns:a="http://schemas.openxmlformats.org/drawingml/2006/main" xmlns:r="http://schemas.openxmlformats.org/officeDocument/2006/relationships" xmlns:p="http://schemas.openxmlformats.org/presentationml/2006/main">
-  <p:cSld>
-    <p:spTree>
-      <p:nvGrpSpPr>
-        <p:cNvPr id="1" name=""/>
-        <p:cNvGrpSpPr/>
-        <p:nvPr/>
-      </p:nvGrpSpPr>
-      <p:grpSpPr>
-        <a:xfrm>
-          <a:off x="0" y="0"/>
-          <a:ext cx="0" cy="0"/>
-          <a:chOff x="0" y="0"/>
-          <a:chExt cx="0" cy="0"/>
-        </a:xfrm>
-      </p:grpSpPr>
-      <p:sp>
-        <p:nvSpPr>
-          <p:cNvPr id="4" name="Dátum helye 3">
-            <a:extLst>
-              <a:ext uri="{FF2B5EF4-FFF2-40B4-BE49-F238E27FC236}">
-                <a16:creationId xmlns:a16="http://schemas.microsoft.com/office/drawing/2014/main" id="{4FD92BD5-6125-BFA1-48E6-EECF38444A67}"/>
-              </a:ext>
-            </a:extLst>
-          </p:cNvPr>
-          <p:cNvSpPr>
-            <a:spLocks noGrp="1"/>
-          </p:cNvSpPr>
-          <p:nvPr>
-            <p:ph type="dt" sz="half" idx="10"/>
-          </p:nvPr>
-        </p:nvSpPr>
-        <p:spPr/>
-        <p:txBody>
-          <a:bodyPr/>
-          <a:lstStyle/>
-          <a:p>
-            <a:pPr rtl="0"/>
-            <a:endParaRPr lang="en-US" dirty="0"/>
-          </a:p>
-        </p:txBody>
-      </p:sp>
-      <p:pic>
-        <p:nvPicPr>
-          <p:cNvPr id="6" name="Kép 5">
-            <a:extLst>
-              <a:ext uri="{FF2B5EF4-FFF2-40B4-BE49-F238E27FC236}">
-                <a16:creationId xmlns:a16="http://schemas.microsoft.com/office/drawing/2014/main" id="{5E59D2DC-8F99-2C94-000D-0BDB5C3DC65F}"/>
-              </a:ext>
-            </a:extLst>
-          </p:cNvPr>
-          <p:cNvPicPr>
-            <a:picLocks noChangeAspect="1"/>
-          </p:cNvPicPr>
-          <p:nvPr/>
-        </p:nvPicPr>
-        <p:blipFill>
-          <a:blip r:embed="rId2"/>
-          <a:stretch>
-            <a:fillRect/>
-          </a:stretch>
-        </p:blipFill>
-        <p:spPr>
-          <a:xfrm>
-            <a:off x="369650" y="379855"/>
-            <a:ext cx="6200898" cy="6098766"/>
-          </a:xfrm>
-          <a:prstGeom prst="rect">
-            <a:avLst/>
-          </a:prstGeom>
-        </p:spPr>
-      </p:pic>
-      <p:sp>
-        <p:nvSpPr>
-          <p:cNvPr id="7" name="Szövegdoboz 6">
-            <a:extLst>
-              <a:ext uri="{FF2B5EF4-FFF2-40B4-BE49-F238E27FC236}">
-                <a16:creationId xmlns:a16="http://schemas.microsoft.com/office/drawing/2014/main" id="{AA922CA5-DA2E-E815-8EC6-8D37FDD0AA75}"/>
-              </a:ext>
-            </a:extLst>
-          </p:cNvPr>
-          <p:cNvSpPr txBox="1"/>
-          <p:nvPr/>
-        </p:nvSpPr>
-        <p:spPr>
-          <a:xfrm>
-            <a:off x="6570548" y="681081"/>
-            <a:ext cx="5016455" cy="2308324"/>
-          </a:xfrm>
-          <a:prstGeom prst="rect">
-            <a:avLst/>
-          </a:prstGeom>
-          <a:noFill/>
-        </p:spPr>
-        <p:txBody>
-          <a:bodyPr wrap="square" rtlCol="0">
-            <a:spAutoFit/>
-          </a:bodyPr>
-          <a:lstStyle/>
-          <a:p>
-            <a:pPr algn="ctr"/>
-            <a:r>
-              <a:rPr lang="hu-HU" sz="3600" b="1" u="sng" dirty="0" err="1">
-                <a:latin typeface="Söhne"/>
-              </a:rPr>
-              <a:t>What’s</a:t>
-            </a:r>
-            <a:r>
-              <a:rPr lang="hu-HU" sz="3600" b="1" u="sng" dirty="0">
-                <a:latin typeface="Söhne"/>
-              </a:rPr>
-              <a:t> </a:t>
-            </a:r>
-            <a:r>
-              <a:rPr lang="hu-HU" sz="3600" b="1" u="sng" dirty="0" err="1">
-                <a:latin typeface="Söhne"/>
-              </a:rPr>
-              <a:t>the</a:t>
-            </a:r>
-            <a:r>
-              <a:rPr lang="hu-HU" sz="3600" b="1" u="sng" dirty="0">
-                <a:latin typeface="Söhne"/>
-              </a:rPr>
-              <a:t> </a:t>
-            </a:r>
-            <a:r>
-              <a:rPr lang="hu-HU" sz="3600" b="1" u="sng" dirty="0" err="1">
-                <a:latin typeface="Söhne"/>
-              </a:rPr>
-              <a:t>difference</a:t>
-            </a:r>
-            <a:r>
-              <a:rPr lang="hu-HU" sz="3600" b="1" u="sng" dirty="0">
-                <a:latin typeface="Söhne"/>
-              </a:rPr>
-              <a:t> </a:t>
-            </a:r>
-            <a:r>
-              <a:rPr lang="hu-HU" sz="3600" b="1" u="sng" dirty="0" err="1">
-                <a:latin typeface="Söhne"/>
-              </a:rPr>
-              <a:t>between</a:t>
-            </a:r>
-            <a:r>
-              <a:rPr lang="hu-HU" sz="3600" b="1" u="sng" dirty="0">
-                <a:latin typeface="Söhne"/>
-              </a:rPr>
-              <a:t> White-</a:t>
-            </a:r>
-            <a:r>
-              <a:rPr lang="hu-HU" sz="3600" b="1" u="sng" dirty="0" err="1">
-                <a:latin typeface="Söhne"/>
-              </a:rPr>
-              <a:t>collar</a:t>
-            </a:r>
-            <a:r>
-              <a:rPr lang="hu-HU" sz="3600" b="1" u="sng" dirty="0">
-                <a:latin typeface="Söhne"/>
-              </a:rPr>
-              <a:t> </a:t>
-            </a:r>
-            <a:r>
-              <a:rPr lang="hu-HU" sz="3600" b="1" u="sng" dirty="0" err="1">
-                <a:latin typeface="Söhne"/>
-              </a:rPr>
-              <a:t>worker</a:t>
-            </a:r>
-            <a:r>
-              <a:rPr lang="hu-HU" sz="3600" b="1" u="sng" dirty="0">
-                <a:latin typeface="Söhne"/>
-              </a:rPr>
-              <a:t>, and </a:t>
-            </a:r>
-            <a:r>
-              <a:rPr lang="hu-HU" sz="3600" b="1" u="sng" dirty="0" err="1">
-                <a:latin typeface="Söhne"/>
-              </a:rPr>
-              <a:t>Blue-collar</a:t>
-            </a:r>
-            <a:r>
-              <a:rPr lang="hu-HU" sz="3600" b="1" u="sng" dirty="0">
-                <a:latin typeface="Söhne"/>
-              </a:rPr>
-              <a:t> </a:t>
-            </a:r>
-            <a:r>
-              <a:rPr lang="hu-HU" sz="3600" b="1" u="sng" dirty="0" err="1">
-                <a:latin typeface="Söhne"/>
-              </a:rPr>
-              <a:t>Worker</a:t>
-            </a:r>
-            <a:r>
-              <a:rPr lang="hu-HU" sz="3600" b="1" u="sng" dirty="0">
-                <a:latin typeface="Söhne"/>
-              </a:rPr>
-              <a:t>?</a:t>
-            </a:r>
-          </a:p>
-        </p:txBody>
-      </p:sp>
-    </p:spTree>
-    <p:extLst>
-      <p:ext uri="{BB962C8B-B14F-4D97-AF65-F5344CB8AC3E}">
-        <p14:creationId xmlns:p14="http://schemas.microsoft.com/office/powerpoint/2010/main" val="1372050311"/>
-      </p:ext>
-    </p:extLst>
-  </p:cSld>
-  <p:clrMapOvr>
-    <a:masterClrMapping/>
-  </p:clrMapOvr>
-  <p:timing>
-    <p:tnLst>
-      <p:par>
-        <p:cTn id="1" dur="indefinite" restart="never" nodeType="tmRoot">
-          <p:childTnLst>
-            <p:seq concurrent="1" nextAc="seek">
-              <p:cTn id="2" dur="indefinite" nodeType="mainSeq">
-                <p:childTnLst>
-                  <p:par>
-                    <p:cTn id="3" fill="hold">
-                      <p:stCondLst>
-                        <p:cond delay="indefinite"/>
-                      </p:stCondLst>
-                      <p:childTnLst>
-                        <p:par>
-                          <p:cTn id="4" fill="hold">
-                            <p:stCondLst>
-                              <p:cond delay="0"/>
-                            </p:stCondLst>
-                            <p:childTnLst>
-                              <p:par>
-                                <p:cTn id="5" presetID="1" presetClass="entr" presetSubtype="0" fill="hold" nodeType="clickEffect">
-                                  <p:stCondLst>
-                                    <p:cond delay="0"/>
-                                  </p:stCondLst>
-                                  <p:childTnLst>
-                                    <p:set>
-                                      <p:cBhvr>
-                                        <p:cTn id="6" dur="1" fill="hold">
-                                          <p:stCondLst>
-                                            <p:cond delay="0"/>
-                                          </p:stCondLst>
-                                        </p:cTn>
-                                        <p:tgtEl>
-                                          <p:spTgt spid="6"/>
-                                        </p:tgtEl>
-                                        <p:attrNameLst>
-                                          <p:attrName>style.visibility</p:attrName>
-                                        </p:attrNameLst>
-                                      </p:cBhvr>
-                                      <p:to>
-                                        <p:strVal val="visible"/>
-                                      </p:to>
-                                    </p:set>
-                                  </p:childTnLst>
-                                </p:cTn>
-                              </p:par>
-                              <p:par>
-                                <p:cTn id="7" presetID="1" presetClass="entr" presetSubtype="0" fill="hold" grpId="0" nodeType="withEffect" nodePh="1">
-                                  <p:stCondLst>
-                                    <p:cond delay="0"/>
-                                  </p:stCondLst>
-                                  <p:endCondLst>
-                                    <p:cond evt="begin" delay="0">
-                                      <p:tn val="7"/>
-                                    </p:cond>
-                                  </p:endCondLst>
-                                  <p:childTnLst>
-                                    <p:set>
-                                      <p:cBhvr>
-                                        <p:cTn id="8" dur="1" fill="hold">
-                                          <p:stCondLst>
-                                            <p:cond delay="0"/>
-                                          </p:stCondLst>
-                                        </p:cTn>
-                                        <p:tgtEl>
-                                          <p:spTgt spid="4"/>
-                                        </p:tgtEl>
-                                        <p:attrNameLst>
-                                          <p:attrName>style.visibility</p:attrName>
-                                        </p:attrNameLst>
-                                      </p:cBhvr>
-                                      <p:to>
-                                        <p:strVal val="visible"/>
-                                      </p:to>
-                                    </p:set>
-                                  </p:childTnLst>
-                                </p:cTn>
-                              </p:par>
-                              <p:par>
-                                <p:cTn id="9" presetID="1" presetClass="entr" presetSubtype="0" fill="hold" grpId="0" nodeType="withEffect">
-                                  <p:stCondLst>
-                                    <p:cond delay="0"/>
-                                  </p:stCondLst>
-                                  <p:childTnLst>
-                                    <p:set>
-                                      <p:cBhvr>
-                                        <p:cTn id="10" dur="1" fill="hold">
-                                          <p:stCondLst>
-                                            <p:cond delay="0"/>
-                                          </p:stCondLst>
-                                        </p:cTn>
-                                        <p:tgtEl>
-                                          <p:spTgt spid="7"/>
-                                        </p:tgtEl>
-                                        <p:attrNameLst>
-                                          <p:attrName>style.visibility</p:attrName>
-                                        </p:attrNameLst>
-                                      </p:cBhvr>
-                                      <p:to>
-                                        <p:strVal val="visible"/>
-                                      </p:to>
-                                    </p:set>
-                                  </p:childTnLst>
-                                </p:cTn>
-                              </p:par>
-                            </p:childTnLst>
-                          </p:cTn>
-                        </p:par>
-                      </p:childTnLst>
-                    </p:cTn>
-                  </p:par>
-                </p:childTnLst>
-              </p:cTn>
-              <p:prevCondLst>
-                <p:cond evt="onPrev" delay="0">
-                  <p:tgtEl>
-                    <p:sldTgt/>
-                  </p:tgtEl>
-                </p:cond>
-              </p:prevCondLst>
-              <p:nextCondLst>
-                <p:cond evt="onNext" delay="0">
-                  <p:tgtEl>
-                    <p:sldTgt/>
-                  </p:tgtEl>
-                </p:cond>
-              </p:nextCondLst>
-            </p:seq>
-          </p:childTnLst>
-        </p:cTn>
-      </p:par>
-    </p:tnLst>
-    <p:bldLst>
-      <p:bldP spid="4" grpId="0"/>
-      <p:bldP spid="7" grpId="0"/>
-    </p:bldLst>
-  </p:timing>
-</p:sld>
-</file>
-
-<file path=ppt/slides/slide3.xml><?xml version="1.0" encoding="utf-8"?>
-<p:sld xmlns:a="http://schemas.openxmlformats.org/drawingml/2006/main" xmlns:r="http://schemas.openxmlformats.org/officeDocument/2006/relationships" xmlns:p="http://schemas.openxmlformats.org/presentationml/2006/main">
-  <p:cSld>
-    <p:spTree>
-      <p:nvGrpSpPr>
-        <p:cNvPr id="1" name=""/>
-        <p:cNvGrpSpPr/>
-        <p:nvPr/>
-      </p:nvGrpSpPr>
-      <p:grpSpPr>
-        <a:xfrm>
-          <a:off x="0" y="0"/>
-          <a:ext cx="0" cy="0"/>
-          <a:chOff x="0" y="0"/>
-          <a:chExt cx="0" cy="0"/>
-        </a:xfrm>
-      </p:grpSpPr>
       <p:sp>
         <p:nvSpPr>
           <p:cNvPr id="2" name="Cím 1">
@@ -5670,12 +5084,6 @@
               <a:buNone/>
             </a:pPr>
             <a:r>
-              <a:rPr lang="hu-HU" sz="3200" b="1" dirty="0">
-                <a:latin typeface="Söhne"/>
-              </a:rPr>
-              <a:t>- </a:t>
-            </a:r>
-            <a:r>
               <a:rPr lang="hu-HU" sz="3200" b="1" dirty="0" err="1">
                 <a:latin typeface="Söhne"/>
               </a:rPr>
@@ -5756,29 +5164,6 @@
                 <a:latin typeface="Söhne"/>
               </a:rPr>
               <a:t>Higher education</a:t>
-            </a:r>
-            <a:r>
-              <a:rPr lang="hu-HU" sz="2800" dirty="0">
-                <a:effectLst/>
-                <a:latin typeface="Söhne"/>
-              </a:rPr>
-              <a:t>.	</a:t>
-            </a:r>
-          </a:p>
-          <a:p>
-            <a:pPr lvl="2"/>
-            <a:r>
-              <a:rPr lang="hu-HU" sz="2800" dirty="0" err="1">
-                <a:latin typeface="Söhne"/>
-              </a:rPr>
-              <a:t>Workplace</a:t>
-            </a:r>
-            <a:r>
-              <a:rPr lang="en-US" sz="2800" dirty="0">
-                <a:effectLst/>
-                <a:latin typeface="Söhne"/>
-              </a:rPr>
-              <a:t>.</a:t>
             </a:r>
             <a:endParaRPr lang="hu-HU" sz="2800" dirty="0">
               <a:effectLst/>
@@ -5789,31 +5174,9 @@
             <a:pPr lvl="2"/>
             <a:r>
               <a:rPr lang="hu-HU" sz="2800" dirty="0" err="1">
-                <a:effectLst/>
-                <a:latin typeface="Söhne"/>
-              </a:rPr>
-              <a:t>Higher</a:t>
-            </a:r>
-            <a:r>
-              <a:rPr lang="hu-HU" sz="2800" dirty="0">
-                <a:effectLst/>
-                <a:latin typeface="Söhne"/>
-              </a:rPr>
-              <a:t> </a:t>
-            </a:r>
-            <a:r>
-              <a:rPr lang="hu-HU" sz="2800" dirty="0" err="1">
-                <a:effectLst/>
-                <a:latin typeface="Söhne"/>
-              </a:rPr>
-              <a:t>pay</a:t>
-            </a:r>
-            <a:r>
-              <a:rPr lang="en-US" sz="2800" dirty="0">
-                <a:effectLst/>
-                <a:latin typeface="Söhne"/>
-              </a:rPr>
-              <a:t>.</a:t>
+                <a:latin typeface="Söhne"/>
+              </a:rPr>
+              <a:t>Workplace</a:t>
             </a:r>
             <a:endParaRPr lang="hu-HU" sz="2800" dirty="0">
               <a:effectLst/>
@@ -5823,18 +5186,25 @@
           <a:p>
             <a:pPr lvl="2"/>
             <a:r>
+              <a:rPr lang="hu-HU" sz="2800" dirty="0" err="1">
+                <a:effectLst/>
+                <a:latin typeface="Söhne"/>
+              </a:rPr>
+              <a:t>Higher</a:t>
+            </a:r>
+            <a:r>
               <a:rPr lang="hu-HU" sz="2800" dirty="0">
                 <a:effectLst/>
                 <a:latin typeface="Söhne"/>
               </a:rPr>
-              <a:t>More </a:t>
-            </a:r>
-            <a:r>
-              <a:rPr lang="hu-HU" sz="2800" dirty="0" err="1">
+              <a:t> </a:t>
+            </a:r>
+            <a:r>
+              <a:rPr lang="en-GB" sz="2800" dirty="0">
                 <a:effectLst/>
                 <a:latin typeface="Söhne"/>
               </a:rPr>
-              <a:t>respected</a:t>
+              <a:t>salary</a:t>
             </a:r>
             <a:endParaRPr lang="hu-HU" sz="2800" dirty="0">
               <a:effectLst/>
@@ -5844,25 +5214,18 @@
           <a:p>
             <a:pPr lvl="2"/>
             <a:r>
+              <a:rPr lang="hu-HU" sz="2800" dirty="0">
+                <a:effectLst/>
+                <a:latin typeface="Söhne"/>
+              </a:rPr>
+              <a:t>More </a:t>
+            </a:r>
+            <a:r>
               <a:rPr lang="hu-HU" sz="2800" dirty="0" err="1">
                 <a:effectLst/>
                 <a:latin typeface="Söhne"/>
               </a:rPr>
-              <a:t>Sometimes</a:t>
-            </a:r>
-            <a:r>
-              <a:rPr lang="hu-HU" sz="2800" dirty="0">
-                <a:effectLst/>
-                <a:latin typeface="Söhne"/>
-              </a:rPr>
-              <a:t> more </a:t>
-            </a:r>
-            <a:r>
-              <a:rPr lang="hu-HU" sz="2800" dirty="0" err="1">
-                <a:effectLst/>
-                <a:latin typeface="Söhne"/>
-              </a:rPr>
-              <a:t>flexible</a:t>
+              <a:t>respected</a:t>
             </a:r>
             <a:endParaRPr lang="hu-HU" sz="2800" dirty="0">
               <a:effectLst/>
@@ -5872,18 +5235,25 @@
           <a:p>
             <a:pPr lvl="2"/>
             <a:r>
+              <a:rPr lang="hu-HU" sz="2800" dirty="0" err="1">
+                <a:effectLst/>
+                <a:latin typeface="Söhne"/>
+              </a:rPr>
+              <a:t>Sometimes</a:t>
+            </a:r>
+            <a:r>
               <a:rPr lang="hu-HU" sz="2800" dirty="0">
                 <a:effectLst/>
                 <a:latin typeface="Söhne"/>
               </a:rPr>
-              <a:t>More </a:t>
+              <a:t> more </a:t>
             </a:r>
             <a:r>
               <a:rPr lang="hu-HU" sz="2800" dirty="0" err="1">
                 <a:effectLst/>
                 <a:latin typeface="Söhne"/>
               </a:rPr>
-              <a:t>comfortable</a:t>
+              <a:t>flexible</a:t>
             </a:r>
             <a:endParaRPr lang="hu-HU" sz="2800" dirty="0">
               <a:effectLst/>
@@ -5891,129 +5261,20 @@
             </a:endParaRPr>
           </a:p>
           <a:p>
-            <a:pPr marL="0" indent="0" algn="l">
-              <a:buNone/>
-            </a:pPr>
-            <a:r>
-              <a:rPr lang="hu-HU" sz="3200" b="1" dirty="0">
-                <a:latin typeface="Söhne"/>
-              </a:rPr>
-              <a:t>- </a:t>
-            </a:r>
-            <a:r>
-              <a:rPr lang="en-US" sz="3200" b="1" dirty="0">
-                <a:effectLst/>
-                <a:latin typeface="Söhne"/>
-              </a:rPr>
-              <a:t>Advantages of Blue-Collar Workers:</a:t>
-            </a:r>
-            <a:r>
-              <a:rPr lang="hu-HU" sz="3200" b="1" dirty="0">
-                <a:effectLst/>
-                <a:latin typeface="Söhne"/>
-              </a:rPr>
-              <a:t> (</a:t>
-            </a:r>
-            <a:r>
-              <a:rPr lang="hu-HU" sz="3200" b="1" dirty="0" err="1">
-                <a:effectLst/>
-                <a:latin typeface="Söhne"/>
-              </a:rPr>
-              <a:t>manual</a:t>
-            </a:r>
-            <a:r>
-              <a:rPr lang="hu-HU" sz="3200" b="1" dirty="0">
-                <a:effectLst/>
-                <a:latin typeface="Söhne"/>
-              </a:rPr>
-              <a:t> </a:t>
-            </a:r>
-            <a:r>
-              <a:rPr lang="hu-HU" sz="3200" b="1" dirty="0" err="1">
-                <a:effectLst/>
-                <a:latin typeface="Söhne"/>
-              </a:rPr>
-              <a:t>jobs</a:t>
-            </a:r>
-            <a:r>
-              <a:rPr lang="hu-HU" sz="3200" b="1" dirty="0">
-                <a:effectLst/>
-                <a:latin typeface="Söhne"/>
-              </a:rPr>
-              <a:t>)</a:t>
-            </a:r>
-          </a:p>
-          <a:p>
             <a:pPr lvl="2"/>
-            <a:r>
-              <a:rPr lang="en-US" sz="2800" dirty="0">
-                <a:effectLst/>
-                <a:latin typeface="Söhne"/>
-              </a:rPr>
-              <a:t>Work in skilled trades</a:t>
-            </a:r>
-            <a:r>
-              <a:rPr lang="hu-HU" sz="2800" dirty="0">
-                <a:latin typeface="Söhne"/>
-              </a:rPr>
-              <a:t>.</a:t>
-            </a:r>
-          </a:p>
-          <a:p>
-            <a:pPr lvl="2"/>
-            <a:r>
-              <a:rPr lang="hu-HU" sz="2800" dirty="0" err="1">
-                <a:latin typeface="Söhne"/>
-              </a:rPr>
-              <a:t>Lower</a:t>
-            </a:r>
-            <a:r>
-              <a:rPr lang="hu-HU" sz="2800" dirty="0">
-                <a:latin typeface="Söhne"/>
-              </a:rPr>
-              <a:t> e</a:t>
-            </a:r>
-            <a:r>
-              <a:rPr lang="en-US" sz="2800" dirty="0" err="1">
-                <a:effectLst/>
-                <a:latin typeface="Söhne"/>
-              </a:rPr>
-              <a:t>ducation</a:t>
-            </a:r>
-            <a:r>
-              <a:rPr lang="en-US" sz="2800" dirty="0">
-                <a:effectLst/>
-                <a:latin typeface="Söhne"/>
-              </a:rPr>
-              <a:t> </a:t>
-            </a:r>
             <a:r>
               <a:rPr lang="hu-HU" sz="2800" dirty="0">
                 <a:effectLst/>
                 <a:latin typeface="Söhne"/>
               </a:rPr>
-              <a:t>is </a:t>
+              <a:t>More </a:t>
             </a:r>
             <a:r>
               <a:rPr lang="hu-HU" sz="2800" dirty="0" err="1">
                 <a:effectLst/>
                 <a:latin typeface="Söhne"/>
               </a:rPr>
-              <a:t>needed</a:t>
-            </a:r>
-            <a:r>
-              <a:rPr lang="hu-HU" sz="2800" dirty="0">
-                <a:effectLst/>
-                <a:latin typeface="Söhne"/>
-              </a:rPr>
-              <a:t> </a:t>
-            </a:r>
-            <a:r>
-              <a:rPr lang="en-US" sz="2800" dirty="0">
-                <a:effectLst/>
-                <a:latin typeface="Söhne"/>
-              </a:rPr>
-              <a:t>for entry.</a:t>
+              <a:t>comfortable</a:t>
             </a:r>
             <a:endParaRPr lang="hu-HU" sz="2800" dirty="0">
               <a:effectLst/>
@@ -6021,12 +5282,133 @@
             </a:endParaRPr>
           </a:p>
           <a:p>
+            <a:pPr marL="0" indent="0" algn="l">
+              <a:buNone/>
+            </a:pPr>
+            <a:r>
+              <a:rPr lang="en-US" sz="3200" b="1" dirty="0">
+                <a:effectLst/>
+                <a:latin typeface="Söhne"/>
+              </a:rPr>
+              <a:t>Advantages of Blue-Collar Workers:</a:t>
+            </a:r>
+            <a:r>
+              <a:rPr lang="hu-HU" sz="3200" b="1" dirty="0">
+                <a:effectLst/>
+                <a:latin typeface="Söhne"/>
+              </a:rPr>
+              <a:t> (</a:t>
+            </a:r>
+            <a:r>
+              <a:rPr lang="hu-HU" sz="3200" b="1" dirty="0" err="1">
+                <a:effectLst/>
+                <a:latin typeface="Söhne"/>
+              </a:rPr>
+              <a:t>manual</a:t>
+            </a:r>
+            <a:r>
+              <a:rPr lang="hu-HU" sz="3200" b="1" dirty="0">
+                <a:effectLst/>
+                <a:latin typeface="Söhne"/>
+              </a:rPr>
+              <a:t> </a:t>
+            </a:r>
+            <a:r>
+              <a:rPr lang="hu-HU" sz="3200" b="1" dirty="0" err="1">
+                <a:effectLst/>
+                <a:latin typeface="Söhne"/>
+              </a:rPr>
+              <a:t>jobs</a:t>
+            </a:r>
+            <a:r>
+              <a:rPr lang="hu-HU" sz="3200" b="1" dirty="0">
+                <a:effectLst/>
+                <a:latin typeface="Söhne"/>
+              </a:rPr>
+              <a:t>)</a:t>
+            </a:r>
+          </a:p>
+          <a:p>
             <a:pPr lvl="2"/>
+            <a:r>
+              <a:rPr lang="en-US" sz="2800" dirty="0">
+                <a:effectLst/>
+                <a:latin typeface="Söhne"/>
+              </a:rPr>
+              <a:t>Work in skilled trades</a:t>
+            </a:r>
+            <a:endParaRPr lang="hu-HU" sz="2800" dirty="0">
+              <a:latin typeface="Söhne"/>
+            </a:endParaRPr>
+          </a:p>
+          <a:p>
+            <a:pPr lvl="2"/>
+            <a:r>
+              <a:rPr lang="hu-HU" sz="2800" dirty="0" err="1">
+                <a:latin typeface="Söhne"/>
+              </a:rPr>
+              <a:t>Lower</a:t>
+            </a:r>
+            <a:r>
+              <a:rPr lang="hu-HU" sz="2800" dirty="0">
+                <a:latin typeface="Söhne"/>
+              </a:rPr>
+              <a:t> e</a:t>
+            </a:r>
             <a:r>
               <a:rPr lang="en-US" sz="2800" dirty="0" err="1">
                 <a:effectLst/>
                 <a:latin typeface="Söhne"/>
               </a:rPr>
+              <a:t>ducation</a:t>
+            </a:r>
+            <a:r>
+              <a:rPr lang="en-US" sz="2800" dirty="0">
+                <a:effectLst/>
+                <a:latin typeface="Söhne"/>
+              </a:rPr>
+              <a:t> </a:t>
+            </a:r>
+            <a:r>
+              <a:rPr lang="hu-HU" sz="2800" dirty="0">
+                <a:effectLst/>
+                <a:latin typeface="Söhne"/>
+              </a:rPr>
+              <a:t>is </a:t>
+            </a:r>
+            <a:r>
+              <a:rPr lang="hu-HU" sz="2800" dirty="0" err="1">
+                <a:effectLst/>
+                <a:latin typeface="Söhne"/>
+              </a:rPr>
+              <a:t>needed</a:t>
+            </a:r>
+            <a:r>
+              <a:rPr lang="hu-HU" sz="2800" dirty="0">
+                <a:effectLst/>
+                <a:latin typeface="Söhne"/>
+              </a:rPr>
+              <a:t> </a:t>
+            </a:r>
+            <a:r>
+              <a:rPr lang="en-US" sz="2800" dirty="0">
+                <a:effectLst/>
+                <a:latin typeface="Söhne"/>
+              </a:rPr>
+              <a:t>for entry</a:t>
+            </a:r>
+            <a:endParaRPr lang="hu-HU" sz="2800" dirty="0">
+              <a:effectLst/>
+              <a:latin typeface="Söhne"/>
+            </a:endParaRPr>
+          </a:p>
+          <a:p>
+            <a:pPr lvl="2"/>
+            <a:r>
+              <a:rPr lang="en-US" sz="2800" dirty="0" err="1">
+                <a:effectLst/>
+                <a:latin typeface="Söhne"/>
+              </a:rPr>
               <a:t>Accessib</a:t>
             </a:r>
             <a:r>
@@ -6039,7 +5421,7 @@
               <a:rPr lang="hu-HU" sz="2800" dirty="0">
                 <a:latin typeface="Söhne"/>
               </a:rPr>
-              <a:t>. (more </a:t>
+              <a:t> (more </a:t>
             </a:r>
             <a:r>
               <a:rPr lang="hu-HU" sz="2800" dirty="0" err="1">
@@ -6792,6 +6174,2884 @@
                                         </p:tgtEl>
                                       </p:cBhvr>
                                     </p:animEffect>
+                                  </p:childTnLst>
+                                </p:cTn>
+                              </p:par>
+                            </p:childTnLst>
+                          </p:cTn>
+                        </p:par>
+                      </p:childTnLst>
+                    </p:cTn>
+                  </p:par>
+                </p:childTnLst>
+              </p:cTn>
+              <p:prevCondLst>
+                <p:cond evt="onPrev" delay="0">
+                  <p:tgtEl>
+                    <p:sldTgt/>
+                  </p:tgtEl>
+                </p:cond>
+              </p:prevCondLst>
+              <p:nextCondLst>
+                <p:cond evt="onNext" delay="0">
+                  <p:tgtEl>
+                    <p:sldTgt/>
+                  </p:tgtEl>
+                </p:cond>
+              </p:nextCondLst>
+            </p:seq>
+          </p:childTnLst>
+        </p:cTn>
+      </p:par>
+    </p:tnLst>
+    <p:bldLst>
+      <p:bldP spid="2" grpId="0"/>
+      <p:bldP spid="3" grpId="0" build="p"/>
+      <p:bldP spid="4" grpId="0"/>
+    </p:bldLst>
+  </p:timing>
+</p:sld>
+</file>
+
+<file path=ppt/slides/slide2.xml><?xml version="1.0" encoding="utf-8"?>
+<p:sld xmlns:a="http://schemas.openxmlformats.org/drawingml/2006/main" xmlns:r="http://schemas.openxmlformats.org/officeDocument/2006/relationships" xmlns:p="http://schemas.openxmlformats.org/presentationml/2006/main">
+  <p:cSld>
+    <p:spTree>
+      <p:nvGrpSpPr>
+        <p:cNvPr id="1" name=""/>
+        <p:cNvGrpSpPr/>
+        <p:nvPr/>
+      </p:nvGrpSpPr>
+      <p:grpSpPr>
+        <a:xfrm>
+          <a:off x="0" y="0"/>
+          <a:ext cx="0" cy="0"/>
+          <a:chOff x="0" y="0"/>
+          <a:chExt cx="0" cy="0"/>
+        </a:xfrm>
+      </p:grpSpPr>
+      <p:sp>
+        <p:nvSpPr>
+          <p:cNvPr id="2" name="Cím 1">
+            <a:extLst>
+              <a:ext uri="{FF2B5EF4-FFF2-40B4-BE49-F238E27FC236}">
+                <a16:creationId xmlns:a16="http://schemas.microsoft.com/office/drawing/2014/main" id="{1D076EFF-88E5-BAE6-7DDC-1D2CE7B3DF6E}"/>
+              </a:ext>
+            </a:extLst>
+          </p:cNvPr>
+          <p:cNvSpPr>
+            <a:spLocks noGrp="1"/>
+          </p:cNvSpPr>
+          <p:nvPr>
+            <p:ph type="title"/>
+          </p:nvPr>
+        </p:nvSpPr>
+        <p:spPr/>
+        <p:txBody>
+          <a:bodyPr>
+            <a:normAutofit fontScale="90000"/>
+          </a:bodyPr>
+          <a:lstStyle/>
+          <a:p>
+            <a:pPr marL="0" indent="0" algn="ctr">
+              <a:buNone/>
+            </a:pPr>
+            <a:r>
+              <a:rPr lang="en-US" sz="4800" b="1" u="sng" dirty="0">
+                <a:effectLst/>
+                <a:latin typeface="Söhne"/>
+              </a:rPr>
+              <a:t>Disadvantages</a:t>
+            </a:r>
+            <a:r>
+              <a:rPr lang="hu-HU" sz="4800" b="1" u="sng" dirty="0">
+                <a:effectLst/>
+                <a:latin typeface="Söhne"/>
+              </a:rPr>
+              <a:t> of</a:t>
+            </a:r>
+            <a:r>
+              <a:rPr lang="en-US" sz="4800" b="1" i="0" u="sng" dirty="0">
+                <a:effectLst/>
+                <a:latin typeface="Söhne"/>
+              </a:rPr>
+              <a:t> White- </a:t>
+            </a:r>
+            <a:br>
+              <a:rPr lang="hu-HU" sz="4800" b="1" i="0" u="sng" dirty="0">
+                <a:effectLst/>
+                <a:latin typeface="Söhne"/>
+              </a:rPr>
+            </a:br>
+            <a:r>
+              <a:rPr lang="en-US" sz="4800" b="1" i="0" u="sng" dirty="0">
+                <a:effectLst/>
+                <a:latin typeface="Söhne"/>
+              </a:rPr>
+              <a:t>and Blue-Collar Jobs:</a:t>
+            </a:r>
+            <a:endParaRPr lang="hu-HU" sz="4800" b="1" i="0" u="sng" dirty="0">
+              <a:effectLst/>
+              <a:latin typeface="Söhne"/>
+            </a:endParaRPr>
+          </a:p>
+        </p:txBody>
+      </p:sp>
+      <p:sp>
+        <p:nvSpPr>
+          <p:cNvPr id="3" name="Tartalom helye 2">
+            <a:extLst>
+              <a:ext uri="{FF2B5EF4-FFF2-40B4-BE49-F238E27FC236}">
+                <a16:creationId xmlns:a16="http://schemas.microsoft.com/office/drawing/2014/main" id="{E86FF2FB-7653-66F4-EE29-44E5CFC67121}"/>
+              </a:ext>
+            </a:extLst>
+          </p:cNvPr>
+          <p:cNvSpPr>
+            <a:spLocks noGrp="1"/>
+          </p:cNvSpPr>
+          <p:nvPr>
+            <p:ph idx="1"/>
+          </p:nvPr>
+        </p:nvSpPr>
+        <p:spPr>
+          <a:xfrm>
+            <a:off x="855677" y="2114026"/>
+            <a:ext cx="10269523" cy="3998109"/>
+          </a:xfrm>
+        </p:spPr>
+        <p:txBody>
+          <a:bodyPr>
+            <a:normAutofit fontScale="92500" lnSpcReduction="20000"/>
+          </a:bodyPr>
+          <a:lstStyle/>
+          <a:p>
+            <a:pPr marL="274320" lvl="1" indent="0">
+              <a:buNone/>
+            </a:pPr>
+            <a:r>
+              <a:rPr lang="en-US" sz="3200" b="1" i="0" dirty="0">
+                <a:effectLst/>
+                <a:latin typeface="Söhne"/>
+              </a:rPr>
+              <a:t>Disadvantages of White-Collar Workers:</a:t>
+            </a:r>
+            <a:endParaRPr lang="en-US" sz="3200" b="0" i="0" dirty="0">
+              <a:effectLst/>
+              <a:latin typeface="Söhne"/>
+            </a:endParaRPr>
+          </a:p>
+          <a:p>
+            <a:pPr marL="1074420" lvl="2" indent="-342900"/>
+            <a:r>
+              <a:rPr lang="hu-HU" sz="2800" dirty="0">
+                <a:latin typeface="Söhne"/>
+              </a:rPr>
+              <a:t>W</a:t>
+            </a:r>
+            <a:r>
+              <a:rPr lang="en-US" sz="2800" b="0" i="0" dirty="0" err="1">
+                <a:effectLst/>
+                <a:latin typeface="Söhne"/>
+              </a:rPr>
+              <a:t>orking</a:t>
+            </a:r>
+            <a:r>
+              <a:rPr lang="en-US" sz="2800" b="0" i="0" dirty="0">
+                <a:effectLst/>
+                <a:latin typeface="Söhne"/>
+              </a:rPr>
+              <a:t> hours</a:t>
+            </a:r>
+            <a:endParaRPr lang="hu-HU" sz="2800" b="0" i="0" dirty="0">
+              <a:effectLst/>
+              <a:latin typeface="Söhne"/>
+            </a:endParaRPr>
+          </a:p>
+          <a:p>
+            <a:pPr marL="1074420" lvl="2" indent="-342900"/>
+            <a:r>
+              <a:rPr lang="hu-HU" sz="2800" b="0" i="0" dirty="0">
+                <a:effectLst/>
+                <a:latin typeface="Söhne"/>
+              </a:rPr>
+              <a:t>H</a:t>
+            </a:r>
+            <a:r>
+              <a:rPr lang="en-US" sz="2800" b="0" i="0" dirty="0" err="1">
+                <a:effectLst/>
+                <a:latin typeface="Söhne"/>
+              </a:rPr>
+              <a:t>igh</a:t>
+            </a:r>
+            <a:r>
+              <a:rPr lang="en-US" sz="2800" b="0" i="0" dirty="0">
+                <a:effectLst/>
+                <a:latin typeface="Söhne"/>
+              </a:rPr>
+              <a:t> expectations</a:t>
+            </a:r>
+          </a:p>
+          <a:p>
+            <a:pPr marL="1074420" lvl="2" indent="-342900"/>
+            <a:r>
+              <a:rPr lang="hu-HU" sz="2800" dirty="0">
+                <a:latin typeface="Söhne"/>
+              </a:rPr>
+              <a:t>M</a:t>
+            </a:r>
+            <a:r>
+              <a:rPr lang="en-US" sz="2800" b="0" i="0" dirty="0" err="1">
+                <a:effectLst/>
+                <a:latin typeface="Söhne"/>
+              </a:rPr>
+              <a:t>onoton</a:t>
+            </a:r>
+            <a:r>
+              <a:rPr lang="en-GB" sz="2800" dirty="0" err="1">
+                <a:latin typeface="Söhne"/>
+              </a:rPr>
+              <a:t>ous</a:t>
+            </a:r>
+            <a:endParaRPr lang="hu-HU" sz="2800" b="0" i="0" dirty="0">
+              <a:effectLst/>
+              <a:latin typeface="Söhne"/>
+            </a:endParaRPr>
+          </a:p>
+          <a:p>
+            <a:pPr marL="1074420" lvl="2" indent="-342900"/>
+            <a:r>
+              <a:rPr lang="hu-HU" sz="2800" dirty="0" err="1">
+                <a:latin typeface="Söhne"/>
+              </a:rPr>
+              <a:t>Lack</a:t>
+            </a:r>
+            <a:r>
+              <a:rPr lang="hu-HU" sz="2800" dirty="0">
+                <a:latin typeface="Söhne"/>
+              </a:rPr>
+              <a:t> of </a:t>
+            </a:r>
+            <a:r>
+              <a:rPr lang="hu-HU" sz="2800" dirty="0" err="1">
+                <a:latin typeface="Söhne"/>
+              </a:rPr>
+              <a:t>stability</a:t>
+            </a:r>
+            <a:endParaRPr lang="hu-HU" sz="2800" dirty="0">
+              <a:latin typeface="Söhne"/>
+            </a:endParaRPr>
+          </a:p>
+          <a:p>
+            <a:pPr marL="1074420" lvl="2" indent="-342900"/>
+            <a:r>
+              <a:rPr lang="hu-HU" sz="2800" b="0" i="0" dirty="0" err="1">
+                <a:effectLst/>
+                <a:latin typeface="Söhne"/>
+              </a:rPr>
+              <a:t>stressful</a:t>
+            </a:r>
+            <a:endParaRPr lang="en-US" sz="2800" b="0" i="0" dirty="0">
+              <a:effectLst/>
+              <a:latin typeface="Söhne"/>
+            </a:endParaRPr>
+          </a:p>
+          <a:p>
+            <a:pPr marL="274320" lvl="1" indent="0">
+              <a:buNone/>
+            </a:pPr>
+            <a:r>
+              <a:rPr lang="en-US" sz="3200" b="1" i="0" dirty="0">
+                <a:effectLst/>
+                <a:latin typeface="Söhne"/>
+              </a:rPr>
+              <a:t>Disadvantages of Blue-Collar Workers:</a:t>
+            </a:r>
+            <a:endParaRPr lang="en-US" sz="3200" b="0" i="0" dirty="0">
+              <a:effectLst/>
+              <a:latin typeface="Söhne"/>
+            </a:endParaRPr>
+          </a:p>
+          <a:p>
+            <a:pPr marL="1074420" lvl="2" indent="-342900"/>
+            <a:r>
+              <a:rPr lang="en-US" sz="2800" b="0" i="0" dirty="0">
+                <a:effectLst/>
+                <a:latin typeface="Söhne"/>
+              </a:rPr>
+              <a:t>Physically demand</a:t>
+            </a:r>
+            <a:r>
+              <a:rPr lang="hu-HU" sz="2800" b="0" i="0" dirty="0">
+                <a:effectLst/>
+                <a:latin typeface="Söhne"/>
+              </a:rPr>
+              <a:t>ing</a:t>
+            </a:r>
+          </a:p>
+          <a:p>
+            <a:pPr marL="1074420" lvl="2" indent="-342900"/>
+            <a:r>
+              <a:rPr lang="en-US" sz="2800" b="0" i="0" dirty="0">
+                <a:effectLst/>
+                <a:latin typeface="Söhne"/>
+              </a:rPr>
+              <a:t>Lower </a:t>
+            </a:r>
+            <a:r>
+              <a:rPr lang="en-US" sz="2800" dirty="0">
+                <a:latin typeface="Söhne"/>
+              </a:rPr>
+              <a:t>salary</a:t>
+            </a:r>
+            <a:endParaRPr lang="hu-HU" sz="2800" b="0" i="0" dirty="0">
+              <a:effectLst/>
+              <a:latin typeface="Söhne"/>
+            </a:endParaRPr>
+          </a:p>
+          <a:p>
+            <a:pPr marL="1074420" lvl="2" indent="-342900"/>
+            <a:r>
+              <a:rPr lang="hu-HU" sz="2800" dirty="0" err="1">
+                <a:latin typeface="Söhne"/>
+              </a:rPr>
+              <a:t>High</a:t>
+            </a:r>
+            <a:r>
+              <a:rPr lang="hu-HU" sz="2800" dirty="0">
+                <a:latin typeface="Söhne"/>
+              </a:rPr>
+              <a:t> </a:t>
+            </a:r>
+            <a:r>
+              <a:rPr lang="hu-HU" sz="2800" dirty="0" err="1">
+                <a:latin typeface="Söhne"/>
+              </a:rPr>
+              <a:t>risk</a:t>
+            </a:r>
+            <a:r>
+              <a:rPr lang="hu-HU" sz="2800" dirty="0">
+                <a:latin typeface="Söhne"/>
+              </a:rPr>
+              <a:t> of </a:t>
+            </a:r>
+            <a:r>
+              <a:rPr lang="hu-HU" sz="2800" dirty="0" err="1">
+                <a:latin typeface="Söhne"/>
+              </a:rPr>
+              <a:t>injury</a:t>
+            </a:r>
+            <a:r>
+              <a:rPr lang="hu-HU" sz="2800" dirty="0">
+                <a:latin typeface="Söhne"/>
+              </a:rPr>
+              <a:t>, </a:t>
+            </a:r>
+            <a:r>
+              <a:rPr lang="hu-HU" sz="2800" dirty="0" err="1">
+                <a:latin typeface="Söhne"/>
+              </a:rPr>
+              <a:t>dangerous</a:t>
+            </a:r>
+            <a:endParaRPr lang="en-US" sz="2800" b="0" i="0" dirty="0">
+              <a:effectLst/>
+              <a:latin typeface="Söhne"/>
+            </a:endParaRPr>
+          </a:p>
+          <a:p>
+            <a:endParaRPr lang="hu-HU" sz="2400" dirty="0"/>
+          </a:p>
+        </p:txBody>
+      </p:sp>
+      <p:sp>
+        <p:nvSpPr>
+          <p:cNvPr id="4" name="Dátum helye 3">
+            <a:extLst>
+              <a:ext uri="{FF2B5EF4-FFF2-40B4-BE49-F238E27FC236}">
+                <a16:creationId xmlns:a16="http://schemas.microsoft.com/office/drawing/2014/main" id="{7761CB8F-8922-EE0A-FDA8-DBB7F08A84AB}"/>
+              </a:ext>
+            </a:extLst>
+          </p:cNvPr>
+          <p:cNvSpPr>
+            <a:spLocks noGrp="1"/>
+          </p:cNvSpPr>
+          <p:nvPr>
+            <p:ph type="dt" sz="half" idx="10"/>
+          </p:nvPr>
+        </p:nvSpPr>
+        <p:spPr/>
+        <p:txBody>
+          <a:bodyPr/>
+          <a:lstStyle/>
+          <a:p>
+            <a:pPr rtl="0"/>
+            <a:endParaRPr lang="en-US" dirty="0"/>
+          </a:p>
+        </p:txBody>
+      </p:sp>
+    </p:spTree>
+    <p:extLst>
+      <p:ext uri="{BB962C8B-B14F-4D97-AF65-F5344CB8AC3E}">
+        <p14:creationId xmlns:p14="http://schemas.microsoft.com/office/powerpoint/2010/main" val="2225444030"/>
+      </p:ext>
+    </p:extLst>
+  </p:cSld>
+  <p:clrMapOvr>
+    <a:masterClrMapping/>
+  </p:clrMapOvr>
+  <p:timing>
+    <p:tnLst>
+      <p:par>
+        <p:cTn id="1" dur="indefinite" restart="never" nodeType="tmRoot">
+          <p:childTnLst>
+            <p:seq concurrent="1" nextAc="seek">
+              <p:cTn id="2" dur="indefinite" nodeType="mainSeq">
+                <p:childTnLst>
+                  <p:par>
+                    <p:cTn id="3" fill="hold">
+                      <p:stCondLst>
+                        <p:cond delay="indefinite"/>
+                      </p:stCondLst>
+                      <p:childTnLst>
+                        <p:par>
+                          <p:cTn id="4" fill="hold">
+                            <p:stCondLst>
+                              <p:cond delay="0"/>
+                            </p:stCondLst>
+                            <p:childTnLst>
+                              <p:par>
+                                <p:cTn id="5" presetID="2" presetClass="entr" presetSubtype="4" fill="hold" grpId="0" nodeType="clickEffect">
+                                  <p:stCondLst>
+                                    <p:cond delay="0"/>
+                                  </p:stCondLst>
+                                  <p:childTnLst>
+                                    <p:set>
+                                      <p:cBhvr>
+                                        <p:cTn id="6" dur="1" fill="hold">
+                                          <p:stCondLst>
+                                            <p:cond delay="0"/>
+                                          </p:stCondLst>
+                                        </p:cTn>
+                                        <p:tgtEl>
+                                          <p:spTgt spid="2"/>
+                                        </p:tgtEl>
+                                        <p:attrNameLst>
+                                          <p:attrName>style.visibility</p:attrName>
+                                        </p:attrNameLst>
+                                      </p:cBhvr>
+                                      <p:to>
+                                        <p:strVal val="visible"/>
+                                      </p:to>
+                                    </p:set>
+                                    <p:anim calcmode="lin" valueType="num">
+                                      <p:cBhvr additive="base">
+                                        <p:cTn id="7" dur="500" fill="hold"/>
+                                        <p:tgtEl>
+                                          <p:spTgt spid="2"/>
+                                        </p:tgtEl>
+                                        <p:attrNameLst>
+                                          <p:attrName>ppt_x</p:attrName>
+                                        </p:attrNameLst>
+                                      </p:cBhvr>
+                                      <p:tavLst>
+                                        <p:tav tm="0">
+                                          <p:val>
+                                            <p:strVal val="#ppt_x"/>
+                                          </p:val>
+                                        </p:tav>
+                                        <p:tav tm="100000">
+                                          <p:val>
+                                            <p:strVal val="#ppt_x"/>
+                                          </p:val>
+                                        </p:tav>
+                                      </p:tavLst>
+                                    </p:anim>
+                                    <p:anim calcmode="lin" valueType="num">
+                                      <p:cBhvr additive="base">
+                                        <p:cTn id="8" dur="500" fill="hold"/>
+                                        <p:tgtEl>
+                                          <p:spTgt spid="2"/>
+                                        </p:tgtEl>
+                                        <p:attrNameLst>
+                                          <p:attrName>ppt_y</p:attrName>
+                                        </p:attrNameLst>
+                                      </p:cBhvr>
+                                      <p:tavLst>
+                                        <p:tav tm="0">
+                                          <p:val>
+                                            <p:strVal val="1+#ppt_h/2"/>
+                                          </p:val>
+                                        </p:tav>
+                                        <p:tav tm="100000">
+                                          <p:val>
+                                            <p:strVal val="#ppt_y"/>
+                                          </p:val>
+                                        </p:tav>
+                                      </p:tavLst>
+                                    </p:anim>
+                                  </p:childTnLst>
+                                </p:cTn>
+                              </p:par>
+                              <p:par>
+                                <p:cTn id="9" presetID="2" presetClass="entr" presetSubtype="4" fill="hold" grpId="0" nodeType="withEffect">
+                                  <p:stCondLst>
+                                    <p:cond delay="0"/>
+                                  </p:stCondLst>
+                                  <p:childTnLst>
+                                    <p:set>
+                                      <p:cBhvr>
+                                        <p:cTn id="10" dur="1" fill="hold">
+                                          <p:stCondLst>
+                                            <p:cond delay="0"/>
+                                          </p:stCondLst>
+                                        </p:cTn>
+                                        <p:tgtEl>
+                                          <p:spTgt spid="3">
+                                            <p:txEl>
+                                              <p:pRg st="0" end="0"/>
+                                            </p:txEl>
+                                          </p:spTgt>
+                                        </p:tgtEl>
+                                        <p:attrNameLst>
+                                          <p:attrName>style.visibility</p:attrName>
+                                        </p:attrNameLst>
+                                      </p:cBhvr>
+                                      <p:to>
+                                        <p:strVal val="visible"/>
+                                      </p:to>
+                                    </p:set>
+                                    <p:anim calcmode="lin" valueType="num">
+                                      <p:cBhvr additive="base">
+                                        <p:cTn id="11" dur="500" fill="hold"/>
+                                        <p:tgtEl>
+                                          <p:spTgt spid="3">
+                                            <p:txEl>
+                                              <p:pRg st="0" end="0"/>
+                                            </p:txEl>
+                                          </p:spTgt>
+                                        </p:tgtEl>
+                                        <p:attrNameLst>
+                                          <p:attrName>ppt_x</p:attrName>
+                                        </p:attrNameLst>
+                                      </p:cBhvr>
+                                      <p:tavLst>
+                                        <p:tav tm="0">
+                                          <p:val>
+                                            <p:strVal val="#ppt_x"/>
+                                          </p:val>
+                                        </p:tav>
+                                        <p:tav tm="100000">
+                                          <p:val>
+                                            <p:strVal val="#ppt_x"/>
+                                          </p:val>
+                                        </p:tav>
+                                      </p:tavLst>
+                                    </p:anim>
+                                    <p:anim calcmode="lin" valueType="num">
+                                      <p:cBhvr additive="base">
+                                        <p:cTn id="12" dur="500" fill="hold"/>
+                                        <p:tgtEl>
+                                          <p:spTgt spid="3">
+                                            <p:txEl>
+                                              <p:pRg st="0" end="0"/>
+                                            </p:txEl>
+                                          </p:spTgt>
+                                        </p:tgtEl>
+                                        <p:attrNameLst>
+                                          <p:attrName>ppt_y</p:attrName>
+                                        </p:attrNameLst>
+                                      </p:cBhvr>
+                                      <p:tavLst>
+                                        <p:tav tm="0">
+                                          <p:val>
+                                            <p:strVal val="1+#ppt_h/2"/>
+                                          </p:val>
+                                        </p:tav>
+                                        <p:tav tm="100000">
+                                          <p:val>
+                                            <p:strVal val="#ppt_y"/>
+                                          </p:val>
+                                        </p:tav>
+                                      </p:tavLst>
+                                    </p:anim>
+                                  </p:childTnLst>
+                                </p:cTn>
+                              </p:par>
+                              <p:par>
+                                <p:cTn id="13" presetID="2" presetClass="entr" presetSubtype="4" fill="hold" grpId="0" nodeType="withEffect">
+                                  <p:stCondLst>
+                                    <p:cond delay="0"/>
+                                  </p:stCondLst>
+                                  <p:childTnLst>
+                                    <p:set>
+                                      <p:cBhvr>
+                                        <p:cTn id="14" dur="1" fill="hold">
+                                          <p:stCondLst>
+                                            <p:cond delay="0"/>
+                                          </p:stCondLst>
+                                        </p:cTn>
+                                        <p:tgtEl>
+                                          <p:spTgt spid="3">
+                                            <p:txEl>
+                                              <p:pRg st="1" end="1"/>
+                                            </p:txEl>
+                                          </p:spTgt>
+                                        </p:tgtEl>
+                                        <p:attrNameLst>
+                                          <p:attrName>style.visibility</p:attrName>
+                                        </p:attrNameLst>
+                                      </p:cBhvr>
+                                      <p:to>
+                                        <p:strVal val="visible"/>
+                                      </p:to>
+                                    </p:set>
+                                    <p:anim calcmode="lin" valueType="num">
+                                      <p:cBhvr additive="base">
+                                        <p:cTn id="15" dur="500" fill="hold"/>
+                                        <p:tgtEl>
+                                          <p:spTgt spid="3">
+                                            <p:txEl>
+                                              <p:pRg st="1" end="1"/>
+                                            </p:txEl>
+                                          </p:spTgt>
+                                        </p:tgtEl>
+                                        <p:attrNameLst>
+                                          <p:attrName>ppt_x</p:attrName>
+                                        </p:attrNameLst>
+                                      </p:cBhvr>
+                                      <p:tavLst>
+                                        <p:tav tm="0">
+                                          <p:val>
+                                            <p:strVal val="#ppt_x"/>
+                                          </p:val>
+                                        </p:tav>
+                                        <p:tav tm="100000">
+                                          <p:val>
+                                            <p:strVal val="#ppt_x"/>
+                                          </p:val>
+                                        </p:tav>
+                                      </p:tavLst>
+                                    </p:anim>
+                                    <p:anim calcmode="lin" valueType="num">
+                                      <p:cBhvr additive="base">
+                                        <p:cTn id="16" dur="500" fill="hold"/>
+                                        <p:tgtEl>
+                                          <p:spTgt spid="3">
+                                            <p:txEl>
+                                              <p:pRg st="1" end="1"/>
+                                            </p:txEl>
+                                          </p:spTgt>
+                                        </p:tgtEl>
+                                        <p:attrNameLst>
+                                          <p:attrName>ppt_y</p:attrName>
+                                        </p:attrNameLst>
+                                      </p:cBhvr>
+                                      <p:tavLst>
+                                        <p:tav tm="0">
+                                          <p:val>
+                                            <p:strVal val="1+#ppt_h/2"/>
+                                          </p:val>
+                                        </p:tav>
+                                        <p:tav tm="100000">
+                                          <p:val>
+                                            <p:strVal val="#ppt_y"/>
+                                          </p:val>
+                                        </p:tav>
+                                      </p:tavLst>
+                                    </p:anim>
+                                  </p:childTnLst>
+                                </p:cTn>
+                              </p:par>
+                              <p:par>
+                                <p:cTn id="17" presetID="2" presetClass="entr" presetSubtype="4" fill="hold" grpId="0" nodeType="withEffect">
+                                  <p:stCondLst>
+                                    <p:cond delay="0"/>
+                                  </p:stCondLst>
+                                  <p:childTnLst>
+                                    <p:set>
+                                      <p:cBhvr>
+                                        <p:cTn id="18" dur="1" fill="hold">
+                                          <p:stCondLst>
+                                            <p:cond delay="0"/>
+                                          </p:stCondLst>
+                                        </p:cTn>
+                                        <p:tgtEl>
+                                          <p:spTgt spid="3">
+                                            <p:txEl>
+                                              <p:pRg st="2" end="2"/>
+                                            </p:txEl>
+                                          </p:spTgt>
+                                        </p:tgtEl>
+                                        <p:attrNameLst>
+                                          <p:attrName>style.visibility</p:attrName>
+                                        </p:attrNameLst>
+                                      </p:cBhvr>
+                                      <p:to>
+                                        <p:strVal val="visible"/>
+                                      </p:to>
+                                    </p:set>
+                                    <p:anim calcmode="lin" valueType="num">
+                                      <p:cBhvr additive="base">
+                                        <p:cTn id="19" dur="500" fill="hold"/>
+                                        <p:tgtEl>
+                                          <p:spTgt spid="3">
+                                            <p:txEl>
+                                              <p:pRg st="2" end="2"/>
+                                            </p:txEl>
+                                          </p:spTgt>
+                                        </p:tgtEl>
+                                        <p:attrNameLst>
+                                          <p:attrName>ppt_x</p:attrName>
+                                        </p:attrNameLst>
+                                      </p:cBhvr>
+                                      <p:tavLst>
+                                        <p:tav tm="0">
+                                          <p:val>
+                                            <p:strVal val="#ppt_x"/>
+                                          </p:val>
+                                        </p:tav>
+                                        <p:tav tm="100000">
+                                          <p:val>
+                                            <p:strVal val="#ppt_x"/>
+                                          </p:val>
+                                        </p:tav>
+                                      </p:tavLst>
+                                    </p:anim>
+                                    <p:anim calcmode="lin" valueType="num">
+                                      <p:cBhvr additive="base">
+                                        <p:cTn id="20" dur="500" fill="hold"/>
+                                        <p:tgtEl>
+                                          <p:spTgt spid="3">
+                                            <p:txEl>
+                                              <p:pRg st="2" end="2"/>
+                                            </p:txEl>
+                                          </p:spTgt>
+                                        </p:tgtEl>
+                                        <p:attrNameLst>
+                                          <p:attrName>ppt_y</p:attrName>
+                                        </p:attrNameLst>
+                                      </p:cBhvr>
+                                      <p:tavLst>
+                                        <p:tav tm="0">
+                                          <p:val>
+                                            <p:strVal val="1+#ppt_h/2"/>
+                                          </p:val>
+                                        </p:tav>
+                                        <p:tav tm="100000">
+                                          <p:val>
+                                            <p:strVal val="#ppt_y"/>
+                                          </p:val>
+                                        </p:tav>
+                                      </p:tavLst>
+                                    </p:anim>
+                                  </p:childTnLst>
+                                </p:cTn>
+                              </p:par>
+                              <p:par>
+                                <p:cTn id="21" presetID="2" presetClass="entr" presetSubtype="4" fill="hold" grpId="0" nodeType="withEffect">
+                                  <p:stCondLst>
+                                    <p:cond delay="0"/>
+                                  </p:stCondLst>
+                                  <p:childTnLst>
+                                    <p:set>
+                                      <p:cBhvr>
+                                        <p:cTn id="22" dur="1" fill="hold">
+                                          <p:stCondLst>
+                                            <p:cond delay="0"/>
+                                          </p:stCondLst>
+                                        </p:cTn>
+                                        <p:tgtEl>
+                                          <p:spTgt spid="3">
+                                            <p:txEl>
+                                              <p:pRg st="3" end="3"/>
+                                            </p:txEl>
+                                          </p:spTgt>
+                                        </p:tgtEl>
+                                        <p:attrNameLst>
+                                          <p:attrName>style.visibility</p:attrName>
+                                        </p:attrNameLst>
+                                      </p:cBhvr>
+                                      <p:to>
+                                        <p:strVal val="visible"/>
+                                      </p:to>
+                                    </p:set>
+                                    <p:anim calcmode="lin" valueType="num">
+                                      <p:cBhvr additive="base">
+                                        <p:cTn id="23" dur="500" fill="hold"/>
+                                        <p:tgtEl>
+                                          <p:spTgt spid="3">
+                                            <p:txEl>
+                                              <p:pRg st="3" end="3"/>
+                                            </p:txEl>
+                                          </p:spTgt>
+                                        </p:tgtEl>
+                                        <p:attrNameLst>
+                                          <p:attrName>ppt_x</p:attrName>
+                                        </p:attrNameLst>
+                                      </p:cBhvr>
+                                      <p:tavLst>
+                                        <p:tav tm="0">
+                                          <p:val>
+                                            <p:strVal val="#ppt_x"/>
+                                          </p:val>
+                                        </p:tav>
+                                        <p:tav tm="100000">
+                                          <p:val>
+                                            <p:strVal val="#ppt_x"/>
+                                          </p:val>
+                                        </p:tav>
+                                      </p:tavLst>
+                                    </p:anim>
+                                    <p:anim calcmode="lin" valueType="num">
+                                      <p:cBhvr additive="base">
+                                        <p:cTn id="24" dur="500" fill="hold"/>
+                                        <p:tgtEl>
+                                          <p:spTgt spid="3">
+                                            <p:txEl>
+                                              <p:pRg st="3" end="3"/>
+                                            </p:txEl>
+                                          </p:spTgt>
+                                        </p:tgtEl>
+                                        <p:attrNameLst>
+                                          <p:attrName>ppt_y</p:attrName>
+                                        </p:attrNameLst>
+                                      </p:cBhvr>
+                                      <p:tavLst>
+                                        <p:tav tm="0">
+                                          <p:val>
+                                            <p:strVal val="1+#ppt_h/2"/>
+                                          </p:val>
+                                        </p:tav>
+                                        <p:tav tm="100000">
+                                          <p:val>
+                                            <p:strVal val="#ppt_y"/>
+                                          </p:val>
+                                        </p:tav>
+                                      </p:tavLst>
+                                    </p:anim>
+                                  </p:childTnLst>
+                                </p:cTn>
+                              </p:par>
+                              <p:par>
+                                <p:cTn id="25" presetID="2" presetClass="entr" presetSubtype="4" fill="hold" grpId="0" nodeType="withEffect">
+                                  <p:stCondLst>
+                                    <p:cond delay="0"/>
+                                  </p:stCondLst>
+                                  <p:childTnLst>
+                                    <p:set>
+                                      <p:cBhvr>
+                                        <p:cTn id="26" dur="1" fill="hold">
+                                          <p:stCondLst>
+                                            <p:cond delay="0"/>
+                                          </p:stCondLst>
+                                        </p:cTn>
+                                        <p:tgtEl>
+                                          <p:spTgt spid="3">
+                                            <p:txEl>
+                                              <p:pRg st="4" end="4"/>
+                                            </p:txEl>
+                                          </p:spTgt>
+                                        </p:tgtEl>
+                                        <p:attrNameLst>
+                                          <p:attrName>style.visibility</p:attrName>
+                                        </p:attrNameLst>
+                                      </p:cBhvr>
+                                      <p:to>
+                                        <p:strVal val="visible"/>
+                                      </p:to>
+                                    </p:set>
+                                    <p:anim calcmode="lin" valueType="num">
+                                      <p:cBhvr additive="base">
+                                        <p:cTn id="27" dur="500" fill="hold"/>
+                                        <p:tgtEl>
+                                          <p:spTgt spid="3">
+                                            <p:txEl>
+                                              <p:pRg st="4" end="4"/>
+                                            </p:txEl>
+                                          </p:spTgt>
+                                        </p:tgtEl>
+                                        <p:attrNameLst>
+                                          <p:attrName>ppt_x</p:attrName>
+                                        </p:attrNameLst>
+                                      </p:cBhvr>
+                                      <p:tavLst>
+                                        <p:tav tm="0">
+                                          <p:val>
+                                            <p:strVal val="#ppt_x"/>
+                                          </p:val>
+                                        </p:tav>
+                                        <p:tav tm="100000">
+                                          <p:val>
+                                            <p:strVal val="#ppt_x"/>
+                                          </p:val>
+                                        </p:tav>
+                                      </p:tavLst>
+                                    </p:anim>
+                                    <p:anim calcmode="lin" valueType="num">
+                                      <p:cBhvr additive="base">
+                                        <p:cTn id="28" dur="500" fill="hold"/>
+                                        <p:tgtEl>
+                                          <p:spTgt spid="3">
+                                            <p:txEl>
+                                              <p:pRg st="4" end="4"/>
+                                            </p:txEl>
+                                          </p:spTgt>
+                                        </p:tgtEl>
+                                        <p:attrNameLst>
+                                          <p:attrName>ppt_y</p:attrName>
+                                        </p:attrNameLst>
+                                      </p:cBhvr>
+                                      <p:tavLst>
+                                        <p:tav tm="0">
+                                          <p:val>
+                                            <p:strVal val="1+#ppt_h/2"/>
+                                          </p:val>
+                                        </p:tav>
+                                        <p:tav tm="100000">
+                                          <p:val>
+                                            <p:strVal val="#ppt_y"/>
+                                          </p:val>
+                                        </p:tav>
+                                      </p:tavLst>
+                                    </p:anim>
+                                  </p:childTnLst>
+                                </p:cTn>
+                              </p:par>
+                              <p:par>
+                                <p:cTn id="29" presetID="2" presetClass="entr" presetSubtype="4" fill="hold" grpId="0" nodeType="withEffect">
+                                  <p:stCondLst>
+                                    <p:cond delay="0"/>
+                                  </p:stCondLst>
+                                  <p:childTnLst>
+                                    <p:set>
+                                      <p:cBhvr>
+                                        <p:cTn id="30" dur="1" fill="hold">
+                                          <p:stCondLst>
+                                            <p:cond delay="0"/>
+                                          </p:stCondLst>
+                                        </p:cTn>
+                                        <p:tgtEl>
+                                          <p:spTgt spid="3">
+                                            <p:txEl>
+                                              <p:pRg st="5" end="5"/>
+                                            </p:txEl>
+                                          </p:spTgt>
+                                        </p:tgtEl>
+                                        <p:attrNameLst>
+                                          <p:attrName>style.visibility</p:attrName>
+                                        </p:attrNameLst>
+                                      </p:cBhvr>
+                                      <p:to>
+                                        <p:strVal val="visible"/>
+                                      </p:to>
+                                    </p:set>
+                                    <p:anim calcmode="lin" valueType="num">
+                                      <p:cBhvr additive="base">
+                                        <p:cTn id="31" dur="500" fill="hold"/>
+                                        <p:tgtEl>
+                                          <p:spTgt spid="3">
+                                            <p:txEl>
+                                              <p:pRg st="5" end="5"/>
+                                            </p:txEl>
+                                          </p:spTgt>
+                                        </p:tgtEl>
+                                        <p:attrNameLst>
+                                          <p:attrName>ppt_x</p:attrName>
+                                        </p:attrNameLst>
+                                      </p:cBhvr>
+                                      <p:tavLst>
+                                        <p:tav tm="0">
+                                          <p:val>
+                                            <p:strVal val="#ppt_x"/>
+                                          </p:val>
+                                        </p:tav>
+                                        <p:tav tm="100000">
+                                          <p:val>
+                                            <p:strVal val="#ppt_x"/>
+                                          </p:val>
+                                        </p:tav>
+                                      </p:tavLst>
+                                    </p:anim>
+                                    <p:anim calcmode="lin" valueType="num">
+                                      <p:cBhvr additive="base">
+                                        <p:cTn id="32" dur="500" fill="hold"/>
+                                        <p:tgtEl>
+                                          <p:spTgt spid="3">
+                                            <p:txEl>
+                                              <p:pRg st="5" end="5"/>
+                                            </p:txEl>
+                                          </p:spTgt>
+                                        </p:tgtEl>
+                                        <p:attrNameLst>
+                                          <p:attrName>ppt_y</p:attrName>
+                                        </p:attrNameLst>
+                                      </p:cBhvr>
+                                      <p:tavLst>
+                                        <p:tav tm="0">
+                                          <p:val>
+                                            <p:strVal val="1+#ppt_h/2"/>
+                                          </p:val>
+                                        </p:tav>
+                                        <p:tav tm="100000">
+                                          <p:val>
+                                            <p:strVal val="#ppt_y"/>
+                                          </p:val>
+                                        </p:tav>
+                                      </p:tavLst>
+                                    </p:anim>
+                                  </p:childTnLst>
+                                </p:cTn>
+                              </p:par>
+                              <p:par>
+                                <p:cTn id="33" presetID="2" presetClass="entr" presetSubtype="4" fill="hold" grpId="0" nodeType="withEffect">
+                                  <p:stCondLst>
+                                    <p:cond delay="0"/>
+                                  </p:stCondLst>
+                                  <p:childTnLst>
+                                    <p:set>
+                                      <p:cBhvr>
+                                        <p:cTn id="34" dur="1" fill="hold">
+                                          <p:stCondLst>
+                                            <p:cond delay="0"/>
+                                          </p:stCondLst>
+                                        </p:cTn>
+                                        <p:tgtEl>
+                                          <p:spTgt spid="3">
+                                            <p:txEl>
+                                              <p:pRg st="6" end="6"/>
+                                            </p:txEl>
+                                          </p:spTgt>
+                                        </p:tgtEl>
+                                        <p:attrNameLst>
+                                          <p:attrName>style.visibility</p:attrName>
+                                        </p:attrNameLst>
+                                      </p:cBhvr>
+                                      <p:to>
+                                        <p:strVal val="visible"/>
+                                      </p:to>
+                                    </p:set>
+                                    <p:anim calcmode="lin" valueType="num">
+                                      <p:cBhvr additive="base">
+                                        <p:cTn id="35" dur="500" fill="hold"/>
+                                        <p:tgtEl>
+                                          <p:spTgt spid="3">
+                                            <p:txEl>
+                                              <p:pRg st="6" end="6"/>
+                                            </p:txEl>
+                                          </p:spTgt>
+                                        </p:tgtEl>
+                                        <p:attrNameLst>
+                                          <p:attrName>ppt_x</p:attrName>
+                                        </p:attrNameLst>
+                                      </p:cBhvr>
+                                      <p:tavLst>
+                                        <p:tav tm="0">
+                                          <p:val>
+                                            <p:strVal val="#ppt_x"/>
+                                          </p:val>
+                                        </p:tav>
+                                        <p:tav tm="100000">
+                                          <p:val>
+                                            <p:strVal val="#ppt_x"/>
+                                          </p:val>
+                                        </p:tav>
+                                      </p:tavLst>
+                                    </p:anim>
+                                    <p:anim calcmode="lin" valueType="num">
+                                      <p:cBhvr additive="base">
+                                        <p:cTn id="36" dur="500" fill="hold"/>
+                                        <p:tgtEl>
+                                          <p:spTgt spid="3">
+                                            <p:txEl>
+                                              <p:pRg st="6" end="6"/>
+                                            </p:txEl>
+                                          </p:spTgt>
+                                        </p:tgtEl>
+                                        <p:attrNameLst>
+                                          <p:attrName>ppt_y</p:attrName>
+                                        </p:attrNameLst>
+                                      </p:cBhvr>
+                                      <p:tavLst>
+                                        <p:tav tm="0">
+                                          <p:val>
+                                            <p:strVal val="1+#ppt_h/2"/>
+                                          </p:val>
+                                        </p:tav>
+                                        <p:tav tm="100000">
+                                          <p:val>
+                                            <p:strVal val="#ppt_y"/>
+                                          </p:val>
+                                        </p:tav>
+                                      </p:tavLst>
+                                    </p:anim>
+                                  </p:childTnLst>
+                                </p:cTn>
+                              </p:par>
+                              <p:par>
+                                <p:cTn id="37" presetID="2" presetClass="entr" presetSubtype="4" fill="hold" grpId="0" nodeType="withEffect">
+                                  <p:stCondLst>
+                                    <p:cond delay="0"/>
+                                  </p:stCondLst>
+                                  <p:childTnLst>
+                                    <p:set>
+                                      <p:cBhvr>
+                                        <p:cTn id="38" dur="1" fill="hold">
+                                          <p:stCondLst>
+                                            <p:cond delay="0"/>
+                                          </p:stCondLst>
+                                        </p:cTn>
+                                        <p:tgtEl>
+                                          <p:spTgt spid="3">
+                                            <p:txEl>
+                                              <p:pRg st="7" end="7"/>
+                                            </p:txEl>
+                                          </p:spTgt>
+                                        </p:tgtEl>
+                                        <p:attrNameLst>
+                                          <p:attrName>style.visibility</p:attrName>
+                                        </p:attrNameLst>
+                                      </p:cBhvr>
+                                      <p:to>
+                                        <p:strVal val="visible"/>
+                                      </p:to>
+                                    </p:set>
+                                    <p:anim calcmode="lin" valueType="num">
+                                      <p:cBhvr additive="base">
+                                        <p:cTn id="39" dur="500" fill="hold"/>
+                                        <p:tgtEl>
+                                          <p:spTgt spid="3">
+                                            <p:txEl>
+                                              <p:pRg st="7" end="7"/>
+                                            </p:txEl>
+                                          </p:spTgt>
+                                        </p:tgtEl>
+                                        <p:attrNameLst>
+                                          <p:attrName>ppt_x</p:attrName>
+                                        </p:attrNameLst>
+                                      </p:cBhvr>
+                                      <p:tavLst>
+                                        <p:tav tm="0">
+                                          <p:val>
+                                            <p:strVal val="#ppt_x"/>
+                                          </p:val>
+                                        </p:tav>
+                                        <p:tav tm="100000">
+                                          <p:val>
+                                            <p:strVal val="#ppt_x"/>
+                                          </p:val>
+                                        </p:tav>
+                                      </p:tavLst>
+                                    </p:anim>
+                                    <p:anim calcmode="lin" valueType="num">
+                                      <p:cBhvr additive="base">
+                                        <p:cTn id="40" dur="500" fill="hold"/>
+                                        <p:tgtEl>
+                                          <p:spTgt spid="3">
+                                            <p:txEl>
+                                              <p:pRg st="7" end="7"/>
+                                            </p:txEl>
+                                          </p:spTgt>
+                                        </p:tgtEl>
+                                        <p:attrNameLst>
+                                          <p:attrName>ppt_y</p:attrName>
+                                        </p:attrNameLst>
+                                      </p:cBhvr>
+                                      <p:tavLst>
+                                        <p:tav tm="0">
+                                          <p:val>
+                                            <p:strVal val="1+#ppt_h/2"/>
+                                          </p:val>
+                                        </p:tav>
+                                        <p:tav tm="100000">
+                                          <p:val>
+                                            <p:strVal val="#ppt_y"/>
+                                          </p:val>
+                                        </p:tav>
+                                      </p:tavLst>
+                                    </p:anim>
+                                  </p:childTnLst>
+                                </p:cTn>
+                              </p:par>
+                              <p:par>
+                                <p:cTn id="41" presetID="2" presetClass="entr" presetSubtype="4" fill="hold" grpId="0" nodeType="withEffect">
+                                  <p:stCondLst>
+                                    <p:cond delay="0"/>
+                                  </p:stCondLst>
+                                  <p:childTnLst>
+                                    <p:set>
+                                      <p:cBhvr>
+                                        <p:cTn id="42" dur="1" fill="hold">
+                                          <p:stCondLst>
+                                            <p:cond delay="0"/>
+                                          </p:stCondLst>
+                                        </p:cTn>
+                                        <p:tgtEl>
+                                          <p:spTgt spid="3">
+                                            <p:txEl>
+                                              <p:pRg st="8" end="8"/>
+                                            </p:txEl>
+                                          </p:spTgt>
+                                        </p:tgtEl>
+                                        <p:attrNameLst>
+                                          <p:attrName>style.visibility</p:attrName>
+                                        </p:attrNameLst>
+                                      </p:cBhvr>
+                                      <p:to>
+                                        <p:strVal val="visible"/>
+                                      </p:to>
+                                    </p:set>
+                                    <p:anim calcmode="lin" valueType="num">
+                                      <p:cBhvr additive="base">
+                                        <p:cTn id="43" dur="500" fill="hold"/>
+                                        <p:tgtEl>
+                                          <p:spTgt spid="3">
+                                            <p:txEl>
+                                              <p:pRg st="8" end="8"/>
+                                            </p:txEl>
+                                          </p:spTgt>
+                                        </p:tgtEl>
+                                        <p:attrNameLst>
+                                          <p:attrName>ppt_x</p:attrName>
+                                        </p:attrNameLst>
+                                      </p:cBhvr>
+                                      <p:tavLst>
+                                        <p:tav tm="0">
+                                          <p:val>
+                                            <p:strVal val="#ppt_x"/>
+                                          </p:val>
+                                        </p:tav>
+                                        <p:tav tm="100000">
+                                          <p:val>
+                                            <p:strVal val="#ppt_x"/>
+                                          </p:val>
+                                        </p:tav>
+                                      </p:tavLst>
+                                    </p:anim>
+                                    <p:anim calcmode="lin" valueType="num">
+                                      <p:cBhvr additive="base">
+                                        <p:cTn id="44" dur="500" fill="hold"/>
+                                        <p:tgtEl>
+                                          <p:spTgt spid="3">
+                                            <p:txEl>
+                                              <p:pRg st="8" end="8"/>
+                                            </p:txEl>
+                                          </p:spTgt>
+                                        </p:tgtEl>
+                                        <p:attrNameLst>
+                                          <p:attrName>ppt_y</p:attrName>
+                                        </p:attrNameLst>
+                                      </p:cBhvr>
+                                      <p:tavLst>
+                                        <p:tav tm="0">
+                                          <p:val>
+                                            <p:strVal val="1+#ppt_h/2"/>
+                                          </p:val>
+                                        </p:tav>
+                                        <p:tav tm="100000">
+                                          <p:val>
+                                            <p:strVal val="#ppt_y"/>
+                                          </p:val>
+                                        </p:tav>
+                                      </p:tavLst>
+                                    </p:anim>
+                                  </p:childTnLst>
+                                </p:cTn>
+                              </p:par>
+                              <p:par>
+                                <p:cTn id="45" presetID="2" presetClass="entr" presetSubtype="4" fill="hold" grpId="0" nodeType="withEffect">
+                                  <p:stCondLst>
+                                    <p:cond delay="0"/>
+                                  </p:stCondLst>
+                                  <p:childTnLst>
+                                    <p:set>
+                                      <p:cBhvr>
+                                        <p:cTn id="46" dur="1" fill="hold">
+                                          <p:stCondLst>
+                                            <p:cond delay="0"/>
+                                          </p:stCondLst>
+                                        </p:cTn>
+                                        <p:tgtEl>
+                                          <p:spTgt spid="3">
+                                            <p:txEl>
+                                              <p:pRg st="9" end="9"/>
+                                            </p:txEl>
+                                          </p:spTgt>
+                                        </p:tgtEl>
+                                        <p:attrNameLst>
+                                          <p:attrName>style.visibility</p:attrName>
+                                        </p:attrNameLst>
+                                      </p:cBhvr>
+                                      <p:to>
+                                        <p:strVal val="visible"/>
+                                      </p:to>
+                                    </p:set>
+                                    <p:anim calcmode="lin" valueType="num">
+                                      <p:cBhvr additive="base">
+                                        <p:cTn id="47" dur="500" fill="hold"/>
+                                        <p:tgtEl>
+                                          <p:spTgt spid="3">
+                                            <p:txEl>
+                                              <p:pRg st="9" end="9"/>
+                                            </p:txEl>
+                                          </p:spTgt>
+                                        </p:tgtEl>
+                                        <p:attrNameLst>
+                                          <p:attrName>ppt_x</p:attrName>
+                                        </p:attrNameLst>
+                                      </p:cBhvr>
+                                      <p:tavLst>
+                                        <p:tav tm="0">
+                                          <p:val>
+                                            <p:strVal val="#ppt_x"/>
+                                          </p:val>
+                                        </p:tav>
+                                        <p:tav tm="100000">
+                                          <p:val>
+                                            <p:strVal val="#ppt_x"/>
+                                          </p:val>
+                                        </p:tav>
+                                      </p:tavLst>
+                                    </p:anim>
+                                    <p:anim calcmode="lin" valueType="num">
+                                      <p:cBhvr additive="base">
+                                        <p:cTn id="48" dur="500" fill="hold"/>
+                                        <p:tgtEl>
+                                          <p:spTgt spid="3">
+                                            <p:txEl>
+                                              <p:pRg st="9" end="9"/>
+                                            </p:txEl>
+                                          </p:spTgt>
+                                        </p:tgtEl>
+                                        <p:attrNameLst>
+                                          <p:attrName>ppt_y</p:attrName>
+                                        </p:attrNameLst>
+                                      </p:cBhvr>
+                                      <p:tavLst>
+                                        <p:tav tm="0">
+                                          <p:val>
+                                            <p:strVal val="1+#ppt_h/2"/>
+                                          </p:val>
+                                        </p:tav>
+                                        <p:tav tm="100000">
+                                          <p:val>
+                                            <p:strVal val="#ppt_y"/>
+                                          </p:val>
+                                        </p:tav>
+                                      </p:tavLst>
+                                    </p:anim>
+                                  </p:childTnLst>
+                                </p:cTn>
+                              </p:par>
+                              <p:par>
+                                <p:cTn id="49" presetID="2" presetClass="entr" presetSubtype="4" fill="hold" grpId="0" nodeType="withEffect" nodePh="1">
+                                  <p:stCondLst>
+                                    <p:cond delay="0"/>
+                                  </p:stCondLst>
+                                  <p:endCondLst>
+                                    <p:cond evt="begin" delay="0">
+                                      <p:tn val="49"/>
+                                    </p:cond>
+                                  </p:endCondLst>
+                                  <p:childTnLst>
+                                    <p:set>
+                                      <p:cBhvr>
+                                        <p:cTn id="50" dur="1" fill="hold">
+                                          <p:stCondLst>
+                                            <p:cond delay="0"/>
+                                          </p:stCondLst>
+                                        </p:cTn>
+                                        <p:tgtEl>
+                                          <p:spTgt spid="4"/>
+                                        </p:tgtEl>
+                                        <p:attrNameLst>
+                                          <p:attrName>style.visibility</p:attrName>
+                                        </p:attrNameLst>
+                                      </p:cBhvr>
+                                      <p:to>
+                                        <p:strVal val="visible"/>
+                                      </p:to>
+                                    </p:set>
+                                    <p:anim calcmode="lin" valueType="num">
+                                      <p:cBhvr additive="base">
+                                        <p:cTn id="51" dur="500" fill="hold"/>
+                                        <p:tgtEl>
+                                          <p:spTgt spid="4"/>
+                                        </p:tgtEl>
+                                        <p:attrNameLst>
+                                          <p:attrName>ppt_x</p:attrName>
+                                        </p:attrNameLst>
+                                      </p:cBhvr>
+                                      <p:tavLst>
+                                        <p:tav tm="0">
+                                          <p:val>
+                                            <p:strVal val="#ppt_x"/>
+                                          </p:val>
+                                        </p:tav>
+                                        <p:tav tm="100000">
+                                          <p:val>
+                                            <p:strVal val="#ppt_x"/>
+                                          </p:val>
+                                        </p:tav>
+                                      </p:tavLst>
+                                    </p:anim>
+                                    <p:anim calcmode="lin" valueType="num">
+                                      <p:cBhvr additive="base">
+                                        <p:cTn id="52" dur="500" fill="hold"/>
+                                        <p:tgtEl>
+                                          <p:spTgt spid="4"/>
+                                        </p:tgtEl>
+                                        <p:attrNameLst>
+                                          <p:attrName>ppt_y</p:attrName>
+                                        </p:attrNameLst>
+                                      </p:cBhvr>
+                                      <p:tavLst>
+                                        <p:tav tm="0">
+                                          <p:val>
+                                            <p:strVal val="1+#ppt_h/2"/>
+                                          </p:val>
+                                        </p:tav>
+                                        <p:tav tm="100000">
+                                          <p:val>
+                                            <p:strVal val="#ppt_y"/>
+                                          </p:val>
+                                        </p:tav>
+                                      </p:tavLst>
+                                    </p:anim>
+                                  </p:childTnLst>
+                                </p:cTn>
+                              </p:par>
+                            </p:childTnLst>
+                          </p:cTn>
+                        </p:par>
+                      </p:childTnLst>
+                    </p:cTn>
+                  </p:par>
+                </p:childTnLst>
+              </p:cTn>
+              <p:prevCondLst>
+                <p:cond evt="onPrev" delay="0">
+                  <p:tgtEl>
+                    <p:sldTgt/>
+                  </p:tgtEl>
+                </p:cond>
+              </p:prevCondLst>
+              <p:nextCondLst>
+                <p:cond evt="onNext" delay="0">
+                  <p:tgtEl>
+                    <p:sldTgt/>
+                  </p:tgtEl>
+                </p:cond>
+              </p:nextCondLst>
+            </p:seq>
+          </p:childTnLst>
+        </p:cTn>
+      </p:par>
+    </p:tnLst>
+    <p:bldLst>
+      <p:bldP spid="2" grpId="0"/>
+      <p:bldP spid="3" grpId="0" build="p"/>
+      <p:bldP spid="4" grpId="0"/>
+    </p:bldLst>
+  </p:timing>
+</p:sld>
+</file>
+
+<file path=ppt/slides/slide3.xml><?xml version="1.0" encoding="utf-8"?>
+<p:sld xmlns:a="http://schemas.openxmlformats.org/drawingml/2006/main" xmlns:r="http://schemas.openxmlformats.org/officeDocument/2006/relationships" xmlns:p="http://schemas.openxmlformats.org/presentationml/2006/main">
+  <p:cSld>
+    <p:spTree>
+      <p:nvGrpSpPr>
+        <p:cNvPr id="1" name=""/>
+        <p:cNvGrpSpPr/>
+        <p:nvPr/>
+      </p:nvGrpSpPr>
+      <p:grpSpPr>
+        <a:xfrm>
+          <a:off x="0" y="0"/>
+          <a:ext cx="0" cy="0"/>
+          <a:chOff x="0" y="0"/>
+          <a:chExt cx="0" cy="0"/>
+        </a:xfrm>
+      </p:grpSpPr>
+      <p:sp>
+        <p:nvSpPr>
+          <p:cNvPr id="2" name="Cím 1">
+            <a:extLst>
+              <a:ext uri="{FF2B5EF4-FFF2-40B4-BE49-F238E27FC236}">
+                <a16:creationId xmlns:a16="http://schemas.microsoft.com/office/drawing/2014/main" id="{4D1C2EC5-79A6-3B9B-5A2D-35DF7726767B}"/>
+              </a:ext>
+            </a:extLst>
+          </p:cNvPr>
+          <p:cNvSpPr>
+            <a:spLocks noGrp="1"/>
+          </p:cNvSpPr>
+          <p:nvPr>
+            <p:ph type="title"/>
+          </p:nvPr>
+        </p:nvSpPr>
+        <p:spPr>
+          <a:xfrm>
+            <a:off x="1066800" y="465336"/>
+            <a:ext cx="10058400" cy="1371600"/>
+          </a:xfrm>
+        </p:spPr>
+        <p:txBody>
+          <a:bodyPr>
+            <a:normAutofit/>
+          </a:bodyPr>
+          <a:lstStyle/>
+          <a:p>
+            <a:pPr algn="ctr"/>
+            <a:r>
+              <a:rPr lang="en-US" b="1" dirty="0"/>
+              <a:t>Advantages of Summer </a:t>
+            </a:r>
+            <a:br>
+              <a:rPr lang="hu-HU" b="1" dirty="0"/>
+            </a:br>
+            <a:r>
+              <a:rPr lang="en-US" b="1" dirty="0"/>
+              <a:t>Jobs for Students:</a:t>
+            </a:r>
+            <a:endParaRPr lang="hu-HU" b="1" dirty="0"/>
+          </a:p>
+        </p:txBody>
+      </p:sp>
+      <p:sp>
+        <p:nvSpPr>
+          <p:cNvPr id="3" name="Tartalom helye 2">
+            <a:extLst>
+              <a:ext uri="{FF2B5EF4-FFF2-40B4-BE49-F238E27FC236}">
+                <a16:creationId xmlns:a16="http://schemas.microsoft.com/office/drawing/2014/main" id="{480C8BF2-25FF-D4F9-46C7-6D1DFEEDE6D6}"/>
+              </a:ext>
+            </a:extLst>
+          </p:cNvPr>
+          <p:cNvSpPr>
+            <a:spLocks noGrp="1"/>
+          </p:cNvSpPr>
+          <p:nvPr>
+            <p:ph idx="1"/>
+          </p:nvPr>
+        </p:nvSpPr>
+        <p:spPr>
+          <a:xfrm>
+            <a:off x="1233556" y="2185416"/>
+            <a:ext cx="10058400" cy="3849624"/>
+          </a:xfrm>
+        </p:spPr>
+        <p:txBody>
+          <a:bodyPr>
+            <a:normAutofit fontScale="92500" lnSpcReduction="20000"/>
+          </a:bodyPr>
+          <a:lstStyle/>
+          <a:p>
+            <a:pPr marL="274320" lvl="1" indent="0">
+              <a:buNone/>
+            </a:pPr>
+            <a:r>
+              <a:rPr lang="en-US" sz="3200" b="1" dirty="0">
+                <a:latin typeface="Söhne"/>
+              </a:rPr>
+              <a:t>Work Experience</a:t>
+            </a:r>
+            <a:r>
+              <a:rPr lang="en-US" sz="3000" b="1" dirty="0">
+                <a:latin typeface="Söhne"/>
+              </a:rPr>
+              <a:t>:</a:t>
+            </a:r>
+          </a:p>
+          <a:p>
+            <a:pPr lvl="2"/>
+            <a:r>
+              <a:rPr lang="hu-HU" sz="2800" dirty="0" err="1">
+                <a:latin typeface="Söhne"/>
+              </a:rPr>
+              <a:t>Valuable</a:t>
+            </a:r>
+            <a:r>
+              <a:rPr lang="hu-HU" sz="2800" dirty="0">
+                <a:latin typeface="Söhne"/>
+              </a:rPr>
+              <a:t> </a:t>
+            </a:r>
+            <a:r>
+              <a:rPr lang="hu-HU" sz="2800" dirty="0" err="1">
+                <a:latin typeface="Söhne"/>
+              </a:rPr>
+              <a:t>experience</a:t>
+            </a:r>
+            <a:endParaRPr lang="en-US" sz="2800" dirty="0">
+              <a:latin typeface="Söhne"/>
+            </a:endParaRPr>
+          </a:p>
+          <a:p>
+            <a:pPr lvl="2"/>
+            <a:r>
+              <a:rPr lang="hu-HU" sz="2800" dirty="0">
+                <a:latin typeface="Söhne"/>
+              </a:rPr>
+              <a:t>P</a:t>
+            </a:r>
+            <a:r>
+              <a:rPr lang="en-US" sz="2800" dirty="0" err="1">
+                <a:latin typeface="Söhne"/>
+              </a:rPr>
+              <a:t>ractical</a:t>
+            </a:r>
+            <a:r>
+              <a:rPr lang="en-US" sz="2800" dirty="0">
+                <a:latin typeface="Söhne"/>
+              </a:rPr>
+              <a:t> skills</a:t>
+            </a:r>
+            <a:r>
+              <a:rPr lang="hu-HU" sz="2800" dirty="0">
+                <a:latin typeface="Söhne"/>
+              </a:rPr>
+              <a:t> </a:t>
+            </a:r>
+            <a:r>
+              <a:rPr lang="hu-HU" sz="2800" dirty="0" err="1">
+                <a:latin typeface="Söhne"/>
+              </a:rPr>
+              <a:t>increase</a:t>
+            </a:r>
+            <a:endParaRPr lang="hu-HU" sz="2800" dirty="0">
+              <a:latin typeface="Söhne"/>
+            </a:endParaRPr>
+          </a:p>
+          <a:p>
+            <a:pPr lvl="2"/>
+            <a:r>
+              <a:rPr lang="hu-HU" sz="2800" dirty="0">
+                <a:latin typeface="Söhne"/>
+              </a:rPr>
+              <a:t>More </a:t>
+            </a:r>
+            <a:r>
+              <a:rPr lang="hu-HU" sz="2800" dirty="0" err="1">
+                <a:latin typeface="Söhne"/>
+              </a:rPr>
+              <a:t>pocket</a:t>
+            </a:r>
+            <a:r>
+              <a:rPr lang="hu-HU" sz="2800" dirty="0">
+                <a:latin typeface="Söhne"/>
+              </a:rPr>
+              <a:t> </a:t>
+            </a:r>
+            <a:r>
+              <a:rPr lang="hu-HU" sz="2800" dirty="0" err="1">
+                <a:latin typeface="Söhne"/>
+              </a:rPr>
+              <a:t>money</a:t>
+            </a:r>
+            <a:endParaRPr lang="hu-HU" sz="2800" dirty="0">
+              <a:latin typeface="Söhne"/>
+            </a:endParaRPr>
+          </a:p>
+          <a:p>
+            <a:pPr marL="274320" lvl="1" indent="0">
+              <a:buNone/>
+            </a:pPr>
+            <a:r>
+              <a:rPr lang="en-US" sz="3200" b="1" dirty="0">
+                <a:latin typeface="Söhne"/>
+              </a:rPr>
+              <a:t>Soft Skills Development:</a:t>
+            </a:r>
+          </a:p>
+          <a:p>
+            <a:pPr lvl="2"/>
+            <a:r>
+              <a:rPr lang="hu-HU" sz="2800" dirty="0" err="1">
+                <a:latin typeface="Söhne"/>
+              </a:rPr>
+              <a:t>Social</a:t>
+            </a:r>
+            <a:r>
+              <a:rPr lang="hu-HU" sz="2800" dirty="0">
+                <a:latin typeface="Söhne"/>
+              </a:rPr>
+              <a:t> </a:t>
+            </a:r>
+            <a:r>
+              <a:rPr lang="hu-HU" sz="2800" dirty="0" err="1">
+                <a:latin typeface="Söhne"/>
+              </a:rPr>
+              <a:t>skills</a:t>
+            </a:r>
+            <a:r>
+              <a:rPr lang="hu-HU" sz="2800" dirty="0">
+                <a:latin typeface="Söhne"/>
+              </a:rPr>
+              <a:t>: </a:t>
+            </a:r>
+            <a:r>
+              <a:rPr lang="hu-HU" sz="2800" dirty="0" err="1">
+                <a:latin typeface="Söhne"/>
+              </a:rPr>
+              <a:t>Communication</a:t>
+            </a:r>
+            <a:r>
+              <a:rPr lang="hu-HU" sz="2800" dirty="0">
+                <a:latin typeface="Söhne"/>
+              </a:rPr>
+              <a:t>, team </a:t>
+            </a:r>
+            <a:r>
+              <a:rPr lang="hu-HU" sz="2800" dirty="0" err="1">
+                <a:latin typeface="Söhne"/>
+              </a:rPr>
+              <a:t>work</a:t>
+            </a:r>
+            <a:endParaRPr lang="en-US" sz="2800" dirty="0">
+              <a:latin typeface="Söhne"/>
+            </a:endParaRPr>
+          </a:p>
+          <a:p>
+            <a:pPr lvl="2"/>
+            <a:r>
+              <a:rPr lang="hu-HU" sz="2800" dirty="0">
+                <a:latin typeface="Söhne"/>
+              </a:rPr>
+              <a:t>T</a:t>
+            </a:r>
+            <a:r>
+              <a:rPr lang="en-US" sz="2800" dirty="0" err="1">
+                <a:latin typeface="Söhne"/>
+              </a:rPr>
+              <a:t>ime</a:t>
+            </a:r>
+            <a:r>
+              <a:rPr lang="en-US" sz="2800" dirty="0">
+                <a:latin typeface="Söhne"/>
+              </a:rPr>
+              <a:t> management</a:t>
+            </a:r>
+            <a:endParaRPr lang="hu-HU" sz="2800" dirty="0">
+              <a:latin typeface="Söhne"/>
+            </a:endParaRPr>
+          </a:p>
+          <a:p>
+            <a:pPr lvl="2"/>
+            <a:r>
+              <a:rPr lang="hu-HU" sz="2800" dirty="0" err="1">
+                <a:latin typeface="Söhne"/>
+              </a:rPr>
+              <a:t>Independence</a:t>
+            </a:r>
+            <a:endParaRPr lang="hu-HU" sz="2800" dirty="0">
+              <a:latin typeface="Söhne"/>
+            </a:endParaRPr>
+          </a:p>
+          <a:p>
+            <a:pPr lvl="2"/>
+            <a:r>
+              <a:rPr lang="hu-HU" sz="2800" dirty="0" err="1">
+                <a:latin typeface="Söhne"/>
+              </a:rPr>
+              <a:t>Responsibility</a:t>
+            </a:r>
+            <a:endParaRPr lang="hu-HU" sz="2800" dirty="0">
+              <a:latin typeface="Söhne"/>
+            </a:endParaRPr>
+          </a:p>
+        </p:txBody>
+      </p:sp>
+      <p:sp>
+        <p:nvSpPr>
+          <p:cNvPr id="4" name="Dátum helye 3">
+            <a:extLst>
+              <a:ext uri="{FF2B5EF4-FFF2-40B4-BE49-F238E27FC236}">
+                <a16:creationId xmlns:a16="http://schemas.microsoft.com/office/drawing/2014/main" id="{0D8BC5AA-7855-2AE0-B620-72F7E102A74E}"/>
+              </a:ext>
+            </a:extLst>
+          </p:cNvPr>
+          <p:cNvSpPr>
+            <a:spLocks noGrp="1"/>
+          </p:cNvSpPr>
+          <p:nvPr>
+            <p:ph type="dt" sz="half" idx="10"/>
+          </p:nvPr>
+        </p:nvSpPr>
+        <p:spPr/>
+        <p:txBody>
+          <a:bodyPr/>
+          <a:lstStyle/>
+          <a:p>
+            <a:pPr rtl="0"/>
+            <a:endParaRPr lang="en-US" dirty="0"/>
+          </a:p>
+        </p:txBody>
+      </p:sp>
+    </p:spTree>
+    <p:extLst>
+      <p:ext uri="{BB962C8B-B14F-4D97-AF65-F5344CB8AC3E}">
+        <p14:creationId xmlns:p14="http://schemas.microsoft.com/office/powerpoint/2010/main" val="3578386494"/>
+      </p:ext>
+    </p:extLst>
+  </p:cSld>
+  <p:clrMapOvr>
+    <a:masterClrMapping/>
+  </p:clrMapOvr>
+  <p:timing>
+    <p:tnLst>
+      <p:par>
+        <p:cTn id="1" dur="indefinite" restart="never" nodeType="tmRoot">
+          <p:childTnLst>
+            <p:seq concurrent="1" nextAc="seek">
+              <p:cTn id="2" dur="indefinite" nodeType="mainSeq">
+                <p:childTnLst>
+                  <p:par>
+                    <p:cTn id="3" fill="hold">
+                      <p:stCondLst>
+                        <p:cond delay="indefinite"/>
+                      </p:stCondLst>
+                      <p:childTnLst>
+                        <p:par>
+                          <p:cTn id="4" fill="hold">
+                            <p:stCondLst>
+                              <p:cond delay="0"/>
+                            </p:stCondLst>
+                            <p:childTnLst>
+                              <p:par>
+                                <p:cTn id="5" presetID="42" presetClass="entr" presetSubtype="0" fill="hold" grpId="0" nodeType="clickEffect">
+                                  <p:stCondLst>
+                                    <p:cond delay="0"/>
+                                  </p:stCondLst>
+                                  <p:childTnLst>
+                                    <p:set>
+                                      <p:cBhvr>
+                                        <p:cTn id="6" dur="1" fill="hold">
+                                          <p:stCondLst>
+                                            <p:cond delay="0"/>
+                                          </p:stCondLst>
+                                        </p:cTn>
+                                        <p:tgtEl>
+                                          <p:spTgt spid="2"/>
+                                        </p:tgtEl>
+                                        <p:attrNameLst>
+                                          <p:attrName>style.visibility</p:attrName>
+                                        </p:attrNameLst>
+                                      </p:cBhvr>
+                                      <p:to>
+                                        <p:strVal val="visible"/>
+                                      </p:to>
+                                    </p:set>
+                                    <p:animEffect transition="in" filter="fade">
+                                      <p:cBhvr>
+                                        <p:cTn id="7" dur="1000"/>
+                                        <p:tgtEl>
+                                          <p:spTgt spid="2"/>
+                                        </p:tgtEl>
+                                      </p:cBhvr>
+                                    </p:animEffect>
+                                    <p:anim calcmode="lin" valueType="num">
+                                      <p:cBhvr>
+                                        <p:cTn id="8" dur="1000" fill="hold"/>
+                                        <p:tgtEl>
+                                          <p:spTgt spid="2"/>
+                                        </p:tgtEl>
+                                        <p:attrNameLst>
+                                          <p:attrName>ppt_x</p:attrName>
+                                        </p:attrNameLst>
+                                      </p:cBhvr>
+                                      <p:tavLst>
+                                        <p:tav tm="0">
+                                          <p:val>
+                                            <p:strVal val="#ppt_x"/>
+                                          </p:val>
+                                        </p:tav>
+                                        <p:tav tm="100000">
+                                          <p:val>
+                                            <p:strVal val="#ppt_x"/>
+                                          </p:val>
+                                        </p:tav>
+                                      </p:tavLst>
+                                    </p:anim>
+                                    <p:anim calcmode="lin" valueType="num">
+                                      <p:cBhvr>
+                                        <p:cTn id="9" dur="1000" fill="hold"/>
+                                        <p:tgtEl>
+                                          <p:spTgt spid="2"/>
+                                        </p:tgtEl>
+                                        <p:attrNameLst>
+                                          <p:attrName>ppt_y</p:attrName>
+                                        </p:attrNameLst>
+                                      </p:cBhvr>
+                                      <p:tavLst>
+                                        <p:tav tm="0">
+                                          <p:val>
+                                            <p:strVal val="#ppt_y+.1"/>
+                                          </p:val>
+                                        </p:tav>
+                                        <p:tav tm="100000">
+                                          <p:val>
+                                            <p:strVal val="#ppt_y"/>
+                                          </p:val>
+                                        </p:tav>
+                                      </p:tavLst>
+                                    </p:anim>
+                                  </p:childTnLst>
+                                </p:cTn>
+                              </p:par>
+                              <p:par>
+                                <p:cTn id="10" presetID="42" presetClass="entr" presetSubtype="0" fill="hold" grpId="0" nodeType="withEffect">
+                                  <p:stCondLst>
+                                    <p:cond delay="0"/>
+                                  </p:stCondLst>
+                                  <p:childTnLst>
+                                    <p:set>
+                                      <p:cBhvr>
+                                        <p:cTn id="11" dur="1" fill="hold">
+                                          <p:stCondLst>
+                                            <p:cond delay="0"/>
+                                          </p:stCondLst>
+                                        </p:cTn>
+                                        <p:tgtEl>
+                                          <p:spTgt spid="3">
+                                            <p:txEl>
+                                              <p:pRg st="0" end="0"/>
+                                            </p:txEl>
+                                          </p:spTgt>
+                                        </p:tgtEl>
+                                        <p:attrNameLst>
+                                          <p:attrName>style.visibility</p:attrName>
+                                        </p:attrNameLst>
+                                      </p:cBhvr>
+                                      <p:to>
+                                        <p:strVal val="visible"/>
+                                      </p:to>
+                                    </p:set>
+                                    <p:animEffect transition="in" filter="fade">
+                                      <p:cBhvr>
+                                        <p:cTn id="12" dur="1000"/>
+                                        <p:tgtEl>
+                                          <p:spTgt spid="3">
+                                            <p:txEl>
+                                              <p:pRg st="0" end="0"/>
+                                            </p:txEl>
+                                          </p:spTgt>
+                                        </p:tgtEl>
+                                      </p:cBhvr>
+                                    </p:animEffect>
+                                    <p:anim calcmode="lin" valueType="num">
+                                      <p:cBhvr>
+                                        <p:cTn id="13" dur="1000" fill="hold"/>
+                                        <p:tgtEl>
+                                          <p:spTgt spid="3">
+                                            <p:txEl>
+                                              <p:pRg st="0" end="0"/>
+                                            </p:txEl>
+                                          </p:spTgt>
+                                        </p:tgtEl>
+                                        <p:attrNameLst>
+                                          <p:attrName>ppt_x</p:attrName>
+                                        </p:attrNameLst>
+                                      </p:cBhvr>
+                                      <p:tavLst>
+                                        <p:tav tm="0">
+                                          <p:val>
+                                            <p:strVal val="#ppt_x"/>
+                                          </p:val>
+                                        </p:tav>
+                                        <p:tav tm="100000">
+                                          <p:val>
+                                            <p:strVal val="#ppt_x"/>
+                                          </p:val>
+                                        </p:tav>
+                                      </p:tavLst>
+                                    </p:anim>
+                                    <p:anim calcmode="lin" valueType="num">
+                                      <p:cBhvr>
+                                        <p:cTn id="14" dur="1000" fill="hold"/>
+                                        <p:tgtEl>
+                                          <p:spTgt spid="3">
+                                            <p:txEl>
+                                              <p:pRg st="0" end="0"/>
+                                            </p:txEl>
+                                          </p:spTgt>
+                                        </p:tgtEl>
+                                        <p:attrNameLst>
+                                          <p:attrName>ppt_y</p:attrName>
+                                        </p:attrNameLst>
+                                      </p:cBhvr>
+                                      <p:tavLst>
+                                        <p:tav tm="0">
+                                          <p:val>
+                                            <p:strVal val="#ppt_y+.1"/>
+                                          </p:val>
+                                        </p:tav>
+                                        <p:tav tm="100000">
+                                          <p:val>
+                                            <p:strVal val="#ppt_y"/>
+                                          </p:val>
+                                        </p:tav>
+                                      </p:tavLst>
+                                    </p:anim>
+                                  </p:childTnLst>
+                                </p:cTn>
+                              </p:par>
+                              <p:par>
+                                <p:cTn id="15" presetID="42" presetClass="entr" presetSubtype="0" fill="hold" grpId="0" nodeType="withEffect">
+                                  <p:stCondLst>
+                                    <p:cond delay="0"/>
+                                  </p:stCondLst>
+                                  <p:childTnLst>
+                                    <p:set>
+                                      <p:cBhvr>
+                                        <p:cTn id="16" dur="1" fill="hold">
+                                          <p:stCondLst>
+                                            <p:cond delay="0"/>
+                                          </p:stCondLst>
+                                        </p:cTn>
+                                        <p:tgtEl>
+                                          <p:spTgt spid="3">
+                                            <p:txEl>
+                                              <p:pRg st="1" end="1"/>
+                                            </p:txEl>
+                                          </p:spTgt>
+                                        </p:tgtEl>
+                                        <p:attrNameLst>
+                                          <p:attrName>style.visibility</p:attrName>
+                                        </p:attrNameLst>
+                                      </p:cBhvr>
+                                      <p:to>
+                                        <p:strVal val="visible"/>
+                                      </p:to>
+                                    </p:set>
+                                    <p:animEffect transition="in" filter="fade">
+                                      <p:cBhvr>
+                                        <p:cTn id="17" dur="1000"/>
+                                        <p:tgtEl>
+                                          <p:spTgt spid="3">
+                                            <p:txEl>
+                                              <p:pRg st="1" end="1"/>
+                                            </p:txEl>
+                                          </p:spTgt>
+                                        </p:tgtEl>
+                                      </p:cBhvr>
+                                    </p:animEffect>
+                                    <p:anim calcmode="lin" valueType="num">
+                                      <p:cBhvr>
+                                        <p:cTn id="18" dur="1000" fill="hold"/>
+                                        <p:tgtEl>
+                                          <p:spTgt spid="3">
+                                            <p:txEl>
+                                              <p:pRg st="1" end="1"/>
+                                            </p:txEl>
+                                          </p:spTgt>
+                                        </p:tgtEl>
+                                        <p:attrNameLst>
+                                          <p:attrName>ppt_x</p:attrName>
+                                        </p:attrNameLst>
+                                      </p:cBhvr>
+                                      <p:tavLst>
+                                        <p:tav tm="0">
+                                          <p:val>
+                                            <p:strVal val="#ppt_x"/>
+                                          </p:val>
+                                        </p:tav>
+                                        <p:tav tm="100000">
+                                          <p:val>
+                                            <p:strVal val="#ppt_x"/>
+                                          </p:val>
+                                        </p:tav>
+                                      </p:tavLst>
+                                    </p:anim>
+                                    <p:anim calcmode="lin" valueType="num">
+                                      <p:cBhvr>
+                                        <p:cTn id="19" dur="1000" fill="hold"/>
+                                        <p:tgtEl>
+                                          <p:spTgt spid="3">
+                                            <p:txEl>
+                                              <p:pRg st="1" end="1"/>
+                                            </p:txEl>
+                                          </p:spTgt>
+                                        </p:tgtEl>
+                                        <p:attrNameLst>
+                                          <p:attrName>ppt_y</p:attrName>
+                                        </p:attrNameLst>
+                                      </p:cBhvr>
+                                      <p:tavLst>
+                                        <p:tav tm="0">
+                                          <p:val>
+                                            <p:strVal val="#ppt_y+.1"/>
+                                          </p:val>
+                                        </p:tav>
+                                        <p:tav tm="100000">
+                                          <p:val>
+                                            <p:strVal val="#ppt_y"/>
+                                          </p:val>
+                                        </p:tav>
+                                      </p:tavLst>
+                                    </p:anim>
+                                  </p:childTnLst>
+                                </p:cTn>
+                              </p:par>
+                              <p:par>
+                                <p:cTn id="20" presetID="42" presetClass="entr" presetSubtype="0" fill="hold" grpId="0" nodeType="withEffect">
+                                  <p:stCondLst>
+                                    <p:cond delay="0"/>
+                                  </p:stCondLst>
+                                  <p:childTnLst>
+                                    <p:set>
+                                      <p:cBhvr>
+                                        <p:cTn id="21" dur="1" fill="hold">
+                                          <p:stCondLst>
+                                            <p:cond delay="0"/>
+                                          </p:stCondLst>
+                                        </p:cTn>
+                                        <p:tgtEl>
+                                          <p:spTgt spid="3">
+                                            <p:txEl>
+                                              <p:pRg st="2" end="2"/>
+                                            </p:txEl>
+                                          </p:spTgt>
+                                        </p:tgtEl>
+                                        <p:attrNameLst>
+                                          <p:attrName>style.visibility</p:attrName>
+                                        </p:attrNameLst>
+                                      </p:cBhvr>
+                                      <p:to>
+                                        <p:strVal val="visible"/>
+                                      </p:to>
+                                    </p:set>
+                                    <p:animEffect transition="in" filter="fade">
+                                      <p:cBhvr>
+                                        <p:cTn id="22" dur="1000"/>
+                                        <p:tgtEl>
+                                          <p:spTgt spid="3">
+                                            <p:txEl>
+                                              <p:pRg st="2" end="2"/>
+                                            </p:txEl>
+                                          </p:spTgt>
+                                        </p:tgtEl>
+                                      </p:cBhvr>
+                                    </p:animEffect>
+                                    <p:anim calcmode="lin" valueType="num">
+                                      <p:cBhvr>
+                                        <p:cTn id="23" dur="1000" fill="hold"/>
+                                        <p:tgtEl>
+                                          <p:spTgt spid="3">
+                                            <p:txEl>
+                                              <p:pRg st="2" end="2"/>
+                                            </p:txEl>
+                                          </p:spTgt>
+                                        </p:tgtEl>
+                                        <p:attrNameLst>
+                                          <p:attrName>ppt_x</p:attrName>
+                                        </p:attrNameLst>
+                                      </p:cBhvr>
+                                      <p:tavLst>
+                                        <p:tav tm="0">
+                                          <p:val>
+                                            <p:strVal val="#ppt_x"/>
+                                          </p:val>
+                                        </p:tav>
+                                        <p:tav tm="100000">
+                                          <p:val>
+                                            <p:strVal val="#ppt_x"/>
+                                          </p:val>
+                                        </p:tav>
+                                      </p:tavLst>
+                                    </p:anim>
+                                    <p:anim calcmode="lin" valueType="num">
+                                      <p:cBhvr>
+                                        <p:cTn id="24" dur="1000" fill="hold"/>
+                                        <p:tgtEl>
+                                          <p:spTgt spid="3">
+                                            <p:txEl>
+                                              <p:pRg st="2" end="2"/>
+                                            </p:txEl>
+                                          </p:spTgt>
+                                        </p:tgtEl>
+                                        <p:attrNameLst>
+                                          <p:attrName>ppt_y</p:attrName>
+                                        </p:attrNameLst>
+                                      </p:cBhvr>
+                                      <p:tavLst>
+                                        <p:tav tm="0">
+                                          <p:val>
+                                            <p:strVal val="#ppt_y+.1"/>
+                                          </p:val>
+                                        </p:tav>
+                                        <p:tav tm="100000">
+                                          <p:val>
+                                            <p:strVal val="#ppt_y"/>
+                                          </p:val>
+                                        </p:tav>
+                                      </p:tavLst>
+                                    </p:anim>
+                                  </p:childTnLst>
+                                </p:cTn>
+                              </p:par>
+                              <p:par>
+                                <p:cTn id="25" presetID="42" presetClass="entr" presetSubtype="0" fill="hold" grpId="0" nodeType="withEffect">
+                                  <p:stCondLst>
+                                    <p:cond delay="0"/>
+                                  </p:stCondLst>
+                                  <p:childTnLst>
+                                    <p:set>
+                                      <p:cBhvr>
+                                        <p:cTn id="26" dur="1" fill="hold">
+                                          <p:stCondLst>
+                                            <p:cond delay="0"/>
+                                          </p:stCondLst>
+                                        </p:cTn>
+                                        <p:tgtEl>
+                                          <p:spTgt spid="3">
+                                            <p:txEl>
+                                              <p:pRg st="3" end="3"/>
+                                            </p:txEl>
+                                          </p:spTgt>
+                                        </p:tgtEl>
+                                        <p:attrNameLst>
+                                          <p:attrName>style.visibility</p:attrName>
+                                        </p:attrNameLst>
+                                      </p:cBhvr>
+                                      <p:to>
+                                        <p:strVal val="visible"/>
+                                      </p:to>
+                                    </p:set>
+                                    <p:animEffect transition="in" filter="fade">
+                                      <p:cBhvr>
+                                        <p:cTn id="27" dur="1000"/>
+                                        <p:tgtEl>
+                                          <p:spTgt spid="3">
+                                            <p:txEl>
+                                              <p:pRg st="3" end="3"/>
+                                            </p:txEl>
+                                          </p:spTgt>
+                                        </p:tgtEl>
+                                      </p:cBhvr>
+                                    </p:animEffect>
+                                    <p:anim calcmode="lin" valueType="num">
+                                      <p:cBhvr>
+                                        <p:cTn id="28" dur="1000" fill="hold"/>
+                                        <p:tgtEl>
+                                          <p:spTgt spid="3">
+                                            <p:txEl>
+                                              <p:pRg st="3" end="3"/>
+                                            </p:txEl>
+                                          </p:spTgt>
+                                        </p:tgtEl>
+                                        <p:attrNameLst>
+                                          <p:attrName>ppt_x</p:attrName>
+                                        </p:attrNameLst>
+                                      </p:cBhvr>
+                                      <p:tavLst>
+                                        <p:tav tm="0">
+                                          <p:val>
+                                            <p:strVal val="#ppt_x"/>
+                                          </p:val>
+                                        </p:tav>
+                                        <p:tav tm="100000">
+                                          <p:val>
+                                            <p:strVal val="#ppt_x"/>
+                                          </p:val>
+                                        </p:tav>
+                                      </p:tavLst>
+                                    </p:anim>
+                                    <p:anim calcmode="lin" valueType="num">
+                                      <p:cBhvr>
+                                        <p:cTn id="29" dur="1000" fill="hold"/>
+                                        <p:tgtEl>
+                                          <p:spTgt spid="3">
+                                            <p:txEl>
+                                              <p:pRg st="3" end="3"/>
+                                            </p:txEl>
+                                          </p:spTgt>
+                                        </p:tgtEl>
+                                        <p:attrNameLst>
+                                          <p:attrName>ppt_y</p:attrName>
+                                        </p:attrNameLst>
+                                      </p:cBhvr>
+                                      <p:tavLst>
+                                        <p:tav tm="0">
+                                          <p:val>
+                                            <p:strVal val="#ppt_y+.1"/>
+                                          </p:val>
+                                        </p:tav>
+                                        <p:tav tm="100000">
+                                          <p:val>
+                                            <p:strVal val="#ppt_y"/>
+                                          </p:val>
+                                        </p:tav>
+                                      </p:tavLst>
+                                    </p:anim>
+                                  </p:childTnLst>
+                                </p:cTn>
+                              </p:par>
+                              <p:par>
+                                <p:cTn id="30" presetID="42" presetClass="entr" presetSubtype="0" fill="hold" grpId="0" nodeType="withEffect">
+                                  <p:stCondLst>
+                                    <p:cond delay="0"/>
+                                  </p:stCondLst>
+                                  <p:childTnLst>
+                                    <p:set>
+                                      <p:cBhvr>
+                                        <p:cTn id="31" dur="1" fill="hold">
+                                          <p:stCondLst>
+                                            <p:cond delay="0"/>
+                                          </p:stCondLst>
+                                        </p:cTn>
+                                        <p:tgtEl>
+                                          <p:spTgt spid="3">
+                                            <p:txEl>
+                                              <p:pRg st="4" end="4"/>
+                                            </p:txEl>
+                                          </p:spTgt>
+                                        </p:tgtEl>
+                                        <p:attrNameLst>
+                                          <p:attrName>style.visibility</p:attrName>
+                                        </p:attrNameLst>
+                                      </p:cBhvr>
+                                      <p:to>
+                                        <p:strVal val="visible"/>
+                                      </p:to>
+                                    </p:set>
+                                    <p:animEffect transition="in" filter="fade">
+                                      <p:cBhvr>
+                                        <p:cTn id="32" dur="1000"/>
+                                        <p:tgtEl>
+                                          <p:spTgt spid="3">
+                                            <p:txEl>
+                                              <p:pRg st="4" end="4"/>
+                                            </p:txEl>
+                                          </p:spTgt>
+                                        </p:tgtEl>
+                                      </p:cBhvr>
+                                    </p:animEffect>
+                                    <p:anim calcmode="lin" valueType="num">
+                                      <p:cBhvr>
+                                        <p:cTn id="33" dur="1000" fill="hold"/>
+                                        <p:tgtEl>
+                                          <p:spTgt spid="3">
+                                            <p:txEl>
+                                              <p:pRg st="4" end="4"/>
+                                            </p:txEl>
+                                          </p:spTgt>
+                                        </p:tgtEl>
+                                        <p:attrNameLst>
+                                          <p:attrName>ppt_x</p:attrName>
+                                        </p:attrNameLst>
+                                      </p:cBhvr>
+                                      <p:tavLst>
+                                        <p:tav tm="0">
+                                          <p:val>
+                                            <p:strVal val="#ppt_x"/>
+                                          </p:val>
+                                        </p:tav>
+                                        <p:tav tm="100000">
+                                          <p:val>
+                                            <p:strVal val="#ppt_x"/>
+                                          </p:val>
+                                        </p:tav>
+                                      </p:tavLst>
+                                    </p:anim>
+                                    <p:anim calcmode="lin" valueType="num">
+                                      <p:cBhvr>
+                                        <p:cTn id="34" dur="1000" fill="hold"/>
+                                        <p:tgtEl>
+                                          <p:spTgt spid="3">
+                                            <p:txEl>
+                                              <p:pRg st="4" end="4"/>
+                                            </p:txEl>
+                                          </p:spTgt>
+                                        </p:tgtEl>
+                                        <p:attrNameLst>
+                                          <p:attrName>ppt_y</p:attrName>
+                                        </p:attrNameLst>
+                                      </p:cBhvr>
+                                      <p:tavLst>
+                                        <p:tav tm="0">
+                                          <p:val>
+                                            <p:strVal val="#ppt_y+.1"/>
+                                          </p:val>
+                                        </p:tav>
+                                        <p:tav tm="100000">
+                                          <p:val>
+                                            <p:strVal val="#ppt_y"/>
+                                          </p:val>
+                                        </p:tav>
+                                      </p:tavLst>
+                                    </p:anim>
+                                  </p:childTnLst>
+                                </p:cTn>
+                              </p:par>
+                              <p:par>
+                                <p:cTn id="35" presetID="42" presetClass="entr" presetSubtype="0" fill="hold" grpId="0" nodeType="withEffect">
+                                  <p:stCondLst>
+                                    <p:cond delay="0"/>
+                                  </p:stCondLst>
+                                  <p:childTnLst>
+                                    <p:set>
+                                      <p:cBhvr>
+                                        <p:cTn id="36" dur="1" fill="hold">
+                                          <p:stCondLst>
+                                            <p:cond delay="0"/>
+                                          </p:stCondLst>
+                                        </p:cTn>
+                                        <p:tgtEl>
+                                          <p:spTgt spid="3">
+                                            <p:txEl>
+                                              <p:pRg st="5" end="5"/>
+                                            </p:txEl>
+                                          </p:spTgt>
+                                        </p:tgtEl>
+                                        <p:attrNameLst>
+                                          <p:attrName>style.visibility</p:attrName>
+                                        </p:attrNameLst>
+                                      </p:cBhvr>
+                                      <p:to>
+                                        <p:strVal val="visible"/>
+                                      </p:to>
+                                    </p:set>
+                                    <p:animEffect transition="in" filter="fade">
+                                      <p:cBhvr>
+                                        <p:cTn id="37" dur="1000"/>
+                                        <p:tgtEl>
+                                          <p:spTgt spid="3">
+                                            <p:txEl>
+                                              <p:pRg st="5" end="5"/>
+                                            </p:txEl>
+                                          </p:spTgt>
+                                        </p:tgtEl>
+                                      </p:cBhvr>
+                                    </p:animEffect>
+                                    <p:anim calcmode="lin" valueType="num">
+                                      <p:cBhvr>
+                                        <p:cTn id="38" dur="1000" fill="hold"/>
+                                        <p:tgtEl>
+                                          <p:spTgt spid="3">
+                                            <p:txEl>
+                                              <p:pRg st="5" end="5"/>
+                                            </p:txEl>
+                                          </p:spTgt>
+                                        </p:tgtEl>
+                                        <p:attrNameLst>
+                                          <p:attrName>ppt_x</p:attrName>
+                                        </p:attrNameLst>
+                                      </p:cBhvr>
+                                      <p:tavLst>
+                                        <p:tav tm="0">
+                                          <p:val>
+                                            <p:strVal val="#ppt_x"/>
+                                          </p:val>
+                                        </p:tav>
+                                        <p:tav tm="100000">
+                                          <p:val>
+                                            <p:strVal val="#ppt_x"/>
+                                          </p:val>
+                                        </p:tav>
+                                      </p:tavLst>
+                                    </p:anim>
+                                    <p:anim calcmode="lin" valueType="num">
+                                      <p:cBhvr>
+                                        <p:cTn id="39" dur="1000" fill="hold"/>
+                                        <p:tgtEl>
+                                          <p:spTgt spid="3">
+                                            <p:txEl>
+                                              <p:pRg st="5" end="5"/>
+                                            </p:txEl>
+                                          </p:spTgt>
+                                        </p:tgtEl>
+                                        <p:attrNameLst>
+                                          <p:attrName>ppt_y</p:attrName>
+                                        </p:attrNameLst>
+                                      </p:cBhvr>
+                                      <p:tavLst>
+                                        <p:tav tm="0">
+                                          <p:val>
+                                            <p:strVal val="#ppt_y+.1"/>
+                                          </p:val>
+                                        </p:tav>
+                                        <p:tav tm="100000">
+                                          <p:val>
+                                            <p:strVal val="#ppt_y"/>
+                                          </p:val>
+                                        </p:tav>
+                                      </p:tavLst>
+                                    </p:anim>
+                                  </p:childTnLst>
+                                </p:cTn>
+                              </p:par>
+                              <p:par>
+                                <p:cTn id="40" presetID="42" presetClass="entr" presetSubtype="0" fill="hold" grpId="0" nodeType="withEffect">
+                                  <p:stCondLst>
+                                    <p:cond delay="0"/>
+                                  </p:stCondLst>
+                                  <p:childTnLst>
+                                    <p:set>
+                                      <p:cBhvr>
+                                        <p:cTn id="41" dur="1" fill="hold">
+                                          <p:stCondLst>
+                                            <p:cond delay="0"/>
+                                          </p:stCondLst>
+                                        </p:cTn>
+                                        <p:tgtEl>
+                                          <p:spTgt spid="3">
+                                            <p:txEl>
+                                              <p:pRg st="6" end="6"/>
+                                            </p:txEl>
+                                          </p:spTgt>
+                                        </p:tgtEl>
+                                        <p:attrNameLst>
+                                          <p:attrName>style.visibility</p:attrName>
+                                        </p:attrNameLst>
+                                      </p:cBhvr>
+                                      <p:to>
+                                        <p:strVal val="visible"/>
+                                      </p:to>
+                                    </p:set>
+                                    <p:animEffect transition="in" filter="fade">
+                                      <p:cBhvr>
+                                        <p:cTn id="42" dur="1000"/>
+                                        <p:tgtEl>
+                                          <p:spTgt spid="3">
+                                            <p:txEl>
+                                              <p:pRg st="6" end="6"/>
+                                            </p:txEl>
+                                          </p:spTgt>
+                                        </p:tgtEl>
+                                      </p:cBhvr>
+                                    </p:animEffect>
+                                    <p:anim calcmode="lin" valueType="num">
+                                      <p:cBhvr>
+                                        <p:cTn id="43" dur="1000" fill="hold"/>
+                                        <p:tgtEl>
+                                          <p:spTgt spid="3">
+                                            <p:txEl>
+                                              <p:pRg st="6" end="6"/>
+                                            </p:txEl>
+                                          </p:spTgt>
+                                        </p:tgtEl>
+                                        <p:attrNameLst>
+                                          <p:attrName>ppt_x</p:attrName>
+                                        </p:attrNameLst>
+                                      </p:cBhvr>
+                                      <p:tavLst>
+                                        <p:tav tm="0">
+                                          <p:val>
+                                            <p:strVal val="#ppt_x"/>
+                                          </p:val>
+                                        </p:tav>
+                                        <p:tav tm="100000">
+                                          <p:val>
+                                            <p:strVal val="#ppt_x"/>
+                                          </p:val>
+                                        </p:tav>
+                                      </p:tavLst>
+                                    </p:anim>
+                                    <p:anim calcmode="lin" valueType="num">
+                                      <p:cBhvr>
+                                        <p:cTn id="44" dur="1000" fill="hold"/>
+                                        <p:tgtEl>
+                                          <p:spTgt spid="3">
+                                            <p:txEl>
+                                              <p:pRg st="6" end="6"/>
+                                            </p:txEl>
+                                          </p:spTgt>
+                                        </p:tgtEl>
+                                        <p:attrNameLst>
+                                          <p:attrName>ppt_y</p:attrName>
+                                        </p:attrNameLst>
+                                      </p:cBhvr>
+                                      <p:tavLst>
+                                        <p:tav tm="0">
+                                          <p:val>
+                                            <p:strVal val="#ppt_y+.1"/>
+                                          </p:val>
+                                        </p:tav>
+                                        <p:tav tm="100000">
+                                          <p:val>
+                                            <p:strVal val="#ppt_y"/>
+                                          </p:val>
+                                        </p:tav>
+                                      </p:tavLst>
+                                    </p:anim>
+                                  </p:childTnLst>
+                                </p:cTn>
+                              </p:par>
+                              <p:par>
+                                <p:cTn id="45" presetID="42" presetClass="entr" presetSubtype="0" fill="hold" grpId="0" nodeType="withEffect">
+                                  <p:stCondLst>
+                                    <p:cond delay="0"/>
+                                  </p:stCondLst>
+                                  <p:childTnLst>
+                                    <p:set>
+                                      <p:cBhvr>
+                                        <p:cTn id="46" dur="1" fill="hold">
+                                          <p:stCondLst>
+                                            <p:cond delay="0"/>
+                                          </p:stCondLst>
+                                        </p:cTn>
+                                        <p:tgtEl>
+                                          <p:spTgt spid="3">
+                                            <p:txEl>
+                                              <p:pRg st="7" end="7"/>
+                                            </p:txEl>
+                                          </p:spTgt>
+                                        </p:tgtEl>
+                                        <p:attrNameLst>
+                                          <p:attrName>style.visibility</p:attrName>
+                                        </p:attrNameLst>
+                                      </p:cBhvr>
+                                      <p:to>
+                                        <p:strVal val="visible"/>
+                                      </p:to>
+                                    </p:set>
+                                    <p:animEffect transition="in" filter="fade">
+                                      <p:cBhvr>
+                                        <p:cTn id="47" dur="1000"/>
+                                        <p:tgtEl>
+                                          <p:spTgt spid="3">
+                                            <p:txEl>
+                                              <p:pRg st="7" end="7"/>
+                                            </p:txEl>
+                                          </p:spTgt>
+                                        </p:tgtEl>
+                                      </p:cBhvr>
+                                    </p:animEffect>
+                                    <p:anim calcmode="lin" valueType="num">
+                                      <p:cBhvr>
+                                        <p:cTn id="48" dur="1000" fill="hold"/>
+                                        <p:tgtEl>
+                                          <p:spTgt spid="3">
+                                            <p:txEl>
+                                              <p:pRg st="7" end="7"/>
+                                            </p:txEl>
+                                          </p:spTgt>
+                                        </p:tgtEl>
+                                        <p:attrNameLst>
+                                          <p:attrName>ppt_x</p:attrName>
+                                        </p:attrNameLst>
+                                      </p:cBhvr>
+                                      <p:tavLst>
+                                        <p:tav tm="0">
+                                          <p:val>
+                                            <p:strVal val="#ppt_x"/>
+                                          </p:val>
+                                        </p:tav>
+                                        <p:tav tm="100000">
+                                          <p:val>
+                                            <p:strVal val="#ppt_x"/>
+                                          </p:val>
+                                        </p:tav>
+                                      </p:tavLst>
+                                    </p:anim>
+                                    <p:anim calcmode="lin" valueType="num">
+                                      <p:cBhvr>
+                                        <p:cTn id="49" dur="1000" fill="hold"/>
+                                        <p:tgtEl>
+                                          <p:spTgt spid="3">
+                                            <p:txEl>
+                                              <p:pRg st="7" end="7"/>
+                                            </p:txEl>
+                                          </p:spTgt>
+                                        </p:tgtEl>
+                                        <p:attrNameLst>
+                                          <p:attrName>ppt_y</p:attrName>
+                                        </p:attrNameLst>
+                                      </p:cBhvr>
+                                      <p:tavLst>
+                                        <p:tav tm="0">
+                                          <p:val>
+                                            <p:strVal val="#ppt_y+.1"/>
+                                          </p:val>
+                                        </p:tav>
+                                        <p:tav tm="100000">
+                                          <p:val>
+                                            <p:strVal val="#ppt_y"/>
+                                          </p:val>
+                                        </p:tav>
+                                      </p:tavLst>
+                                    </p:anim>
+                                  </p:childTnLst>
+                                </p:cTn>
+                              </p:par>
+                              <p:par>
+                                <p:cTn id="50" presetID="42" presetClass="entr" presetSubtype="0" fill="hold" grpId="0" nodeType="withEffect">
+                                  <p:stCondLst>
+                                    <p:cond delay="0"/>
+                                  </p:stCondLst>
+                                  <p:childTnLst>
+                                    <p:set>
+                                      <p:cBhvr>
+                                        <p:cTn id="51" dur="1" fill="hold">
+                                          <p:stCondLst>
+                                            <p:cond delay="0"/>
+                                          </p:stCondLst>
+                                        </p:cTn>
+                                        <p:tgtEl>
+                                          <p:spTgt spid="3">
+                                            <p:txEl>
+                                              <p:pRg st="8" end="8"/>
+                                            </p:txEl>
+                                          </p:spTgt>
+                                        </p:tgtEl>
+                                        <p:attrNameLst>
+                                          <p:attrName>style.visibility</p:attrName>
+                                        </p:attrNameLst>
+                                      </p:cBhvr>
+                                      <p:to>
+                                        <p:strVal val="visible"/>
+                                      </p:to>
+                                    </p:set>
+                                    <p:animEffect transition="in" filter="fade">
+                                      <p:cBhvr>
+                                        <p:cTn id="52" dur="1000"/>
+                                        <p:tgtEl>
+                                          <p:spTgt spid="3">
+                                            <p:txEl>
+                                              <p:pRg st="8" end="8"/>
+                                            </p:txEl>
+                                          </p:spTgt>
+                                        </p:tgtEl>
+                                      </p:cBhvr>
+                                    </p:animEffect>
+                                    <p:anim calcmode="lin" valueType="num">
+                                      <p:cBhvr>
+                                        <p:cTn id="53" dur="1000" fill="hold"/>
+                                        <p:tgtEl>
+                                          <p:spTgt spid="3">
+                                            <p:txEl>
+                                              <p:pRg st="8" end="8"/>
+                                            </p:txEl>
+                                          </p:spTgt>
+                                        </p:tgtEl>
+                                        <p:attrNameLst>
+                                          <p:attrName>ppt_x</p:attrName>
+                                        </p:attrNameLst>
+                                      </p:cBhvr>
+                                      <p:tavLst>
+                                        <p:tav tm="0">
+                                          <p:val>
+                                            <p:strVal val="#ppt_x"/>
+                                          </p:val>
+                                        </p:tav>
+                                        <p:tav tm="100000">
+                                          <p:val>
+                                            <p:strVal val="#ppt_x"/>
+                                          </p:val>
+                                        </p:tav>
+                                      </p:tavLst>
+                                    </p:anim>
+                                    <p:anim calcmode="lin" valueType="num">
+                                      <p:cBhvr>
+                                        <p:cTn id="54" dur="1000" fill="hold"/>
+                                        <p:tgtEl>
+                                          <p:spTgt spid="3">
+                                            <p:txEl>
+                                              <p:pRg st="8" end="8"/>
+                                            </p:txEl>
+                                          </p:spTgt>
+                                        </p:tgtEl>
+                                        <p:attrNameLst>
+                                          <p:attrName>ppt_y</p:attrName>
+                                        </p:attrNameLst>
+                                      </p:cBhvr>
+                                      <p:tavLst>
+                                        <p:tav tm="0">
+                                          <p:val>
+                                            <p:strVal val="#ppt_y+.1"/>
+                                          </p:val>
+                                        </p:tav>
+                                        <p:tav tm="100000">
+                                          <p:val>
+                                            <p:strVal val="#ppt_y"/>
+                                          </p:val>
+                                        </p:tav>
+                                      </p:tavLst>
+                                    </p:anim>
+                                  </p:childTnLst>
+                                </p:cTn>
+                              </p:par>
+                              <p:par>
+                                <p:cTn id="55" presetID="42" presetClass="entr" presetSubtype="0" fill="hold" grpId="0" nodeType="withEffect" nodePh="1">
+                                  <p:stCondLst>
+                                    <p:cond delay="0"/>
+                                  </p:stCondLst>
+                                  <p:endCondLst>
+                                    <p:cond evt="begin" delay="0">
+                                      <p:tn val="55"/>
+                                    </p:cond>
+                                  </p:endCondLst>
+                                  <p:childTnLst>
+                                    <p:set>
+                                      <p:cBhvr>
+                                        <p:cTn id="56" dur="1" fill="hold">
+                                          <p:stCondLst>
+                                            <p:cond delay="0"/>
+                                          </p:stCondLst>
+                                        </p:cTn>
+                                        <p:tgtEl>
+                                          <p:spTgt spid="4"/>
+                                        </p:tgtEl>
+                                        <p:attrNameLst>
+                                          <p:attrName>style.visibility</p:attrName>
+                                        </p:attrNameLst>
+                                      </p:cBhvr>
+                                      <p:to>
+                                        <p:strVal val="visible"/>
+                                      </p:to>
+                                    </p:set>
+                                    <p:animEffect transition="in" filter="fade">
+                                      <p:cBhvr>
+                                        <p:cTn id="57" dur="1000"/>
+                                        <p:tgtEl>
+                                          <p:spTgt spid="4"/>
+                                        </p:tgtEl>
+                                      </p:cBhvr>
+                                    </p:animEffect>
+                                    <p:anim calcmode="lin" valueType="num">
+                                      <p:cBhvr>
+                                        <p:cTn id="58" dur="1000" fill="hold"/>
+                                        <p:tgtEl>
+                                          <p:spTgt spid="4"/>
+                                        </p:tgtEl>
+                                        <p:attrNameLst>
+                                          <p:attrName>ppt_x</p:attrName>
+                                        </p:attrNameLst>
+                                      </p:cBhvr>
+                                      <p:tavLst>
+                                        <p:tav tm="0">
+                                          <p:val>
+                                            <p:strVal val="#ppt_x"/>
+                                          </p:val>
+                                        </p:tav>
+                                        <p:tav tm="100000">
+                                          <p:val>
+                                            <p:strVal val="#ppt_x"/>
+                                          </p:val>
+                                        </p:tav>
+                                      </p:tavLst>
+                                    </p:anim>
+                                    <p:anim calcmode="lin" valueType="num">
+                                      <p:cBhvr>
+                                        <p:cTn id="59" dur="1000" fill="hold"/>
+                                        <p:tgtEl>
+                                          <p:spTgt spid="4"/>
+                                        </p:tgtEl>
+                                        <p:attrNameLst>
+                                          <p:attrName>ppt_y</p:attrName>
+                                        </p:attrNameLst>
+                                      </p:cBhvr>
+                                      <p:tavLst>
+                                        <p:tav tm="0">
+                                          <p:val>
+                                            <p:strVal val="#ppt_y+.1"/>
+                                          </p:val>
+                                        </p:tav>
+                                        <p:tav tm="100000">
+                                          <p:val>
+                                            <p:strVal val="#ppt_y"/>
+                                          </p:val>
+                                        </p:tav>
+                                      </p:tavLst>
+                                    </p:anim>
                                   </p:childTnLst>
                                 </p:cTn>
                               </p:par>
@@ -6853,7 +9113,7 @@
           <p:cNvPr id="2" name="Cím 1">
             <a:extLst>
               <a:ext uri="{FF2B5EF4-FFF2-40B4-BE49-F238E27FC236}">
-                <a16:creationId xmlns:a16="http://schemas.microsoft.com/office/drawing/2014/main" id="{1D076EFF-88E5-BAE6-7DDC-1D2CE7B3DF6E}"/>
+                <a16:creationId xmlns:a16="http://schemas.microsoft.com/office/drawing/2014/main" id="{C03EF754-3BE6-D39B-CDF1-7D39E2905B45}"/>
               </a:ext>
             </a:extLst>
           </p:cNvPr>
@@ -6871,47 +9131,22 @@
           </a:bodyPr>
           <a:lstStyle/>
           <a:p>
-            <a:pPr marL="0" indent="0" algn="ctr">
-              <a:buNone/>
-            </a:pPr>
-            <a:r>
-              <a:rPr lang="en-US" sz="4800" b="1" u="sng" dirty="0">
-                <a:effectLst/>
-                <a:latin typeface="Söhne"/>
-              </a:rPr>
-              <a:t>Disadvantages</a:t>
-            </a:r>
-            <a:r>
-              <a:rPr lang="hu-HU" sz="4800" b="1" u="sng" dirty="0">
-                <a:effectLst/>
-                <a:latin typeface="Söhne"/>
-              </a:rPr>
-              <a:t> of</a:t>
-            </a:r>
-            <a:r>
-              <a:rPr lang="en-US" sz="4800" b="1" i="0" u="sng" dirty="0">
-                <a:effectLst/>
-                <a:latin typeface="Söhne"/>
-              </a:rPr>
-              <a:t> White- </a:t>
+            <a:pPr algn="ctr"/>
+            <a:r>
+              <a:rPr lang="en-US" b="1" dirty="0"/>
+              <a:t>Disadvantages of Summer</a:t>
             </a:r>
             <a:br>
-              <a:rPr lang="hu-HU" sz="4800" b="1" i="0" u="sng" dirty="0">
-                <a:effectLst/>
-                <a:latin typeface="Söhne"/>
-              </a:rPr>
+              <a:rPr lang="hu-HU" b="1" dirty="0"/>
             </a:br>
             <a:r>
-              <a:rPr lang="en-US" sz="4800" b="1" i="0" u="sng" dirty="0">
-                <a:effectLst/>
-                <a:latin typeface="Söhne"/>
-              </a:rPr>
-              <a:t>and Blue-Collar Jobs:</a:t>
-            </a:r>
-            <a:endParaRPr lang="hu-HU" sz="4800" b="1" i="0" u="sng" dirty="0">
-              <a:effectLst/>
-              <a:latin typeface="Söhne"/>
-            </a:endParaRPr>
+              <a:rPr lang="en-US" b="1" dirty="0"/>
+              <a:t>Jobs for Students:</a:t>
+            </a:r>
+            <a:br>
+              <a:rPr lang="en-US" b="1" dirty="0"/>
+            </a:br>
+            <a:endParaRPr lang="hu-HU" b="1" dirty="0"/>
           </a:p>
         </p:txBody>
       </p:sp>
@@ -6920,7 +9155,7 @@
           <p:cNvPr id="3" name="Tartalom helye 2">
             <a:extLst>
               <a:ext uri="{FF2B5EF4-FFF2-40B4-BE49-F238E27FC236}">
-                <a16:creationId xmlns:a16="http://schemas.microsoft.com/office/drawing/2014/main" id="{E86FF2FB-7653-66F4-EE29-44E5CFC67121}"/>
+                <a16:creationId xmlns:a16="http://schemas.microsoft.com/office/drawing/2014/main" id="{6D5C1302-B8C5-7EF0-8677-1239F595A627}"/>
               </a:ext>
             </a:extLst>
           </p:cNvPr>
@@ -6931,15 +9166,10 @@
             <p:ph idx="1"/>
           </p:nvPr>
         </p:nvSpPr>
-        <p:spPr>
-          <a:xfrm>
-            <a:off x="855677" y="2114026"/>
-            <a:ext cx="10269523" cy="3998109"/>
-          </a:xfrm>
-        </p:spPr>
+        <p:spPr/>
         <p:txBody>
           <a:bodyPr>
-            <a:normAutofit fontScale="92500" lnSpcReduction="20000"/>
+            <a:normAutofit/>
           </a:bodyPr>
           <a:lstStyle/>
           <a:p>
@@ -6947,209 +9177,102 @@
               <a:buNone/>
             </a:pPr>
             <a:r>
-              <a:rPr lang="hu-HU" sz="3200" b="1" dirty="0">
-                <a:latin typeface="Söhne"/>
-              </a:rPr>
-              <a:t>- </a:t>
-            </a:r>
-            <a:r>
-              <a:rPr lang="en-US" sz="3200" b="1" i="0" dirty="0">
-                <a:effectLst/>
-                <a:latin typeface="Söhne"/>
-              </a:rPr>
-              <a:t>Disadvantages of White-Collar Workers:</a:t>
-            </a:r>
-            <a:endParaRPr lang="en-US" sz="3200" b="0" i="0" dirty="0">
-              <a:effectLst/>
-              <a:latin typeface="Söhne"/>
-            </a:endParaRPr>
-          </a:p>
-          <a:p>
-            <a:pPr marL="1074420" lvl="2" indent="-342900"/>
+              <a:rPr lang="en-US" sz="3200" b="1" dirty="0">
+                <a:latin typeface="Söhne"/>
+              </a:rPr>
+              <a:t>Low salary:</a:t>
+            </a:r>
+          </a:p>
+          <a:p>
+            <a:pPr lvl="2"/>
             <a:r>
               <a:rPr lang="hu-HU" sz="2800" dirty="0">
                 <a:latin typeface="Söhne"/>
               </a:rPr>
-              <a:t>W</a:t>
-            </a:r>
-            <a:r>
-              <a:rPr lang="en-US" sz="2800" b="0" i="0" dirty="0" err="1">
-                <a:effectLst/>
-                <a:latin typeface="Söhne"/>
-              </a:rPr>
-              <a:t>orking</a:t>
-            </a:r>
-            <a:r>
-              <a:rPr lang="en-US" sz="2800" b="0" i="0" dirty="0">
-                <a:effectLst/>
-                <a:latin typeface="Söhne"/>
-              </a:rPr>
-              <a:t> hours.</a:t>
-            </a:r>
-            <a:endParaRPr lang="hu-HU" sz="2800" b="0" i="0" dirty="0">
-              <a:effectLst/>
-              <a:latin typeface="Söhne"/>
-            </a:endParaRPr>
-          </a:p>
-          <a:p>
-            <a:pPr marL="1074420" lvl="2" indent="-342900"/>
-            <a:r>
-              <a:rPr lang="hu-HU" sz="2800" b="0" i="0" dirty="0">
-                <a:effectLst/>
-                <a:latin typeface="Söhne"/>
-              </a:rPr>
-              <a:t>H</a:t>
-            </a:r>
-            <a:r>
-              <a:rPr lang="en-US" sz="2800" b="0" i="0" dirty="0" err="1">
-                <a:effectLst/>
-                <a:latin typeface="Söhne"/>
-              </a:rPr>
-              <a:t>igh</a:t>
-            </a:r>
-            <a:r>
-              <a:rPr lang="en-US" sz="2800" b="0" i="0" dirty="0">
-                <a:effectLst/>
-                <a:latin typeface="Söhne"/>
-              </a:rPr>
-              <a:t> expectations.</a:t>
-            </a:r>
-          </a:p>
-          <a:p>
-            <a:pPr marL="1074420" lvl="2" indent="-342900"/>
+              <a:t>E</a:t>
+            </a:r>
+            <a:r>
+              <a:rPr lang="en-US" sz="2800" dirty="0" err="1">
+                <a:latin typeface="Söhne"/>
+              </a:rPr>
+              <a:t>ntry</a:t>
+            </a:r>
+            <a:r>
+              <a:rPr lang="en-US" sz="2800" dirty="0">
+                <a:latin typeface="Söhne"/>
+              </a:rPr>
+              <a:t>-level</a:t>
+            </a:r>
+          </a:p>
+          <a:p>
+            <a:pPr lvl="2"/>
+            <a:r>
+              <a:rPr lang="en-US" sz="2800" dirty="0">
+                <a:latin typeface="Söhne"/>
+              </a:rPr>
+              <a:t>Limited financial </a:t>
+            </a:r>
+            <a:r>
+              <a:rPr lang="en-US" sz="2800" dirty="0" err="1">
+                <a:latin typeface="Söhne"/>
+              </a:rPr>
+              <a:t>rewar</a:t>
+            </a:r>
             <a:r>
               <a:rPr lang="hu-HU" sz="2800" dirty="0">
                 <a:latin typeface="Söhne"/>
               </a:rPr>
-              <a:t>M</a:t>
-            </a:r>
-            <a:r>
-              <a:rPr lang="en-US" sz="2800" b="0" i="0" dirty="0" err="1">
-                <a:effectLst/>
-                <a:latin typeface="Söhne"/>
-              </a:rPr>
-              <a:t>onoton</a:t>
-            </a:r>
+              <a:t>d</a:t>
+            </a:r>
+          </a:p>
+          <a:p>
+            <a:pPr marL="274320" lvl="1" indent="0">
+              <a:buNone/>
+            </a:pPr>
+            <a:r>
+              <a:rPr lang="en-US" sz="3200" b="1" dirty="0">
+                <a:latin typeface="Söhne"/>
+              </a:rPr>
+              <a:t>Repetitive or M</a:t>
+            </a:r>
+            <a:r>
+              <a:rPr lang="hu-HU" sz="3200" b="1" dirty="0" err="1">
+                <a:latin typeface="Söhne"/>
+              </a:rPr>
+              <a:t>onotonious</a:t>
+            </a:r>
+            <a:r>
+              <a:rPr lang="en-US" sz="3200" b="1" dirty="0">
+                <a:latin typeface="Söhne"/>
+              </a:rPr>
+              <a:t> Tasks:</a:t>
+            </a:r>
+          </a:p>
+          <a:p>
+            <a:pPr lvl="2"/>
             <a:r>
               <a:rPr lang="hu-HU" sz="2800" dirty="0">
                 <a:latin typeface="Söhne"/>
               </a:rPr>
-              <a:t>y</a:t>
-            </a:r>
-            <a:r>
-              <a:rPr lang="en-US" sz="2800" b="0" i="0" dirty="0">
-                <a:effectLst/>
-                <a:latin typeface="Söhne"/>
-              </a:rPr>
-              <a:t>.</a:t>
-            </a:r>
-            <a:endParaRPr lang="hu-HU" sz="2800" b="0" i="0" dirty="0">
-              <a:effectLst/>
-              <a:latin typeface="Söhne"/>
-            </a:endParaRPr>
-          </a:p>
-          <a:p>
-            <a:pPr marL="1074420" lvl="2" indent="-342900"/>
+              <a:t>Boring </a:t>
+            </a:r>
             <a:r>
               <a:rPr lang="hu-HU" sz="2800" dirty="0" err="1">
                 <a:latin typeface="Söhne"/>
               </a:rPr>
-              <a:t>Lack</a:t>
-            </a:r>
-            <a:r>
-              <a:rPr lang="hu-HU" sz="2800" dirty="0">
-                <a:latin typeface="Söhne"/>
-              </a:rPr>
-              <a:t> of </a:t>
-            </a:r>
-            <a:r>
-              <a:rPr lang="hu-HU" sz="2800" dirty="0" err="1">
-                <a:latin typeface="Söhne"/>
-              </a:rPr>
-              <a:t>stability</a:t>
+              <a:t>worktime</a:t>
             </a:r>
             <a:endParaRPr lang="hu-HU" sz="2800" dirty="0">
               <a:latin typeface="Söhne"/>
             </a:endParaRPr>
           </a:p>
           <a:p>
-            <a:pPr marL="1074420" lvl="2" indent="-342900"/>
-            <a:r>
-              <a:rPr lang="hu-HU" sz="2800" b="0" i="0" dirty="0" err="1">
-                <a:effectLst/>
-                <a:latin typeface="Söhne"/>
-              </a:rPr>
-              <a:t>stressful</a:t>
-            </a:r>
-            <a:endParaRPr lang="en-US" sz="2800" b="0" i="0" dirty="0">
-              <a:effectLst/>
-              <a:latin typeface="Söhne"/>
-            </a:endParaRPr>
-          </a:p>
-          <a:p>
-            <a:pPr marL="274320" lvl="1" indent="0">
-              <a:buNone/>
-            </a:pPr>
-            <a:r>
-              <a:rPr lang="hu-HU" sz="3200" b="1" i="0" dirty="0">
-                <a:effectLst/>
-                <a:latin typeface="Söhne"/>
-              </a:rPr>
-              <a:t>- </a:t>
-            </a:r>
-            <a:r>
-              <a:rPr lang="en-US" sz="3200" b="1" i="0" dirty="0">
-                <a:effectLst/>
-                <a:latin typeface="Söhne"/>
-              </a:rPr>
-              <a:t>Disadvantages of Blue-Collar Workers:</a:t>
-            </a:r>
-            <a:endParaRPr lang="en-US" sz="3200" b="0" i="0" dirty="0">
-              <a:effectLst/>
-              <a:latin typeface="Söhne"/>
-            </a:endParaRPr>
-          </a:p>
-          <a:p>
-            <a:pPr marL="1074420" lvl="2" indent="-342900"/>
-            <a:r>
-              <a:rPr lang="en-US" sz="2800" b="0" i="0" dirty="0">
-                <a:effectLst/>
-                <a:latin typeface="Söhne"/>
-              </a:rPr>
-              <a:t>Physically demand</a:t>
-            </a:r>
-            <a:r>
-              <a:rPr lang="hu-HU" sz="2800" b="0" i="0" dirty="0">
-                <a:effectLst/>
-                <a:latin typeface="Söhne"/>
-              </a:rPr>
-              <a:t>ing.</a:t>
-            </a:r>
-          </a:p>
-          <a:p>
-            <a:pPr marL="1074420" lvl="2" indent="-342900"/>
-            <a:r>
-              <a:rPr lang="en-US" sz="2800" b="0" i="0" dirty="0">
-                <a:effectLst/>
-                <a:latin typeface="Söhne"/>
-              </a:rPr>
-              <a:t>Lower pay</a:t>
-            </a:r>
-            <a:r>
-              <a:rPr lang="hu-HU" sz="2800" b="0" i="0" dirty="0">
-                <a:effectLst/>
-                <a:latin typeface="Söhne"/>
-              </a:rPr>
-              <a:t>.</a:t>
-            </a:r>
-          </a:p>
-          <a:p>
-            <a:pPr marL="1074420" lvl="2" indent="-342900"/>
+            <a:pPr lvl="2"/>
             <a:r>
               <a:rPr lang="hu-HU" sz="2800" dirty="0" err="1">
                 <a:latin typeface="Söhne"/>
               </a:rPr>
-              <a:t>High</a:t>
+              <a:t>Students</a:t>
             </a:r>
             <a:r>
               <a:rPr lang="hu-HU" sz="2800" dirty="0">
@@ -7161,39 +9284,26 @@
               <a:rPr lang="hu-HU" sz="2800" dirty="0" err="1">
                 <a:latin typeface="Söhne"/>
               </a:rPr>
-              <a:t>risk</a:t>
+              <a:t>not</a:t>
             </a:r>
             <a:r>
               <a:rPr lang="hu-HU" sz="2800" dirty="0">
                 <a:latin typeface="Söhne"/>
               </a:rPr>
-              <a:t> of </a:t>
+              <a:t> </a:t>
             </a:r>
             <a:r>
               <a:rPr lang="hu-HU" sz="2800" dirty="0" err="1">
                 <a:latin typeface="Söhne"/>
               </a:rPr>
-              <a:t>injury</a:t>
+              <a:t>interested</a:t>
             </a:r>
             <a:r>
               <a:rPr lang="hu-HU" sz="2800" dirty="0">
                 <a:latin typeface="Söhne"/>
               </a:rPr>
-              <a:t>, </a:t>
-            </a:r>
-            <a:r>
-              <a:rPr lang="hu-HU" sz="2800" dirty="0" err="1">
-                <a:latin typeface="Söhne"/>
-              </a:rPr>
-              <a:t>dangerous</a:t>
-            </a:r>
-            <a:endParaRPr lang="en-US" sz="2800" b="0" i="0" dirty="0">
-              <a:effectLst/>
-              <a:latin typeface="Söhne"/>
-            </a:endParaRPr>
-          </a:p>
-          <a:p>
-            <a:endParaRPr lang="hu-HU" sz="2400" dirty="0"/>
+              <a:t> in</a:t>
+            </a:r>
           </a:p>
         </p:txBody>
       </p:sp>
@@ -7202,7 +9312,7 @@
           <p:cNvPr id="4" name="Dátum helye 3">
             <a:extLst>
               <a:ext uri="{FF2B5EF4-FFF2-40B4-BE49-F238E27FC236}">
-                <a16:creationId xmlns:a16="http://schemas.microsoft.com/office/drawing/2014/main" id="{7761CB8F-8922-EE0A-FDA8-DBB7F08A84AB}"/>
+                <a16:creationId xmlns:a16="http://schemas.microsoft.com/office/drawing/2014/main" id="{83C32074-6AFC-4376-607D-B35CBB150500}"/>
               </a:ext>
             </a:extLst>
           </p:cNvPr>
@@ -7226,7 +9336,7 @@
     </p:spTree>
     <p:extLst>
       <p:ext uri="{BB962C8B-B14F-4D97-AF65-F5344CB8AC3E}">
-        <p14:creationId xmlns:p14="http://schemas.microsoft.com/office/powerpoint/2010/main" val="2225444030"/>
+        <p14:creationId xmlns:p14="http://schemas.microsoft.com/office/powerpoint/2010/main" val="834310222"/>
       </p:ext>
     </p:extLst>
   </p:cSld>
@@ -7254,7 +9364,7 @@
                             </p:stCondLst>
                             <p:childTnLst>
                               <p:par>
-                                <p:cTn id="5" presetID="2" presetClass="entr" presetSubtype="4" fill="hold" grpId="0" nodeType="clickEffect">
+                                <p:cTn id="5" presetID="16" presetClass="entr" presetSubtype="21" fill="hold" grpId="0" nodeType="clickEffect">
                                   <p:stCondLst>
                                     <p:cond delay="0"/>
                                   </p:stCondLst>
@@ -7277,64 +9387,26 @@
                                         <p:strVal val="visible"/>
                                       </p:to>
                                     </p:set>
-                                    <p:anim calcmode="lin" valueType="num">
-                                      <p:cBhvr additive="base">
-                                        <p:cTn id="7" dur="500" fill="hold"/>
+                                    <p:animEffect transition="in" filter="barn(inVertical)">
+                                      <p:cBhvr>
+                                        <p:cTn id="7" dur="500"/>
                                         <p:tgtEl>
                                           <p:spTgt spid="2"/>
                                         </p:tgtEl>
-                                        <p:attrNameLst>
-                                          <p:attrName>ppt_x</p:attrName>
-                                        </p:attrNameLst>
-                                      </p:cBhvr>
-                                      <p:tavLst>
-                                        <p:tav tm="0">
-                                          <p:val>
-                                            <p:strVal val="#ppt_x"/>
-                                          </p:val>
-                                        </p:tav>
-                                        <p:tav tm="100000">
-                                          <p:val>
-                                            <p:strVal val="#ppt_x"/>
-                                          </p:val>
-                                        </p:tav>
-                                      </p:tavLst>
-                                    </p:anim>
-                                    <p:anim calcmode="lin" valueType="num">
-                                      <p:cBhvr additive="base">
-                                        <p:cTn id="8" dur="500" fill="hold"/>
-                                        <p:tgtEl>
-                                          <p:spTgt spid="2"/>
-                                        </p:tgtEl>
-                                        <p:attrNameLst>
-                                          <p:attrName>ppt_y</p:attrName>
-                                        </p:attrNameLst>
-                                      </p:cBhvr>
-                                      <p:tavLst>
-                                        <p:tav tm="0">
-                                          <p:val>
-                                            <p:strVal val="1+#ppt_h/2"/>
-                                          </p:val>
-                                        </p:tav>
-                                        <p:tav tm="100000">
-                                          <p:val>
-                                            <p:strVal val="#ppt_y"/>
-                                          </p:val>
-                                        </p:tav>
-                                      </p:tavLst>
-                                    </p:anim>
+                                      </p:cBhvr>
+                                    </p:animEffect>
                                   </p:childTnLst>
                                 </p:cTn>
                               </p:par>
                               <p:par>
-                                <p:cTn id="9" presetID="2" presetClass="entr" presetSubtype="4" fill="hold" grpId="0" nodeType="withEffect">
+                                <p:cTn id="8" presetID="16" presetClass="entr" presetSubtype="21" fill="hold" grpId="0" nodeType="withEffect">
                                   <p:stCondLst>
                                     <p:cond delay="0"/>
                                   </p:stCondLst>
                                   <p:childTnLst>
                                     <p:set>
                                       <p:cBhvr>
-                                        <p:cTn id="10" dur="1" fill="hold">
+                                        <p:cTn id="9" dur="1" fill="hold">
                                           <p:stCondLst>
                                             <p:cond delay="0"/>
                                           </p:stCondLst>
@@ -7354,9 +9426,9 @@
                                         <p:strVal val="visible"/>
                                       </p:to>
                                     </p:set>
-                                    <p:anim calcmode="lin" valueType="num">
-                                      <p:cBhvr additive="base">
-                                        <p:cTn id="11" dur="500" fill="hold"/>
+                                    <p:animEffect transition="in" filter="barn(inVertical)">
+                                      <p:cBhvr>
+                                        <p:cTn id="10" dur="500"/>
                                         <p:tgtEl>
                                           <p:spTgt spid="3">
                                             <p:txEl>
@@ -7364,62 +9436,20 @@
                                             </p:txEl>
                                           </p:spTgt>
                                         </p:tgtEl>
-                                        <p:attrNameLst>
-                                          <p:attrName>ppt_x</p:attrName>
-                                        </p:attrNameLst>
-                                      </p:cBhvr>
-                                      <p:tavLst>
-                                        <p:tav tm="0">
-                                          <p:val>
-                                            <p:strVal val="#ppt_x"/>
-                                          </p:val>
-                                        </p:tav>
-                                        <p:tav tm="100000">
-                                          <p:val>
-                                            <p:strVal val="#ppt_x"/>
-                                          </p:val>
-                                        </p:tav>
-                                      </p:tavLst>
-                                    </p:anim>
-                                    <p:anim calcmode="lin" valueType="num">
-                                      <p:cBhvr additive="base">
-                                        <p:cTn id="12" dur="500" fill="hold"/>
-                                        <p:tgtEl>
-                                          <p:spTgt spid="3">
-                                            <p:txEl>
-                                              <p:pRg st="0" end="0"/>
-                                            </p:txEl>
-                                          </p:spTgt>
-                                        </p:tgtEl>
-                                        <p:attrNameLst>
-                                          <p:attrName>ppt_y</p:attrName>
-                                        </p:attrNameLst>
-                                      </p:cBhvr>
-                                      <p:tavLst>
-                                        <p:tav tm="0">
-                                          <p:val>
-                                            <p:strVal val="1+#ppt_h/2"/>
-                                          </p:val>
-                                        </p:tav>
-                                        <p:tav tm="100000">
-                                          <p:val>
-                                            <p:strVal val="#ppt_y"/>
-                                          </p:val>
-                                        </p:tav>
-                                      </p:tavLst>
-                                    </p:anim>
+                                      </p:cBhvr>
+                                    </p:animEffect>
                                   </p:childTnLst>
                                 </p:cTn>
                               </p:par>
                               <p:par>
-                                <p:cTn id="13" presetID="2" presetClass="entr" presetSubtype="4" fill="hold" grpId="0" nodeType="withEffect">
+                                <p:cTn id="11" presetID="16" presetClass="entr" presetSubtype="21" fill="hold" grpId="0" nodeType="withEffect">
                                   <p:stCondLst>
                                     <p:cond delay="0"/>
                                   </p:stCondLst>
                                   <p:childTnLst>
                                     <p:set>
                                       <p:cBhvr>
-                                        <p:cTn id="14" dur="1" fill="hold">
+                                        <p:cTn id="12" dur="1" fill="hold">
                                           <p:stCondLst>
                                             <p:cond delay="0"/>
                                           </p:stCondLst>
@@ -7439,9 +9469,9 @@
                                         <p:strVal val="visible"/>
                                       </p:to>
                                     </p:set>
-                                    <p:anim calcmode="lin" valueType="num">
-                                      <p:cBhvr additive="base">
-                                        <p:cTn id="15" dur="500" fill="hold"/>
+                                    <p:animEffect transition="in" filter="barn(inVertical)">
+                                      <p:cBhvr>
+                                        <p:cTn id="13" dur="500"/>
                                         <p:tgtEl>
                                           <p:spTgt spid="3">
                                             <p:txEl>
@@ -7449,61 +9479,62 @@
                                             </p:txEl>
                                           </p:spTgt>
                                         </p:tgtEl>
-                                        <p:attrNameLst>
-                                          <p:attrName>ppt_x</p:attrName>
-                                        </p:attrNameLst>
-                                      </p:cBhvr>
-                                      <p:tavLst>
-                                        <p:tav tm="0">
-                                          <p:val>
-                                            <p:strVal val="#ppt_x"/>
-                                          </p:val>
-                                        </p:tav>
-                                        <p:tav tm="100000">
-                                          <p:val>
-                                            <p:strVal val="#ppt_x"/>
-                                          </p:val>
-                                        </p:tav>
-                                      </p:tavLst>
-                                    </p:anim>
-                                    <p:anim calcmode="lin" valueType="num">
-                                      <p:cBhvr additive="base">
-                                        <p:cTn id="16" dur="500" fill="hold"/>
-                                        <p:tgtEl>
-                                          <p:spTgt spid="3">
-                                            <p:txEl>
-                                              <p:pRg st="1" end="1"/>
-                                            </p:txEl>
-                                          </p:spTgt>
-                                        </p:tgtEl>
-                                        <p:attrNameLst>
-                                          <p:attrName>ppt_y</p:attrName>
-                                        </p:attrNameLst>
-                                      </p:cBhvr>
-                                      <p:tavLst>
-                                        <p:tav tm="0">
-                                          <p:val>
-                                            <p:strVal val="1+#ppt_h/2"/>
-                                          </p:val>
-                                        </p:tav>
-                                        <p:tav tm="100000">
-                                          <p:val>
-                                            <p:strVal val="#ppt_y"/>
-                                          </p:val>
-                                        </p:tav>
-                                      </p:tavLst>
-                                    </p:anim>
+                                      </p:cBhvr>
+                                    </p:animEffect>
                                   </p:childTnLst>
                                 </p:cTn>
                               </p:par>
                               <p:par>
-                                <p:cTn id="17" presetID="2" presetClass="entr" presetSubtype="4" fill="hold" grpId="0" nodeType="withEffect">
+                                <p:cTn id="14" presetID="16" presetClass="entr" presetSubtype="21" fill="hold" grpId="0" nodeType="withEffect">
                                   <p:stCondLst>
                                     <p:cond delay="0"/>
                                   </p:stCondLst>
                                   <p:childTnLst>
                                     <p:set>
                                       <p:cBhvr>
+                                        <p:cTn id="15" dur="1" fill="hold">
+                                          <p:stCondLst>
+                                            <p:cond delay="0"/>
+                                          </p:stCondLst>
+                                        </p:cTn>
+                                        <p:tgtEl>
+                                          <p:spTgt spid="3">
+                                            <p:txEl>
+                                              <p:pRg st="2" end="2"/>
+                                            </p:txEl>
+                                          </p:spTgt>
+                                        </p:tgtEl>
+                                        <p:attrNameLst>
+                                          <p:attrName>style.visibility</p:attrName>
+                                        </p:attrNameLst>
+                                      </p:cBhvr>
+                                      <p:to>
+                                        <p:strVal val="visible"/>
+                                      </p:to>
+                                    </p:set>
+                                    <p:animEffect transition="in" filter="barn(inVertical)">
+                                      <p:cBhvr>
+                                        <p:cTn id="16" dur="500"/>
+                                        <p:tgtEl>
+                                          <p:spTgt spid="3">
+                                            <p:txEl>
+                                              <p:pRg st="2" end="2"/>
+                                            </p:txEl>
+                                          </p:spTgt>
+                                        </p:tgtEl>
+                                      </p:cBhvr>
+                                    </p:animEffect>
+                                  </p:childTnLst>
+                                </p:cTn>
+                              </p:par>
+                              <p:par>
+                                <p:cTn id="17" presetID="16" presetClass="entr" presetSubtype="21" fill="hold" grpId="0" nodeType="withEffect">
+                                  <p:stCondLst>
+                                    <p:cond delay="0"/>
+                                  </p:stCondLst>
+                                  <p:childTnLst>
+                                    <p:set>
+                                      <p:cBhvr>
                                         <p:cTn id="18" dur="1" fill="hold">
                                           <p:stCondLst>
                                             <p:cond delay="0"/>
@@ -7512,7 +9543,7 @@
                                         <p:tgtEl>
                                           <p:spTgt spid="3">
                                             <p:txEl>
-                                              <p:pRg st="2" end="2"/>
+                                              <p:pRg st="3" end="3"/>
                                             </p:txEl>
                                           </p:spTgt>
                                         </p:tgtEl>
@@ -7524,72 +9555,30 @@
                                         <p:strVal val="visible"/>
                                       </p:to>
                                     </p:set>
-                                    <p:anim calcmode="lin" valueType="num">
-                                      <p:cBhvr additive="base">
-                                        <p:cTn id="19" dur="500" fill="hold"/>
-                                        <p:tgtEl>
-                                          <p:spTgt spid="3">
-                                            <p:txEl>
-                                              <p:pRg st="2" end="2"/>
-                                            </p:txEl>
-                                          </p:spTgt>
-                                        </p:tgtEl>
-                                        <p:attrNameLst>
-                                          <p:attrName>ppt_x</p:attrName>
-                                        </p:attrNameLst>
-                                      </p:cBhvr>
-                                      <p:tavLst>
-                                        <p:tav tm="0">
-                                          <p:val>
-                                            <p:strVal val="#ppt_x"/>
-                                          </p:val>
-                                        </p:tav>
-                                        <p:tav tm="100000">
-                                          <p:val>
-                                            <p:strVal val="#ppt_x"/>
-                                          </p:val>
-                                        </p:tav>
-                                      </p:tavLst>
-                                    </p:anim>
-                                    <p:anim calcmode="lin" valueType="num">
-                                      <p:cBhvr additive="base">
-                                        <p:cTn id="20" dur="500" fill="hold"/>
-                                        <p:tgtEl>
-                                          <p:spTgt spid="3">
-                                            <p:txEl>
-                                              <p:pRg st="2" end="2"/>
-                                            </p:txEl>
-                                          </p:spTgt>
-                                        </p:tgtEl>
-                                        <p:attrNameLst>
-                                          <p:attrName>ppt_y</p:attrName>
-                                        </p:attrNameLst>
-                                      </p:cBhvr>
-                                      <p:tavLst>
-                                        <p:tav tm="0">
-                                          <p:val>
-                                            <p:strVal val="1+#ppt_h/2"/>
-                                          </p:val>
-                                        </p:tav>
-                                        <p:tav tm="100000">
-                                          <p:val>
-                                            <p:strVal val="#ppt_y"/>
-                                          </p:val>
-                                        </p:tav>
-                                      </p:tavLst>
-                                    </p:anim>
+                                    <p:animEffect transition="in" filter="barn(inVertical)">
+                                      <p:cBhvr>
+                                        <p:cTn id="19" dur="500"/>
+                                        <p:tgtEl>
+                                          <p:spTgt spid="3">
+                                            <p:txEl>
+                                              <p:pRg st="3" end="3"/>
+                                            </p:txEl>
+                                          </p:spTgt>
+                                        </p:tgtEl>
+                                      </p:cBhvr>
+                                    </p:animEffect>
                                   </p:childTnLst>
                                 </p:cTn>
                               </p:par>
                               <p:par>
-                                <p:cTn id="21" presetID="2" presetClass="entr" presetSubtype="4" fill="hold" grpId="0" nodeType="withEffect">
+                                <p:cTn id="20" presetID="16" presetClass="entr" presetSubtype="21" fill="hold" grpId="0" nodeType="withEffect">
                                   <p:stCondLst>
                                     <p:cond delay="0"/>
                                   </p:stCondLst>
                                   <p:childTnLst>
                                     <p:set>
                                       <p:cBhvr>
-                                        <p:cTn id="22" dur="1" fill="hold">
+                                        <p:cTn id="21" dur="1" fill="hold">
                                           <p:stCondLst>
                                             <p:cond delay="0"/>
                                           </p:stCondLst>
@@ -7597,7 +9586,7 @@
                                         <p:tgtEl>
                                           <p:spTgt spid="3">
                                             <p:txEl>
-                                              <p:pRg st="3" end="3"/>
+                                              <p:pRg st="4" end="4"/>
                                             </p:txEl>
                                           </p:spTgt>
                                         </p:tgtEl>
@@ -7609,587 +9598,35 @@
                                         <p:strVal val="visible"/>
                                       </p:to>
                                     </p:set>
-                                    <p:anim calcmode="lin" valueType="num">
-                                      <p:cBhvr additive="base">
-                                        <p:cTn id="23" dur="500" fill="hold"/>
-                                        <p:tgtEl>
-                                          <p:spTgt spid="3">
-                                            <p:txEl>
-                                              <p:pRg st="3" end="3"/>
-                                            </p:txEl>
-                                          </p:spTgt>
-                                        </p:tgtEl>
-                                        <p:attrNameLst>
-                                          <p:attrName>ppt_x</p:attrName>
-                                        </p:attrNameLst>
-                                      </p:cBhvr>
-                                      <p:tavLst>
-                                        <p:tav tm="0">
-                                          <p:val>
-                                            <p:strVal val="#ppt_x"/>
-                                          </p:val>
-                                        </p:tav>
-                                        <p:tav tm="100000">
-                                          <p:val>
-                                            <p:strVal val="#ppt_x"/>
-                                          </p:val>
-                                        </p:tav>
-                                      </p:tavLst>
-                                    </p:anim>
-                                    <p:anim calcmode="lin" valueType="num">
-                                      <p:cBhvr additive="base">
-                                        <p:cTn id="24" dur="500" fill="hold"/>
-                                        <p:tgtEl>
-                                          <p:spTgt spid="3">
-                                            <p:txEl>
-                                              <p:pRg st="3" end="3"/>
-                                            </p:txEl>
-                                          </p:spTgt>
-                                        </p:tgtEl>
-                                        <p:attrNameLst>
-                                          <p:attrName>ppt_y</p:attrName>
-                                        </p:attrNameLst>
-                                      </p:cBhvr>
-                                      <p:tavLst>
-                                        <p:tav tm="0">
-                                          <p:val>
-                                            <p:strVal val="1+#ppt_h/2"/>
-                                          </p:val>
-                                        </p:tav>
-                                        <p:tav tm="100000">
-                                          <p:val>
-                                            <p:strVal val="#ppt_y"/>
-                                          </p:val>
-                                        </p:tav>
-                                      </p:tavLst>
-                                    </p:anim>
+                                    <p:animEffect transition="in" filter="barn(inVertical)">
+                                      <p:cBhvr>
+                                        <p:cTn id="22" dur="500"/>
+                                        <p:tgtEl>
+                                          <p:spTgt spid="3">
+                                            <p:txEl>
+                                              <p:pRg st="4" end="4"/>
+                                            </p:txEl>
+                                          </p:spTgt>
+                                        </p:tgtEl>
+                                      </p:cBhvr>
+                                    </p:animEffect>
                                   </p:childTnLst>
                                 </p:cTn>
                               </p:par>
                               <p:par>
-                                <p:cTn id="25" presetID="2" presetClass="entr" presetSubtype="4" fill="hold" grpId="0" nodeType="withEffect">
-                                  <p:stCondLst>
-                                    <p:cond delay="0"/>
-                                  </p:stCondLst>
-                                  <p:childTnLst>
-                                    <p:set>
-                                      <p:cBhvr>
-                                        <p:cTn id="26" dur="1" fill="hold">
-                                          <p:stCondLst>
-                                            <p:cond delay="0"/>
-                                          </p:stCondLst>
-                                        </p:cTn>
-                                        <p:tgtEl>
-                                          <p:spTgt spid="3">
-                                            <p:txEl>
-                                              <p:pRg st="4" end="4"/>
-                                            </p:txEl>
-                                          </p:spTgt>
-                                        </p:tgtEl>
-                                        <p:attrNameLst>
-                                          <p:attrName>style.visibility</p:attrName>
-                                        </p:attrNameLst>
-                                      </p:cBhvr>
-                                      <p:to>
-                                        <p:strVal val="visible"/>
-                                      </p:to>
-                                    </p:set>
-                                    <p:anim calcmode="lin" valueType="num">
-                                      <p:cBhvr additive="base">
-                                        <p:cTn id="27" dur="500" fill="hold"/>
-                                        <p:tgtEl>
-                                          <p:spTgt spid="3">
-                                            <p:txEl>
-                                              <p:pRg st="4" end="4"/>
-                                            </p:txEl>
-                                          </p:spTgt>
-                                        </p:tgtEl>
-                                        <p:attrNameLst>
-                                          <p:attrName>ppt_x</p:attrName>
-                                        </p:attrNameLst>
-                                      </p:cBhvr>
-                                      <p:tavLst>
-                                        <p:tav tm="0">
-                                          <p:val>
-                                            <p:strVal val="#ppt_x"/>
-                                          </p:val>
-                                        </p:tav>
-                                        <p:tav tm="100000">
-                                          <p:val>
-                                            <p:strVal val="#ppt_x"/>
-                                          </p:val>
-                                        </p:tav>
-                                      </p:tavLst>
-                                    </p:anim>
-                                    <p:anim calcmode="lin" valueType="num">
-                                      <p:cBhvr additive="base">
-                                        <p:cTn id="28" dur="500" fill="hold"/>
-                                        <p:tgtEl>
-                                          <p:spTgt spid="3">
-                                            <p:txEl>
-                                              <p:pRg st="4" end="4"/>
-                                            </p:txEl>
-                                          </p:spTgt>
-                                        </p:tgtEl>
-                                        <p:attrNameLst>
-                                          <p:attrName>ppt_y</p:attrName>
-                                        </p:attrNameLst>
-                                      </p:cBhvr>
-                                      <p:tavLst>
-                                        <p:tav tm="0">
-                                          <p:val>
-                                            <p:strVal val="1+#ppt_h/2"/>
-                                          </p:val>
-                                        </p:tav>
-                                        <p:tav tm="100000">
-                                          <p:val>
-                                            <p:strVal val="#ppt_y"/>
-                                          </p:val>
-                                        </p:tav>
-                                      </p:tavLst>
-                                    </p:anim>
-                                  </p:childTnLst>
-                                </p:cTn>
-                              </p:par>
-                              <p:par>
-                                <p:cTn id="29" presetID="2" presetClass="entr" presetSubtype="4" fill="hold" grpId="0" nodeType="withEffect">
-                                  <p:stCondLst>
-                                    <p:cond delay="0"/>
-                                  </p:stCondLst>
-                                  <p:childTnLst>
-                                    <p:set>
-                                      <p:cBhvr>
-                                        <p:cTn id="30" dur="1" fill="hold">
-                                          <p:stCondLst>
-                                            <p:cond delay="0"/>
-                                          </p:stCondLst>
-                                        </p:cTn>
-                                        <p:tgtEl>
-                                          <p:spTgt spid="3">
-                                            <p:txEl>
-                                              <p:pRg st="5" end="5"/>
-                                            </p:txEl>
-                                          </p:spTgt>
-                                        </p:tgtEl>
-                                        <p:attrNameLst>
-                                          <p:attrName>style.visibility</p:attrName>
-                                        </p:attrNameLst>
-                                      </p:cBhvr>
-                                      <p:to>
-                                        <p:strVal val="visible"/>
-                                      </p:to>
-                                    </p:set>
-                                    <p:anim calcmode="lin" valueType="num">
-                                      <p:cBhvr additive="base">
-                                        <p:cTn id="31" dur="500" fill="hold"/>
-                                        <p:tgtEl>
-                                          <p:spTgt spid="3">
-                                            <p:txEl>
-                                              <p:pRg st="5" end="5"/>
-                                            </p:txEl>
-                                          </p:spTgt>
-                                        </p:tgtEl>
-                                        <p:attrNameLst>
-                                          <p:attrName>ppt_x</p:attrName>
-                                        </p:attrNameLst>
-                                      </p:cBhvr>
-                                      <p:tavLst>
-                                        <p:tav tm="0">
-                                          <p:val>
-                                            <p:strVal val="#ppt_x"/>
-                                          </p:val>
-                                        </p:tav>
-                                        <p:tav tm="100000">
-                                          <p:val>
-                                            <p:strVal val="#ppt_x"/>
-                                          </p:val>
-                                        </p:tav>
-                                      </p:tavLst>
-                                    </p:anim>
-                                    <p:anim calcmode="lin" valueType="num">
-                                      <p:cBhvr additive="base">
-                                        <p:cTn id="32" dur="500" fill="hold"/>
-                                        <p:tgtEl>
-                                          <p:spTgt spid="3">
-                                            <p:txEl>
-                                              <p:pRg st="5" end="5"/>
-                                            </p:txEl>
-                                          </p:spTgt>
-                                        </p:tgtEl>
-                                        <p:attrNameLst>
-                                          <p:attrName>ppt_y</p:attrName>
-                                        </p:attrNameLst>
-                                      </p:cBhvr>
-                                      <p:tavLst>
-                                        <p:tav tm="0">
-                                          <p:val>
-                                            <p:strVal val="1+#ppt_h/2"/>
-                                          </p:val>
-                                        </p:tav>
-                                        <p:tav tm="100000">
-                                          <p:val>
-                                            <p:strVal val="#ppt_y"/>
-                                          </p:val>
-                                        </p:tav>
-                                      </p:tavLst>
-                                    </p:anim>
-                                  </p:childTnLst>
-                                </p:cTn>
-                              </p:par>
-                              <p:par>
-                                <p:cTn id="33" presetID="2" presetClass="entr" presetSubtype="4" fill="hold" grpId="0" nodeType="withEffect">
-                                  <p:stCondLst>
-                                    <p:cond delay="0"/>
-                                  </p:stCondLst>
-                                  <p:childTnLst>
-                                    <p:set>
-                                      <p:cBhvr>
-                                        <p:cTn id="34" dur="1" fill="hold">
-                                          <p:stCondLst>
-                                            <p:cond delay="0"/>
-                                          </p:stCondLst>
-                                        </p:cTn>
-                                        <p:tgtEl>
-                                          <p:spTgt spid="3">
-                                            <p:txEl>
-                                              <p:pRg st="6" end="6"/>
-                                            </p:txEl>
-                                          </p:spTgt>
-                                        </p:tgtEl>
-                                        <p:attrNameLst>
-                                          <p:attrName>style.visibility</p:attrName>
-                                        </p:attrNameLst>
-                                      </p:cBhvr>
-                                      <p:to>
-                                        <p:strVal val="visible"/>
-                                      </p:to>
-                                    </p:set>
-                                    <p:anim calcmode="lin" valueType="num">
-                                      <p:cBhvr additive="base">
-                                        <p:cTn id="35" dur="500" fill="hold"/>
-                                        <p:tgtEl>
-                                          <p:spTgt spid="3">
-                                            <p:txEl>
-                                              <p:pRg st="6" end="6"/>
-                                            </p:txEl>
-                                          </p:spTgt>
-                                        </p:tgtEl>
-                                        <p:attrNameLst>
-                                          <p:attrName>ppt_x</p:attrName>
-                                        </p:attrNameLst>
-                                      </p:cBhvr>
-                                      <p:tavLst>
-                                        <p:tav tm="0">
-                                          <p:val>
-                                            <p:strVal val="#ppt_x"/>
-                                          </p:val>
-                                        </p:tav>
-                                        <p:tav tm="100000">
-                                          <p:val>
-                                            <p:strVal val="#ppt_x"/>
-                                          </p:val>
-                                        </p:tav>
-                                      </p:tavLst>
-                                    </p:anim>
-                                    <p:anim calcmode="lin" valueType="num">
-                                      <p:cBhvr additive="base">
-                                        <p:cTn id="36" dur="500" fill="hold"/>
-                                        <p:tgtEl>
-                                          <p:spTgt spid="3">
-                                            <p:txEl>
-                                              <p:pRg st="6" end="6"/>
-                                            </p:txEl>
-                                          </p:spTgt>
-                                        </p:tgtEl>
-                                        <p:attrNameLst>
-                                          <p:attrName>ppt_y</p:attrName>
-                                        </p:attrNameLst>
-                                      </p:cBhvr>
-                                      <p:tavLst>
-                                        <p:tav tm="0">
-                                          <p:val>
-                                            <p:strVal val="1+#ppt_h/2"/>
-                                          </p:val>
-                                        </p:tav>
-                                        <p:tav tm="100000">
-                                          <p:val>
-                                            <p:strVal val="#ppt_y"/>
-                                          </p:val>
-                                        </p:tav>
-                                      </p:tavLst>
-                                    </p:anim>
-                                  </p:childTnLst>
-                                </p:cTn>
-                              </p:par>
-                              <p:par>
-                                <p:cTn id="37" presetID="2" presetClass="entr" presetSubtype="4" fill="hold" grpId="0" nodeType="withEffect">
-                                  <p:stCondLst>
-                                    <p:cond delay="0"/>
-                                  </p:stCondLst>
-                                  <p:childTnLst>
-                                    <p:set>
-                                      <p:cBhvr>
-                                        <p:cTn id="38" dur="1" fill="hold">
-                                          <p:stCondLst>
-                                            <p:cond delay="0"/>
-                                          </p:stCondLst>
-                                        </p:cTn>
-                                        <p:tgtEl>
-                                          <p:spTgt spid="3">
-                                            <p:txEl>
-                                              <p:pRg st="7" end="7"/>
-                                            </p:txEl>
-                                          </p:spTgt>
-                                        </p:tgtEl>
-                                        <p:attrNameLst>
-                                          <p:attrName>style.visibility</p:attrName>
-                                        </p:attrNameLst>
-                                      </p:cBhvr>
-                                      <p:to>
-                                        <p:strVal val="visible"/>
-                                      </p:to>
-                                    </p:set>
-                                    <p:anim calcmode="lin" valueType="num">
-                                      <p:cBhvr additive="base">
-                                        <p:cTn id="39" dur="500" fill="hold"/>
-                                        <p:tgtEl>
-                                          <p:spTgt spid="3">
-                                            <p:txEl>
-                                              <p:pRg st="7" end="7"/>
-                                            </p:txEl>
-                                          </p:spTgt>
-                                        </p:tgtEl>
-                                        <p:attrNameLst>
-                                          <p:attrName>ppt_x</p:attrName>
-                                        </p:attrNameLst>
-                                      </p:cBhvr>
-                                      <p:tavLst>
-                                        <p:tav tm="0">
-                                          <p:val>
-                                            <p:strVal val="#ppt_x"/>
-                                          </p:val>
-                                        </p:tav>
-                                        <p:tav tm="100000">
-                                          <p:val>
-                                            <p:strVal val="#ppt_x"/>
-                                          </p:val>
-                                        </p:tav>
-                                      </p:tavLst>
-                                    </p:anim>
-                                    <p:anim calcmode="lin" valueType="num">
-                                      <p:cBhvr additive="base">
-                                        <p:cTn id="40" dur="500" fill="hold"/>
-                                        <p:tgtEl>
-                                          <p:spTgt spid="3">
-                                            <p:txEl>
-                                              <p:pRg st="7" end="7"/>
-                                            </p:txEl>
-                                          </p:spTgt>
-                                        </p:tgtEl>
-                                        <p:attrNameLst>
-                                          <p:attrName>ppt_y</p:attrName>
-                                        </p:attrNameLst>
-                                      </p:cBhvr>
-                                      <p:tavLst>
-                                        <p:tav tm="0">
-                                          <p:val>
-                                            <p:strVal val="1+#ppt_h/2"/>
-                                          </p:val>
-                                        </p:tav>
-                                        <p:tav tm="100000">
-                                          <p:val>
-                                            <p:strVal val="#ppt_y"/>
-                                          </p:val>
-                                        </p:tav>
-                                      </p:tavLst>
-                                    </p:anim>
-                                  </p:childTnLst>
-                                </p:cTn>
-                              </p:par>
-                              <p:par>
-                                <p:cTn id="41" presetID="2" presetClass="entr" presetSubtype="4" fill="hold" grpId="0" nodeType="withEffect">
-                                  <p:stCondLst>
-                                    <p:cond delay="0"/>
-                                  </p:stCondLst>
-                                  <p:childTnLst>
-                                    <p:set>
-                                      <p:cBhvr>
-                                        <p:cTn id="42" dur="1" fill="hold">
-                                          <p:stCondLst>
-                                            <p:cond delay="0"/>
-                                          </p:stCondLst>
-                                        </p:cTn>
-                                        <p:tgtEl>
-                                          <p:spTgt spid="3">
-                                            <p:txEl>
-                                              <p:pRg st="8" end="8"/>
-                                            </p:txEl>
-                                          </p:spTgt>
-                                        </p:tgtEl>
-                                        <p:attrNameLst>
-                                          <p:attrName>style.visibility</p:attrName>
-                                        </p:attrNameLst>
-                                      </p:cBhvr>
-                                      <p:to>
-                                        <p:strVal val="visible"/>
-                                      </p:to>
-                                    </p:set>
-                                    <p:anim calcmode="lin" valueType="num">
-                                      <p:cBhvr additive="base">
-                                        <p:cTn id="43" dur="500" fill="hold"/>
-                                        <p:tgtEl>
-                                          <p:spTgt spid="3">
-                                            <p:txEl>
-                                              <p:pRg st="8" end="8"/>
-                                            </p:txEl>
-                                          </p:spTgt>
-                                        </p:tgtEl>
-                                        <p:attrNameLst>
-                                          <p:attrName>ppt_x</p:attrName>
-                                        </p:attrNameLst>
-                                      </p:cBhvr>
-                                      <p:tavLst>
-                                        <p:tav tm="0">
-                                          <p:val>
-                                            <p:strVal val="#ppt_x"/>
-                                          </p:val>
-                                        </p:tav>
-                                        <p:tav tm="100000">
-                                          <p:val>
-                                            <p:strVal val="#ppt_x"/>
-                                          </p:val>
-                                        </p:tav>
-                                      </p:tavLst>
-                                    </p:anim>
-                                    <p:anim calcmode="lin" valueType="num">
-                                      <p:cBhvr additive="base">
-                                        <p:cTn id="44" dur="500" fill="hold"/>
-                                        <p:tgtEl>
-                                          <p:spTgt spid="3">
-                                            <p:txEl>
-                                              <p:pRg st="8" end="8"/>
-                                            </p:txEl>
-                                          </p:spTgt>
-                                        </p:tgtEl>
-                                        <p:attrNameLst>
-                                          <p:attrName>ppt_y</p:attrName>
-                                        </p:attrNameLst>
-                                      </p:cBhvr>
-                                      <p:tavLst>
-                                        <p:tav tm="0">
-                                          <p:val>
-                                            <p:strVal val="1+#ppt_h/2"/>
-                                          </p:val>
-                                        </p:tav>
-                                        <p:tav tm="100000">
-                                          <p:val>
-                                            <p:strVal val="#ppt_y"/>
-                                          </p:val>
-                                        </p:tav>
-                                      </p:tavLst>
-                                    </p:anim>
-                                  </p:childTnLst>
-                                </p:cTn>
-                              </p:par>
-                              <p:par>
-                                <p:cTn id="45" presetID="2" presetClass="entr" presetSubtype="4" fill="hold" grpId="0" nodeType="withEffect">
-                                  <p:stCondLst>
-                                    <p:cond delay="0"/>
-                                  </p:stCondLst>
-                                  <p:childTnLst>
-                                    <p:set>
-                                      <p:cBhvr>
-                                        <p:cTn id="46" dur="1" fill="hold">
-                                          <p:stCondLst>
-                                            <p:cond delay="0"/>
-                                          </p:stCondLst>
-                                        </p:cTn>
-                                        <p:tgtEl>
-                                          <p:spTgt spid="3">
-                                            <p:txEl>
-                                              <p:pRg st="9" end="9"/>
-                                            </p:txEl>
-                                          </p:spTgt>
-                                        </p:tgtEl>
-                                        <p:attrNameLst>
-                                          <p:attrName>style.visibility</p:attrName>
-                                        </p:attrNameLst>
-                                      </p:cBhvr>
-                                      <p:to>
-                                        <p:strVal val="visible"/>
-                                      </p:to>
-                                    </p:set>
-                                    <p:anim calcmode="lin" valueType="num">
-                                      <p:cBhvr additive="base">
-                                        <p:cTn id="47" dur="500" fill="hold"/>
-                                        <p:tgtEl>
-                                          <p:spTgt spid="3">
-                                            <p:txEl>
-                                              <p:pRg st="9" end="9"/>
-                                            </p:txEl>
-                                          </p:spTgt>
-                                        </p:tgtEl>
-                                        <p:attrNameLst>
-                                          <p:attrName>ppt_x</p:attrName>
-                                        </p:attrNameLst>
-                                      </p:cBhvr>
-                                      <p:tavLst>
-                                        <p:tav tm="0">
-                                          <p:val>
-                                            <p:strVal val="#ppt_x"/>
-                                          </p:val>
-                                        </p:tav>
-                                        <p:tav tm="100000">
-                                          <p:val>
-                                            <p:strVal val="#ppt_x"/>
-                                          </p:val>
-                                        </p:tav>
-                                      </p:tavLst>
-                                    </p:anim>
-                                    <p:anim calcmode="lin" valueType="num">
-                                      <p:cBhvr additive="base">
-                                        <p:cTn id="48" dur="500" fill="hold"/>
-                                        <p:tgtEl>
-                                          <p:spTgt spid="3">
-                                            <p:txEl>
-                                              <p:pRg st="9" end="9"/>
-                                            </p:txEl>
-                                          </p:spTgt>
-                                        </p:tgtEl>
-                                        <p:attrNameLst>
-                                          <p:attrName>ppt_y</p:attrName>
-                                        </p:attrNameLst>
-                                      </p:cBhvr>
-                                      <p:tavLst>
-                                        <p:tav tm="0">
-                                          <p:val>
-                                            <p:strVal val="1+#ppt_h/2"/>
-                                          </p:val>
-                                        </p:tav>
-                                        <p:tav tm="100000">
-                                          <p:val>
-                                            <p:strVal val="#ppt_y"/>
-                                          </p:val>
-                                        </p:tav>
-                                      </p:tavLst>
-                                    </p:anim>
-                                  </p:childTnLst>
-                                </p:cTn>
-                              </p:par>
-                              <p:par>
-                                <p:cTn id="49" presetID="2" presetClass="entr" presetSubtype="4" fill="hold" grpId="0" nodeType="withEffect" nodePh="1">
+                                <p:cTn id="23" presetID="16" presetClass="entr" presetSubtype="21" fill="hold" grpId="0" nodeType="withEffect" nodePh="1">
                                   <p:stCondLst>
                                     <p:cond delay="0"/>
                                   </p:stCondLst>
                                   <p:endCondLst>
                                     <p:cond evt="begin" delay="0">
-                                      <p:tn val="49"/>
+                                      <p:tn val="23"/>
                                     </p:cond>
                                   </p:endCondLst>
                                   <p:childTnLst>
                                     <p:set>
                                       <p:cBhvr>
-                                        <p:cTn id="50" dur="1" fill="hold">
+                                        <p:cTn id="24" dur="1" fill="hold">
                                           <p:stCondLst>
                                             <p:cond delay="0"/>
                                           </p:stCondLst>
@@ -8205,52 +9642,14 @@
                                         <p:strVal val="visible"/>
                                       </p:to>
                                     </p:set>
-                                    <p:anim calcmode="lin" valueType="num">
-                                      <p:cBhvr additive="base">
-                                        <p:cTn id="51" dur="500" fill="hold"/>
+                                    <p:animEffect transition="in" filter="barn(inVertical)">
+                                      <p:cBhvr>
+                                        <p:cTn id="25" dur="500"/>
                                         <p:tgtEl>
                                           <p:spTgt spid="4"/>
                                         </p:tgtEl>
-                                        <p:attrNameLst>
-                                          <p:attrName>ppt_x</p:attrName>
-                                        </p:attrNameLst>
-                                      </p:cBhvr>
-                                      <p:tavLst>
-                                        <p:tav tm="0">
-                                          <p:val>
-                                            <p:strVal val="#ppt_x"/>
-                                          </p:val>
-                                        </p:tav>
-                                        <p:tav tm="100000">
-                                          <p:val>
-                                            <p:strVal val="#ppt_x"/>
-                                          </p:val>
-                                        </p:tav>
-                                      </p:tavLst>
-                                    </p:anim>
-                                    <p:anim calcmode="lin" valueType="num">
-                                      <p:cBhvr additive="base">
-                                        <p:cTn id="52" dur="500" fill="hold"/>
-                                        <p:tgtEl>
-                                          <p:spTgt spid="4"/>
-                                        </p:tgtEl>
-                                        <p:attrNameLst>
-                                          <p:attrName>ppt_y</p:attrName>
-                                        </p:attrNameLst>
-                                      </p:cBhvr>
-                                      <p:tavLst>
-                                        <p:tav tm="0">
-                                          <p:val>
-                                            <p:strVal val="1+#ppt_h/2"/>
-                                          </p:val>
-                                        </p:tav>
-                                        <p:tav tm="100000">
-                                          <p:val>
-                                            <p:strVal val="#ppt_y"/>
-                                          </p:val>
-                                        </p:tav>
-                                      </p:tavLst>
-                                    </p:anim>
+                                      </p:cBhvr>
+                                    </p:animEffect>
                                   </p:childTnLst>
                                 </p:cTn>
                               </p:par>
@@ -8309,2097 +9708,6 @@
       </p:grpSpPr>
       <p:sp>
         <p:nvSpPr>
-          <p:cNvPr id="2" name="Cím 1">
-            <a:extLst>
-              <a:ext uri="{FF2B5EF4-FFF2-40B4-BE49-F238E27FC236}">
-                <a16:creationId xmlns:a16="http://schemas.microsoft.com/office/drawing/2014/main" id="{4D1C2EC5-79A6-3B9B-5A2D-35DF7726767B}"/>
-              </a:ext>
-            </a:extLst>
-          </p:cNvPr>
-          <p:cNvSpPr>
-            <a:spLocks noGrp="1"/>
-          </p:cNvSpPr>
-          <p:nvPr>
-            <p:ph type="title"/>
-          </p:nvPr>
-        </p:nvSpPr>
-        <p:spPr>
-          <a:xfrm>
-            <a:off x="-913002" y="549557"/>
-            <a:ext cx="10058400" cy="1371600"/>
-          </a:xfrm>
-        </p:spPr>
-        <p:txBody>
-          <a:bodyPr>
-            <a:normAutofit/>
-          </a:bodyPr>
-          <a:lstStyle/>
-          <a:p>
-            <a:pPr algn="ctr"/>
-            <a:r>
-              <a:rPr lang="en-US" b="1" dirty="0"/>
-              <a:t>Advantages of Summer </a:t>
-            </a:r>
-            <a:br>
-              <a:rPr lang="hu-HU" b="1" dirty="0"/>
-            </a:br>
-            <a:r>
-              <a:rPr lang="en-US" b="1" dirty="0"/>
-              <a:t>Jobs for Students:</a:t>
-            </a:r>
-            <a:endParaRPr lang="hu-HU" b="1" dirty="0"/>
-          </a:p>
-        </p:txBody>
-      </p:sp>
-      <p:sp>
-        <p:nvSpPr>
-          <p:cNvPr id="3" name="Tartalom helye 2">
-            <a:extLst>
-              <a:ext uri="{FF2B5EF4-FFF2-40B4-BE49-F238E27FC236}">
-                <a16:creationId xmlns:a16="http://schemas.microsoft.com/office/drawing/2014/main" id="{480C8BF2-25FF-D4F9-46C7-6D1DFEEDE6D6}"/>
-              </a:ext>
-            </a:extLst>
-          </p:cNvPr>
-          <p:cNvSpPr>
-            <a:spLocks noGrp="1"/>
-          </p:cNvSpPr>
-          <p:nvPr>
-            <p:ph idx="1"/>
-          </p:nvPr>
-        </p:nvSpPr>
-        <p:spPr>
-          <a:xfrm>
-            <a:off x="451503" y="1932993"/>
-            <a:ext cx="10058400" cy="3849624"/>
-          </a:xfrm>
-        </p:spPr>
-        <p:txBody>
-          <a:bodyPr>
-            <a:normAutofit fontScale="92500" lnSpcReduction="20000"/>
-          </a:bodyPr>
-          <a:lstStyle/>
-          <a:p>
-            <a:pPr marL="274320" lvl="1" indent="0">
-              <a:buNone/>
-            </a:pPr>
-            <a:r>
-              <a:rPr lang="en-US" sz="3200" b="1" dirty="0">
-                <a:latin typeface="Söhne"/>
-              </a:rPr>
-              <a:t>Work Experience</a:t>
-            </a:r>
-            <a:r>
-              <a:rPr lang="en-US" sz="3000" b="1" dirty="0">
-                <a:latin typeface="Söhne"/>
-              </a:rPr>
-              <a:t>:</a:t>
-            </a:r>
-          </a:p>
-          <a:p>
-            <a:pPr lvl="2"/>
-            <a:r>
-              <a:rPr lang="hu-HU" sz="2800" dirty="0" err="1">
-                <a:latin typeface="Söhne"/>
-              </a:rPr>
-              <a:t>Valuable</a:t>
-            </a:r>
-            <a:r>
-              <a:rPr lang="hu-HU" sz="2800" dirty="0">
-                <a:latin typeface="Söhne"/>
-              </a:rPr>
-              <a:t> </a:t>
-            </a:r>
-            <a:r>
-              <a:rPr lang="hu-HU" sz="2800" dirty="0" err="1">
-                <a:latin typeface="Söhne"/>
-              </a:rPr>
-              <a:t>experience</a:t>
-            </a:r>
-            <a:r>
-              <a:rPr lang="en-US" sz="2800" dirty="0">
-                <a:latin typeface="Söhne"/>
-              </a:rPr>
-              <a:t>.</a:t>
-            </a:r>
-          </a:p>
-          <a:p>
-            <a:pPr lvl="2"/>
-            <a:r>
-              <a:rPr lang="hu-HU" sz="2800" dirty="0">
-                <a:latin typeface="Söhne"/>
-              </a:rPr>
-              <a:t>P</a:t>
-            </a:r>
-            <a:r>
-              <a:rPr lang="en-US" sz="2800" dirty="0" err="1">
-                <a:latin typeface="Söhne"/>
-              </a:rPr>
-              <a:t>ractical</a:t>
-            </a:r>
-            <a:r>
-              <a:rPr lang="en-US" sz="2800" dirty="0">
-                <a:latin typeface="Söhne"/>
-              </a:rPr>
-              <a:t> skills</a:t>
-            </a:r>
-            <a:r>
-              <a:rPr lang="hu-HU" sz="2800" dirty="0">
-                <a:latin typeface="Söhne"/>
-              </a:rPr>
-              <a:t> </a:t>
-            </a:r>
-            <a:r>
-              <a:rPr lang="hu-HU" sz="2800" dirty="0" err="1">
-                <a:latin typeface="Söhne"/>
-              </a:rPr>
-              <a:t>increase</a:t>
-            </a:r>
-            <a:r>
-              <a:rPr lang="en-US" sz="2800" dirty="0">
-                <a:latin typeface="Söhne"/>
-              </a:rPr>
-              <a:t>.</a:t>
-            </a:r>
-            <a:endParaRPr lang="hu-HU" sz="2800" dirty="0">
-              <a:latin typeface="Söhne"/>
-            </a:endParaRPr>
-          </a:p>
-          <a:p>
-            <a:pPr lvl="2"/>
-            <a:r>
-              <a:rPr lang="hu-HU" sz="2800" dirty="0">
-                <a:latin typeface="Söhne"/>
-              </a:rPr>
-              <a:t>More </a:t>
-            </a:r>
-            <a:r>
-              <a:rPr lang="hu-HU" sz="2800" dirty="0" err="1">
-                <a:latin typeface="Söhne"/>
-              </a:rPr>
-              <a:t>pocket</a:t>
-            </a:r>
-            <a:r>
-              <a:rPr lang="hu-HU" sz="2800" dirty="0">
-                <a:latin typeface="Söhne"/>
-              </a:rPr>
-              <a:t> </a:t>
-            </a:r>
-            <a:r>
-              <a:rPr lang="hu-HU" sz="2800" dirty="0" err="1">
-                <a:latin typeface="Söhne"/>
-              </a:rPr>
-              <a:t>money</a:t>
-            </a:r>
-            <a:endParaRPr lang="hu-HU" sz="2800" dirty="0">
-              <a:latin typeface="Söhne"/>
-            </a:endParaRPr>
-          </a:p>
-          <a:p>
-            <a:pPr marL="274320" lvl="1" indent="0">
-              <a:buNone/>
-            </a:pPr>
-            <a:r>
-              <a:rPr lang="en-US" sz="3200" b="1" dirty="0">
-                <a:latin typeface="Söhne"/>
-              </a:rPr>
-              <a:t>Soft Skills Development:</a:t>
-            </a:r>
-          </a:p>
-          <a:p>
-            <a:pPr lvl="2"/>
-            <a:r>
-              <a:rPr lang="hu-HU" sz="2800" dirty="0" err="1">
-                <a:latin typeface="Söhne"/>
-              </a:rPr>
-              <a:t>Social</a:t>
-            </a:r>
-            <a:r>
-              <a:rPr lang="hu-HU" sz="2800" dirty="0">
-                <a:latin typeface="Söhne"/>
-              </a:rPr>
-              <a:t> </a:t>
-            </a:r>
-            <a:r>
-              <a:rPr lang="hu-HU" sz="2800" dirty="0" err="1">
-                <a:latin typeface="Söhne"/>
-              </a:rPr>
-              <a:t>skills</a:t>
-            </a:r>
-            <a:r>
-              <a:rPr lang="hu-HU" sz="2800" dirty="0">
-                <a:latin typeface="Söhne"/>
-              </a:rPr>
-              <a:t>: </a:t>
-            </a:r>
-            <a:r>
-              <a:rPr lang="hu-HU" sz="2800" dirty="0" err="1">
-                <a:latin typeface="Söhne"/>
-              </a:rPr>
-              <a:t>Communication</a:t>
-            </a:r>
-            <a:r>
-              <a:rPr lang="hu-HU" sz="2800" dirty="0">
-                <a:latin typeface="Söhne"/>
-              </a:rPr>
-              <a:t>, team </a:t>
-            </a:r>
-            <a:r>
-              <a:rPr lang="hu-HU" sz="2800" dirty="0" err="1">
-                <a:latin typeface="Söhne"/>
-              </a:rPr>
-              <a:t>work</a:t>
-            </a:r>
-            <a:endParaRPr lang="en-US" sz="2800" dirty="0">
-              <a:latin typeface="Söhne"/>
-            </a:endParaRPr>
-          </a:p>
-          <a:p>
-            <a:pPr lvl="2"/>
-            <a:r>
-              <a:rPr lang="hu-HU" sz="2800" dirty="0">
-                <a:latin typeface="Söhne"/>
-              </a:rPr>
-              <a:t>T</a:t>
-            </a:r>
-            <a:r>
-              <a:rPr lang="en-US" sz="2800" dirty="0" err="1">
-                <a:latin typeface="Söhne"/>
-              </a:rPr>
-              <a:t>ime</a:t>
-            </a:r>
-            <a:r>
-              <a:rPr lang="en-US" sz="2800" dirty="0">
-                <a:latin typeface="Söhne"/>
-              </a:rPr>
-              <a:t> management</a:t>
-            </a:r>
-            <a:r>
-              <a:rPr lang="hu-HU" sz="2800" dirty="0">
-                <a:latin typeface="Söhne"/>
-              </a:rPr>
-              <a:t>.</a:t>
-            </a:r>
-          </a:p>
-          <a:p>
-            <a:pPr lvl="2"/>
-            <a:r>
-              <a:rPr lang="hu-HU" sz="2800" dirty="0" err="1">
-                <a:latin typeface="Söhne"/>
-              </a:rPr>
-              <a:t>Independence</a:t>
-            </a:r>
-            <a:endParaRPr lang="hu-HU" sz="2800" dirty="0">
-              <a:latin typeface="Söhne"/>
-            </a:endParaRPr>
-          </a:p>
-          <a:p>
-            <a:pPr lvl="2"/>
-            <a:r>
-              <a:rPr lang="hu-HU" sz="2800" dirty="0" err="1">
-                <a:latin typeface="Söhne"/>
-              </a:rPr>
-              <a:t>Responsibility</a:t>
-            </a:r>
-            <a:endParaRPr lang="hu-HU" sz="2800" dirty="0">
-              <a:latin typeface="Söhne"/>
-            </a:endParaRPr>
-          </a:p>
-        </p:txBody>
-      </p:sp>
-      <p:sp>
-        <p:nvSpPr>
-          <p:cNvPr id="4" name="Dátum helye 3">
-            <a:extLst>
-              <a:ext uri="{FF2B5EF4-FFF2-40B4-BE49-F238E27FC236}">
-                <a16:creationId xmlns:a16="http://schemas.microsoft.com/office/drawing/2014/main" id="{0D8BC5AA-7855-2AE0-B620-72F7E102A74E}"/>
-              </a:ext>
-            </a:extLst>
-          </p:cNvPr>
-          <p:cNvSpPr>
-            <a:spLocks noGrp="1"/>
-          </p:cNvSpPr>
-          <p:nvPr>
-            <p:ph type="dt" sz="half" idx="10"/>
-          </p:nvPr>
-        </p:nvSpPr>
-        <p:spPr/>
-        <p:txBody>
-          <a:bodyPr/>
-          <a:lstStyle/>
-          <a:p>
-            <a:pPr rtl="0"/>
-            <a:endParaRPr lang="en-US" dirty="0"/>
-          </a:p>
-        </p:txBody>
-      </p:sp>
-      <p:pic>
-        <p:nvPicPr>
-          <p:cNvPr id="5" name="Picture 2" descr="Teen summer employment rises after slump early in COVID pandemic | Pew  Research Center">
-            <a:extLst>
-              <a:ext uri="{FF2B5EF4-FFF2-40B4-BE49-F238E27FC236}">
-                <a16:creationId xmlns:a16="http://schemas.microsoft.com/office/drawing/2014/main" id="{7218C971-3C60-E853-8CB1-570EE3E67C8D}"/>
-              </a:ext>
-            </a:extLst>
-          </p:cNvPr>
-          <p:cNvPicPr>
-            <a:picLocks noChangeAspect="1" noChangeArrowheads="1"/>
-          </p:cNvPicPr>
-          <p:nvPr/>
-        </p:nvPicPr>
-        <p:blipFill rotWithShape="1">
-          <a:blip r:embed="rId2">
-            <a:extLst>
-              <a:ext uri="{28A0092B-C50C-407E-A947-70E740481C1C}">
-                <a14:useLocalDpi xmlns:a14="http://schemas.microsoft.com/office/drawing/2010/main" val="0"/>
-              </a:ext>
-            </a:extLst>
-          </a:blip>
-          <a:srcRect l="1" r="442" b="12569"/>
-          <a:stretch/>
-        </p:blipFill>
-        <p:spPr bwMode="auto">
-          <a:xfrm>
-            <a:off x="7791831" y="366994"/>
-            <a:ext cx="4044094" cy="6124011"/>
-          </a:xfrm>
-          <a:prstGeom prst="rect">
-            <a:avLst/>
-          </a:prstGeom>
-          <a:noFill/>
-          <a:extLst>
-            <a:ext uri="{909E8E84-426E-40DD-AFC4-6F175D3DCCD1}">
-              <a14:hiddenFill xmlns:a14="http://schemas.microsoft.com/office/drawing/2010/main">
-                <a:solidFill>
-                  <a:srgbClr val="FFFFFF"/>
-                </a:solidFill>
-              </a14:hiddenFill>
-            </a:ext>
-          </a:extLst>
-        </p:spPr>
-      </p:pic>
-    </p:spTree>
-    <p:extLst>
-      <p:ext uri="{BB962C8B-B14F-4D97-AF65-F5344CB8AC3E}">
-        <p14:creationId xmlns:p14="http://schemas.microsoft.com/office/powerpoint/2010/main" val="3578386494"/>
-      </p:ext>
-    </p:extLst>
-  </p:cSld>
-  <p:clrMapOvr>
-    <a:masterClrMapping/>
-  </p:clrMapOvr>
-  <p:timing>
-    <p:tnLst>
-      <p:par>
-        <p:cTn id="1" dur="indefinite" restart="never" nodeType="tmRoot">
-          <p:childTnLst>
-            <p:seq concurrent="1" nextAc="seek">
-              <p:cTn id="2" dur="indefinite" nodeType="mainSeq">
-                <p:childTnLst>
-                  <p:par>
-                    <p:cTn id="3" fill="hold">
-                      <p:stCondLst>
-                        <p:cond delay="indefinite"/>
-                      </p:stCondLst>
-                      <p:childTnLst>
-                        <p:par>
-                          <p:cTn id="4" fill="hold">
-                            <p:stCondLst>
-                              <p:cond delay="0"/>
-                            </p:stCondLst>
-                            <p:childTnLst>
-                              <p:par>
-                                <p:cTn id="5" presetID="42" presetClass="entr" presetSubtype="0" fill="hold" grpId="0" nodeType="clickEffect">
-                                  <p:stCondLst>
-                                    <p:cond delay="0"/>
-                                  </p:stCondLst>
-                                  <p:childTnLst>
-                                    <p:set>
-                                      <p:cBhvr>
-                                        <p:cTn id="6" dur="1" fill="hold">
-                                          <p:stCondLst>
-                                            <p:cond delay="0"/>
-                                          </p:stCondLst>
-                                        </p:cTn>
-                                        <p:tgtEl>
-                                          <p:spTgt spid="2"/>
-                                        </p:tgtEl>
-                                        <p:attrNameLst>
-                                          <p:attrName>style.visibility</p:attrName>
-                                        </p:attrNameLst>
-                                      </p:cBhvr>
-                                      <p:to>
-                                        <p:strVal val="visible"/>
-                                      </p:to>
-                                    </p:set>
-                                    <p:animEffect transition="in" filter="fade">
-                                      <p:cBhvr>
-                                        <p:cTn id="7" dur="1000"/>
-                                        <p:tgtEl>
-                                          <p:spTgt spid="2"/>
-                                        </p:tgtEl>
-                                      </p:cBhvr>
-                                    </p:animEffect>
-                                    <p:anim calcmode="lin" valueType="num">
-                                      <p:cBhvr>
-                                        <p:cTn id="8" dur="1000" fill="hold"/>
-                                        <p:tgtEl>
-                                          <p:spTgt spid="2"/>
-                                        </p:tgtEl>
-                                        <p:attrNameLst>
-                                          <p:attrName>ppt_x</p:attrName>
-                                        </p:attrNameLst>
-                                      </p:cBhvr>
-                                      <p:tavLst>
-                                        <p:tav tm="0">
-                                          <p:val>
-                                            <p:strVal val="#ppt_x"/>
-                                          </p:val>
-                                        </p:tav>
-                                        <p:tav tm="100000">
-                                          <p:val>
-                                            <p:strVal val="#ppt_x"/>
-                                          </p:val>
-                                        </p:tav>
-                                      </p:tavLst>
-                                    </p:anim>
-                                    <p:anim calcmode="lin" valueType="num">
-                                      <p:cBhvr>
-                                        <p:cTn id="9" dur="1000" fill="hold"/>
-                                        <p:tgtEl>
-                                          <p:spTgt spid="2"/>
-                                        </p:tgtEl>
-                                        <p:attrNameLst>
-                                          <p:attrName>ppt_y</p:attrName>
-                                        </p:attrNameLst>
-                                      </p:cBhvr>
-                                      <p:tavLst>
-                                        <p:tav tm="0">
-                                          <p:val>
-                                            <p:strVal val="#ppt_y+.1"/>
-                                          </p:val>
-                                        </p:tav>
-                                        <p:tav tm="100000">
-                                          <p:val>
-                                            <p:strVal val="#ppt_y"/>
-                                          </p:val>
-                                        </p:tav>
-                                      </p:tavLst>
-                                    </p:anim>
-                                  </p:childTnLst>
-                                </p:cTn>
-                              </p:par>
-                              <p:par>
-                                <p:cTn id="10" presetID="42" presetClass="entr" presetSubtype="0" fill="hold" grpId="0" nodeType="withEffect">
-                                  <p:stCondLst>
-                                    <p:cond delay="0"/>
-                                  </p:stCondLst>
-                                  <p:childTnLst>
-                                    <p:set>
-                                      <p:cBhvr>
-                                        <p:cTn id="11" dur="1" fill="hold">
-                                          <p:stCondLst>
-                                            <p:cond delay="0"/>
-                                          </p:stCondLst>
-                                        </p:cTn>
-                                        <p:tgtEl>
-                                          <p:spTgt spid="3">
-                                            <p:txEl>
-                                              <p:pRg st="0" end="0"/>
-                                            </p:txEl>
-                                          </p:spTgt>
-                                        </p:tgtEl>
-                                        <p:attrNameLst>
-                                          <p:attrName>style.visibility</p:attrName>
-                                        </p:attrNameLst>
-                                      </p:cBhvr>
-                                      <p:to>
-                                        <p:strVal val="visible"/>
-                                      </p:to>
-                                    </p:set>
-                                    <p:animEffect transition="in" filter="fade">
-                                      <p:cBhvr>
-                                        <p:cTn id="12" dur="1000"/>
-                                        <p:tgtEl>
-                                          <p:spTgt spid="3">
-                                            <p:txEl>
-                                              <p:pRg st="0" end="0"/>
-                                            </p:txEl>
-                                          </p:spTgt>
-                                        </p:tgtEl>
-                                      </p:cBhvr>
-                                    </p:animEffect>
-                                    <p:anim calcmode="lin" valueType="num">
-                                      <p:cBhvr>
-                                        <p:cTn id="13" dur="1000" fill="hold"/>
-                                        <p:tgtEl>
-                                          <p:spTgt spid="3">
-                                            <p:txEl>
-                                              <p:pRg st="0" end="0"/>
-                                            </p:txEl>
-                                          </p:spTgt>
-                                        </p:tgtEl>
-                                        <p:attrNameLst>
-                                          <p:attrName>ppt_x</p:attrName>
-                                        </p:attrNameLst>
-                                      </p:cBhvr>
-                                      <p:tavLst>
-                                        <p:tav tm="0">
-                                          <p:val>
-                                            <p:strVal val="#ppt_x"/>
-                                          </p:val>
-                                        </p:tav>
-                                        <p:tav tm="100000">
-                                          <p:val>
-                                            <p:strVal val="#ppt_x"/>
-                                          </p:val>
-                                        </p:tav>
-                                      </p:tavLst>
-                                    </p:anim>
-                                    <p:anim calcmode="lin" valueType="num">
-                                      <p:cBhvr>
-                                        <p:cTn id="14" dur="1000" fill="hold"/>
-                                        <p:tgtEl>
-                                          <p:spTgt spid="3">
-                                            <p:txEl>
-                                              <p:pRg st="0" end="0"/>
-                                            </p:txEl>
-                                          </p:spTgt>
-                                        </p:tgtEl>
-                                        <p:attrNameLst>
-                                          <p:attrName>ppt_y</p:attrName>
-                                        </p:attrNameLst>
-                                      </p:cBhvr>
-                                      <p:tavLst>
-                                        <p:tav tm="0">
-                                          <p:val>
-                                            <p:strVal val="#ppt_y+.1"/>
-                                          </p:val>
-                                        </p:tav>
-                                        <p:tav tm="100000">
-                                          <p:val>
-                                            <p:strVal val="#ppt_y"/>
-                                          </p:val>
-                                        </p:tav>
-                                      </p:tavLst>
-                                    </p:anim>
-                                  </p:childTnLst>
-                                </p:cTn>
-                              </p:par>
-                              <p:par>
-                                <p:cTn id="15" presetID="42" presetClass="entr" presetSubtype="0" fill="hold" grpId="0" nodeType="withEffect">
-                                  <p:stCondLst>
-                                    <p:cond delay="0"/>
-                                  </p:stCondLst>
-                                  <p:childTnLst>
-                                    <p:set>
-                                      <p:cBhvr>
-                                        <p:cTn id="16" dur="1" fill="hold">
-                                          <p:stCondLst>
-                                            <p:cond delay="0"/>
-                                          </p:stCondLst>
-                                        </p:cTn>
-                                        <p:tgtEl>
-                                          <p:spTgt spid="3">
-                                            <p:txEl>
-                                              <p:pRg st="1" end="1"/>
-                                            </p:txEl>
-                                          </p:spTgt>
-                                        </p:tgtEl>
-                                        <p:attrNameLst>
-                                          <p:attrName>style.visibility</p:attrName>
-                                        </p:attrNameLst>
-                                      </p:cBhvr>
-                                      <p:to>
-                                        <p:strVal val="visible"/>
-                                      </p:to>
-                                    </p:set>
-                                    <p:animEffect transition="in" filter="fade">
-                                      <p:cBhvr>
-                                        <p:cTn id="17" dur="1000"/>
-                                        <p:tgtEl>
-                                          <p:spTgt spid="3">
-                                            <p:txEl>
-                                              <p:pRg st="1" end="1"/>
-                                            </p:txEl>
-                                          </p:spTgt>
-                                        </p:tgtEl>
-                                      </p:cBhvr>
-                                    </p:animEffect>
-                                    <p:anim calcmode="lin" valueType="num">
-                                      <p:cBhvr>
-                                        <p:cTn id="18" dur="1000" fill="hold"/>
-                                        <p:tgtEl>
-                                          <p:spTgt spid="3">
-                                            <p:txEl>
-                                              <p:pRg st="1" end="1"/>
-                                            </p:txEl>
-                                          </p:spTgt>
-                                        </p:tgtEl>
-                                        <p:attrNameLst>
-                                          <p:attrName>ppt_x</p:attrName>
-                                        </p:attrNameLst>
-                                      </p:cBhvr>
-                                      <p:tavLst>
-                                        <p:tav tm="0">
-                                          <p:val>
-                                            <p:strVal val="#ppt_x"/>
-                                          </p:val>
-                                        </p:tav>
-                                        <p:tav tm="100000">
-                                          <p:val>
-                                            <p:strVal val="#ppt_x"/>
-                                          </p:val>
-                                        </p:tav>
-                                      </p:tavLst>
-                                    </p:anim>
-                                    <p:anim calcmode="lin" valueType="num">
-                                      <p:cBhvr>
-                                        <p:cTn id="19" dur="1000" fill="hold"/>
-                                        <p:tgtEl>
-                                          <p:spTgt spid="3">
-                                            <p:txEl>
-                                              <p:pRg st="1" end="1"/>
-                                            </p:txEl>
-                                          </p:spTgt>
-                                        </p:tgtEl>
-                                        <p:attrNameLst>
-                                          <p:attrName>ppt_y</p:attrName>
-                                        </p:attrNameLst>
-                                      </p:cBhvr>
-                                      <p:tavLst>
-                                        <p:tav tm="0">
-                                          <p:val>
-                                            <p:strVal val="#ppt_y+.1"/>
-                                          </p:val>
-                                        </p:tav>
-                                        <p:tav tm="100000">
-                                          <p:val>
-                                            <p:strVal val="#ppt_y"/>
-                                          </p:val>
-                                        </p:tav>
-                                      </p:tavLst>
-                                    </p:anim>
-                                  </p:childTnLst>
-                                </p:cTn>
-                              </p:par>
-                              <p:par>
-                                <p:cTn id="20" presetID="42" presetClass="entr" presetSubtype="0" fill="hold" grpId="0" nodeType="withEffect">
-                                  <p:stCondLst>
-                                    <p:cond delay="0"/>
-                                  </p:stCondLst>
-                                  <p:childTnLst>
-                                    <p:set>
-                                      <p:cBhvr>
-                                        <p:cTn id="21" dur="1" fill="hold">
-                                          <p:stCondLst>
-                                            <p:cond delay="0"/>
-                                          </p:stCondLst>
-                                        </p:cTn>
-                                        <p:tgtEl>
-                                          <p:spTgt spid="3">
-                                            <p:txEl>
-                                              <p:pRg st="2" end="2"/>
-                                            </p:txEl>
-                                          </p:spTgt>
-                                        </p:tgtEl>
-                                        <p:attrNameLst>
-                                          <p:attrName>style.visibility</p:attrName>
-                                        </p:attrNameLst>
-                                      </p:cBhvr>
-                                      <p:to>
-                                        <p:strVal val="visible"/>
-                                      </p:to>
-                                    </p:set>
-                                    <p:animEffect transition="in" filter="fade">
-                                      <p:cBhvr>
-                                        <p:cTn id="22" dur="1000"/>
-                                        <p:tgtEl>
-                                          <p:spTgt spid="3">
-                                            <p:txEl>
-                                              <p:pRg st="2" end="2"/>
-                                            </p:txEl>
-                                          </p:spTgt>
-                                        </p:tgtEl>
-                                      </p:cBhvr>
-                                    </p:animEffect>
-                                    <p:anim calcmode="lin" valueType="num">
-                                      <p:cBhvr>
-                                        <p:cTn id="23" dur="1000" fill="hold"/>
-                                        <p:tgtEl>
-                                          <p:spTgt spid="3">
-                                            <p:txEl>
-                                              <p:pRg st="2" end="2"/>
-                                            </p:txEl>
-                                          </p:spTgt>
-                                        </p:tgtEl>
-                                        <p:attrNameLst>
-                                          <p:attrName>ppt_x</p:attrName>
-                                        </p:attrNameLst>
-                                      </p:cBhvr>
-                                      <p:tavLst>
-                                        <p:tav tm="0">
-                                          <p:val>
-                                            <p:strVal val="#ppt_x"/>
-                                          </p:val>
-                                        </p:tav>
-                                        <p:tav tm="100000">
-                                          <p:val>
-                                            <p:strVal val="#ppt_x"/>
-                                          </p:val>
-                                        </p:tav>
-                                      </p:tavLst>
-                                    </p:anim>
-                                    <p:anim calcmode="lin" valueType="num">
-                                      <p:cBhvr>
-                                        <p:cTn id="24" dur="1000" fill="hold"/>
-                                        <p:tgtEl>
-                                          <p:spTgt spid="3">
-                                            <p:txEl>
-                                              <p:pRg st="2" end="2"/>
-                                            </p:txEl>
-                                          </p:spTgt>
-                                        </p:tgtEl>
-                                        <p:attrNameLst>
-                                          <p:attrName>ppt_y</p:attrName>
-                                        </p:attrNameLst>
-                                      </p:cBhvr>
-                                      <p:tavLst>
-                                        <p:tav tm="0">
-                                          <p:val>
-                                            <p:strVal val="#ppt_y+.1"/>
-                                          </p:val>
-                                        </p:tav>
-                                        <p:tav tm="100000">
-                                          <p:val>
-                                            <p:strVal val="#ppt_y"/>
-                                          </p:val>
-                                        </p:tav>
-                                      </p:tavLst>
-                                    </p:anim>
-                                  </p:childTnLst>
-                                </p:cTn>
-                              </p:par>
-                              <p:par>
-                                <p:cTn id="25" presetID="42" presetClass="entr" presetSubtype="0" fill="hold" grpId="0" nodeType="withEffect">
-                                  <p:stCondLst>
-                                    <p:cond delay="0"/>
-                                  </p:stCondLst>
-                                  <p:childTnLst>
-                                    <p:set>
-                                      <p:cBhvr>
-                                        <p:cTn id="26" dur="1" fill="hold">
-                                          <p:stCondLst>
-                                            <p:cond delay="0"/>
-                                          </p:stCondLst>
-                                        </p:cTn>
-                                        <p:tgtEl>
-                                          <p:spTgt spid="3">
-                                            <p:txEl>
-                                              <p:pRg st="3" end="3"/>
-                                            </p:txEl>
-                                          </p:spTgt>
-                                        </p:tgtEl>
-                                        <p:attrNameLst>
-                                          <p:attrName>style.visibility</p:attrName>
-                                        </p:attrNameLst>
-                                      </p:cBhvr>
-                                      <p:to>
-                                        <p:strVal val="visible"/>
-                                      </p:to>
-                                    </p:set>
-                                    <p:animEffect transition="in" filter="fade">
-                                      <p:cBhvr>
-                                        <p:cTn id="27" dur="1000"/>
-                                        <p:tgtEl>
-                                          <p:spTgt spid="3">
-                                            <p:txEl>
-                                              <p:pRg st="3" end="3"/>
-                                            </p:txEl>
-                                          </p:spTgt>
-                                        </p:tgtEl>
-                                      </p:cBhvr>
-                                    </p:animEffect>
-                                    <p:anim calcmode="lin" valueType="num">
-                                      <p:cBhvr>
-                                        <p:cTn id="28" dur="1000" fill="hold"/>
-                                        <p:tgtEl>
-                                          <p:spTgt spid="3">
-                                            <p:txEl>
-                                              <p:pRg st="3" end="3"/>
-                                            </p:txEl>
-                                          </p:spTgt>
-                                        </p:tgtEl>
-                                        <p:attrNameLst>
-                                          <p:attrName>ppt_x</p:attrName>
-                                        </p:attrNameLst>
-                                      </p:cBhvr>
-                                      <p:tavLst>
-                                        <p:tav tm="0">
-                                          <p:val>
-                                            <p:strVal val="#ppt_x"/>
-                                          </p:val>
-                                        </p:tav>
-                                        <p:tav tm="100000">
-                                          <p:val>
-                                            <p:strVal val="#ppt_x"/>
-                                          </p:val>
-                                        </p:tav>
-                                      </p:tavLst>
-                                    </p:anim>
-                                    <p:anim calcmode="lin" valueType="num">
-                                      <p:cBhvr>
-                                        <p:cTn id="29" dur="1000" fill="hold"/>
-                                        <p:tgtEl>
-                                          <p:spTgt spid="3">
-                                            <p:txEl>
-                                              <p:pRg st="3" end="3"/>
-                                            </p:txEl>
-                                          </p:spTgt>
-                                        </p:tgtEl>
-                                        <p:attrNameLst>
-                                          <p:attrName>ppt_y</p:attrName>
-                                        </p:attrNameLst>
-                                      </p:cBhvr>
-                                      <p:tavLst>
-                                        <p:tav tm="0">
-                                          <p:val>
-                                            <p:strVal val="#ppt_y+.1"/>
-                                          </p:val>
-                                        </p:tav>
-                                        <p:tav tm="100000">
-                                          <p:val>
-                                            <p:strVal val="#ppt_y"/>
-                                          </p:val>
-                                        </p:tav>
-                                      </p:tavLst>
-                                    </p:anim>
-                                  </p:childTnLst>
-                                </p:cTn>
-                              </p:par>
-                              <p:par>
-                                <p:cTn id="30" presetID="42" presetClass="entr" presetSubtype="0" fill="hold" grpId="0" nodeType="withEffect">
-                                  <p:stCondLst>
-                                    <p:cond delay="0"/>
-                                  </p:stCondLst>
-                                  <p:childTnLst>
-                                    <p:set>
-                                      <p:cBhvr>
-                                        <p:cTn id="31" dur="1" fill="hold">
-                                          <p:stCondLst>
-                                            <p:cond delay="0"/>
-                                          </p:stCondLst>
-                                        </p:cTn>
-                                        <p:tgtEl>
-                                          <p:spTgt spid="3">
-                                            <p:txEl>
-                                              <p:pRg st="4" end="4"/>
-                                            </p:txEl>
-                                          </p:spTgt>
-                                        </p:tgtEl>
-                                        <p:attrNameLst>
-                                          <p:attrName>style.visibility</p:attrName>
-                                        </p:attrNameLst>
-                                      </p:cBhvr>
-                                      <p:to>
-                                        <p:strVal val="visible"/>
-                                      </p:to>
-                                    </p:set>
-                                    <p:animEffect transition="in" filter="fade">
-                                      <p:cBhvr>
-                                        <p:cTn id="32" dur="1000"/>
-                                        <p:tgtEl>
-                                          <p:spTgt spid="3">
-                                            <p:txEl>
-                                              <p:pRg st="4" end="4"/>
-                                            </p:txEl>
-                                          </p:spTgt>
-                                        </p:tgtEl>
-                                      </p:cBhvr>
-                                    </p:animEffect>
-                                    <p:anim calcmode="lin" valueType="num">
-                                      <p:cBhvr>
-                                        <p:cTn id="33" dur="1000" fill="hold"/>
-                                        <p:tgtEl>
-                                          <p:spTgt spid="3">
-                                            <p:txEl>
-                                              <p:pRg st="4" end="4"/>
-                                            </p:txEl>
-                                          </p:spTgt>
-                                        </p:tgtEl>
-                                        <p:attrNameLst>
-                                          <p:attrName>ppt_x</p:attrName>
-                                        </p:attrNameLst>
-                                      </p:cBhvr>
-                                      <p:tavLst>
-                                        <p:tav tm="0">
-                                          <p:val>
-                                            <p:strVal val="#ppt_x"/>
-                                          </p:val>
-                                        </p:tav>
-                                        <p:tav tm="100000">
-                                          <p:val>
-                                            <p:strVal val="#ppt_x"/>
-                                          </p:val>
-                                        </p:tav>
-                                      </p:tavLst>
-                                    </p:anim>
-                                    <p:anim calcmode="lin" valueType="num">
-                                      <p:cBhvr>
-                                        <p:cTn id="34" dur="1000" fill="hold"/>
-                                        <p:tgtEl>
-                                          <p:spTgt spid="3">
-                                            <p:txEl>
-                                              <p:pRg st="4" end="4"/>
-                                            </p:txEl>
-                                          </p:spTgt>
-                                        </p:tgtEl>
-                                        <p:attrNameLst>
-                                          <p:attrName>ppt_y</p:attrName>
-                                        </p:attrNameLst>
-                                      </p:cBhvr>
-                                      <p:tavLst>
-                                        <p:tav tm="0">
-                                          <p:val>
-                                            <p:strVal val="#ppt_y+.1"/>
-                                          </p:val>
-                                        </p:tav>
-                                        <p:tav tm="100000">
-                                          <p:val>
-                                            <p:strVal val="#ppt_y"/>
-                                          </p:val>
-                                        </p:tav>
-                                      </p:tavLst>
-                                    </p:anim>
-                                  </p:childTnLst>
-                                </p:cTn>
-                              </p:par>
-                              <p:par>
-                                <p:cTn id="35" presetID="42" presetClass="entr" presetSubtype="0" fill="hold" grpId="0" nodeType="withEffect">
-                                  <p:stCondLst>
-                                    <p:cond delay="0"/>
-                                  </p:stCondLst>
-                                  <p:childTnLst>
-                                    <p:set>
-                                      <p:cBhvr>
-                                        <p:cTn id="36" dur="1" fill="hold">
-                                          <p:stCondLst>
-                                            <p:cond delay="0"/>
-                                          </p:stCondLst>
-                                        </p:cTn>
-                                        <p:tgtEl>
-                                          <p:spTgt spid="3">
-                                            <p:txEl>
-                                              <p:pRg st="5" end="5"/>
-                                            </p:txEl>
-                                          </p:spTgt>
-                                        </p:tgtEl>
-                                        <p:attrNameLst>
-                                          <p:attrName>style.visibility</p:attrName>
-                                        </p:attrNameLst>
-                                      </p:cBhvr>
-                                      <p:to>
-                                        <p:strVal val="visible"/>
-                                      </p:to>
-                                    </p:set>
-                                    <p:animEffect transition="in" filter="fade">
-                                      <p:cBhvr>
-                                        <p:cTn id="37" dur="1000"/>
-                                        <p:tgtEl>
-                                          <p:spTgt spid="3">
-                                            <p:txEl>
-                                              <p:pRg st="5" end="5"/>
-                                            </p:txEl>
-                                          </p:spTgt>
-                                        </p:tgtEl>
-                                      </p:cBhvr>
-                                    </p:animEffect>
-                                    <p:anim calcmode="lin" valueType="num">
-                                      <p:cBhvr>
-                                        <p:cTn id="38" dur="1000" fill="hold"/>
-                                        <p:tgtEl>
-                                          <p:spTgt spid="3">
-                                            <p:txEl>
-                                              <p:pRg st="5" end="5"/>
-                                            </p:txEl>
-                                          </p:spTgt>
-                                        </p:tgtEl>
-                                        <p:attrNameLst>
-                                          <p:attrName>ppt_x</p:attrName>
-                                        </p:attrNameLst>
-                                      </p:cBhvr>
-                                      <p:tavLst>
-                                        <p:tav tm="0">
-                                          <p:val>
-                                            <p:strVal val="#ppt_x"/>
-                                          </p:val>
-                                        </p:tav>
-                                        <p:tav tm="100000">
-                                          <p:val>
-                                            <p:strVal val="#ppt_x"/>
-                                          </p:val>
-                                        </p:tav>
-                                      </p:tavLst>
-                                    </p:anim>
-                                    <p:anim calcmode="lin" valueType="num">
-                                      <p:cBhvr>
-                                        <p:cTn id="39" dur="1000" fill="hold"/>
-                                        <p:tgtEl>
-                                          <p:spTgt spid="3">
-                                            <p:txEl>
-                                              <p:pRg st="5" end="5"/>
-                                            </p:txEl>
-                                          </p:spTgt>
-                                        </p:tgtEl>
-                                        <p:attrNameLst>
-                                          <p:attrName>ppt_y</p:attrName>
-                                        </p:attrNameLst>
-                                      </p:cBhvr>
-                                      <p:tavLst>
-                                        <p:tav tm="0">
-                                          <p:val>
-                                            <p:strVal val="#ppt_y+.1"/>
-                                          </p:val>
-                                        </p:tav>
-                                        <p:tav tm="100000">
-                                          <p:val>
-                                            <p:strVal val="#ppt_y"/>
-                                          </p:val>
-                                        </p:tav>
-                                      </p:tavLst>
-                                    </p:anim>
-                                  </p:childTnLst>
-                                </p:cTn>
-                              </p:par>
-                              <p:par>
-                                <p:cTn id="40" presetID="42" presetClass="entr" presetSubtype="0" fill="hold" grpId="0" nodeType="withEffect">
-                                  <p:stCondLst>
-                                    <p:cond delay="0"/>
-                                  </p:stCondLst>
-                                  <p:childTnLst>
-                                    <p:set>
-                                      <p:cBhvr>
-                                        <p:cTn id="41" dur="1" fill="hold">
-                                          <p:stCondLst>
-                                            <p:cond delay="0"/>
-                                          </p:stCondLst>
-                                        </p:cTn>
-                                        <p:tgtEl>
-                                          <p:spTgt spid="3">
-                                            <p:txEl>
-                                              <p:pRg st="6" end="6"/>
-                                            </p:txEl>
-                                          </p:spTgt>
-                                        </p:tgtEl>
-                                        <p:attrNameLst>
-                                          <p:attrName>style.visibility</p:attrName>
-                                        </p:attrNameLst>
-                                      </p:cBhvr>
-                                      <p:to>
-                                        <p:strVal val="visible"/>
-                                      </p:to>
-                                    </p:set>
-                                    <p:animEffect transition="in" filter="fade">
-                                      <p:cBhvr>
-                                        <p:cTn id="42" dur="1000"/>
-                                        <p:tgtEl>
-                                          <p:spTgt spid="3">
-                                            <p:txEl>
-                                              <p:pRg st="6" end="6"/>
-                                            </p:txEl>
-                                          </p:spTgt>
-                                        </p:tgtEl>
-                                      </p:cBhvr>
-                                    </p:animEffect>
-                                    <p:anim calcmode="lin" valueType="num">
-                                      <p:cBhvr>
-                                        <p:cTn id="43" dur="1000" fill="hold"/>
-                                        <p:tgtEl>
-                                          <p:spTgt spid="3">
-                                            <p:txEl>
-                                              <p:pRg st="6" end="6"/>
-                                            </p:txEl>
-                                          </p:spTgt>
-                                        </p:tgtEl>
-                                        <p:attrNameLst>
-                                          <p:attrName>ppt_x</p:attrName>
-                                        </p:attrNameLst>
-                                      </p:cBhvr>
-                                      <p:tavLst>
-                                        <p:tav tm="0">
-                                          <p:val>
-                                            <p:strVal val="#ppt_x"/>
-                                          </p:val>
-                                        </p:tav>
-                                        <p:tav tm="100000">
-                                          <p:val>
-                                            <p:strVal val="#ppt_x"/>
-                                          </p:val>
-                                        </p:tav>
-                                      </p:tavLst>
-                                    </p:anim>
-                                    <p:anim calcmode="lin" valueType="num">
-                                      <p:cBhvr>
-                                        <p:cTn id="44" dur="1000" fill="hold"/>
-                                        <p:tgtEl>
-                                          <p:spTgt spid="3">
-                                            <p:txEl>
-                                              <p:pRg st="6" end="6"/>
-                                            </p:txEl>
-                                          </p:spTgt>
-                                        </p:tgtEl>
-                                        <p:attrNameLst>
-                                          <p:attrName>ppt_y</p:attrName>
-                                        </p:attrNameLst>
-                                      </p:cBhvr>
-                                      <p:tavLst>
-                                        <p:tav tm="0">
-                                          <p:val>
-                                            <p:strVal val="#ppt_y+.1"/>
-                                          </p:val>
-                                        </p:tav>
-                                        <p:tav tm="100000">
-                                          <p:val>
-                                            <p:strVal val="#ppt_y"/>
-                                          </p:val>
-                                        </p:tav>
-                                      </p:tavLst>
-                                    </p:anim>
-                                  </p:childTnLst>
-                                </p:cTn>
-                              </p:par>
-                              <p:par>
-                                <p:cTn id="45" presetID="42" presetClass="entr" presetSubtype="0" fill="hold" grpId="0" nodeType="withEffect">
-                                  <p:stCondLst>
-                                    <p:cond delay="0"/>
-                                  </p:stCondLst>
-                                  <p:childTnLst>
-                                    <p:set>
-                                      <p:cBhvr>
-                                        <p:cTn id="46" dur="1" fill="hold">
-                                          <p:stCondLst>
-                                            <p:cond delay="0"/>
-                                          </p:stCondLst>
-                                        </p:cTn>
-                                        <p:tgtEl>
-                                          <p:spTgt spid="3">
-                                            <p:txEl>
-                                              <p:pRg st="7" end="7"/>
-                                            </p:txEl>
-                                          </p:spTgt>
-                                        </p:tgtEl>
-                                        <p:attrNameLst>
-                                          <p:attrName>style.visibility</p:attrName>
-                                        </p:attrNameLst>
-                                      </p:cBhvr>
-                                      <p:to>
-                                        <p:strVal val="visible"/>
-                                      </p:to>
-                                    </p:set>
-                                    <p:animEffect transition="in" filter="fade">
-                                      <p:cBhvr>
-                                        <p:cTn id="47" dur="1000"/>
-                                        <p:tgtEl>
-                                          <p:spTgt spid="3">
-                                            <p:txEl>
-                                              <p:pRg st="7" end="7"/>
-                                            </p:txEl>
-                                          </p:spTgt>
-                                        </p:tgtEl>
-                                      </p:cBhvr>
-                                    </p:animEffect>
-                                    <p:anim calcmode="lin" valueType="num">
-                                      <p:cBhvr>
-                                        <p:cTn id="48" dur="1000" fill="hold"/>
-                                        <p:tgtEl>
-                                          <p:spTgt spid="3">
-                                            <p:txEl>
-                                              <p:pRg st="7" end="7"/>
-                                            </p:txEl>
-                                          </p:spTgt>
-                                        </p:tgtEl>
-                                        <p:attrNameLst>
-                                          <p:attrName>ppt_x</p:attrName>
-                                        </p:attrNameLst>
-                                      </p:cBhvr>
-                                      <p:tavLst>
-                                        <p:tav tm="0">
-                                          <p:val>
-                                            <p:strVal val="#ppt_x"/>
-                                          </p:val>
-                                        </p:tav>
-                                        <p:tav tm="100000">
-                                          <p:val>
-                                            <p:strVal val="#ppt_x"/>
-                                          </p:val>
-                                        </p:tav>
-                                      </p:tavLst>
-                                    </p:anim>
-                                    <p:anim calcmode="lin" valueType="num">
-                                      <p:cBhvr>
-                                        <p:cTn id="49" dur="1000" fill="hold"/>
-                                        <p:tgtEl>
-                                          <p:spTgt spid="3">
-                                            <p:txEl>
-                                              <p:pRg st="7" end="7"/>
-                                            </p:txEl>
-                                          </p:spTgt>
-                                        </p:tgtEl>
-                                        <p:attrNameLst>
-                                          <p:attrName>ppt_y</p:attrName>
-                                        </p:attrNameLst>
-                                      </p:cBhvr>
-                                      <p:tavLst>
-                                        <p:tav tm="0">
-                                          <p:val>
-                                            <p:strVal val="#ppt_y+.1"/>
-                                          </p:val>
-                                        </p:tav>
-                                        <p:tav tm="100000">
-                                          <p:val>
-                                            <p:strVal val="#ppt_y"/>
-                                          </p:val>
-                                        </p:tav>
-                                      </p:tavLst>
-                                    </p:anim>
-                                  </p:childTnLst>
-                                </p:cTn>
-                              </p:par>
-                              <p:par>
-                                <p:cTn id="50" presetID="42" presetClass="entr" presetSubtype="0" fill="hold" grpId="0" nodeType="withEffect">
-                                  <p:stCondLst>
-                                    <p:cond delay="0"/>
-                                  </p:stCondLst>
-                                  <p:childTnLst>
-                                    <p:set>
-                                      <p:cBhvr>
-                                        <p:cTn id="51" dur="1" fill="hold">
-                                          <p:stCondLst>
-                                            <p:cond delay="0"/>
-                                          </p:stCondLst>
-                                        </p:cTn>
-                                        <p:tgtEl>
-                                          <p:spTgt spid="3">
-                                            <p:txEl>
-                                              <p:pRg st="8" end="8"/>
-                                            </p:txEl>
-                                          </p:spTgt>
-                                        </p:tgtEl>
-                                        <p:attrNameLst>
-                                          <p:attrName>style.visibility</p:attrName>
-                                        </p:attrNameLst>
-                                      </p:cBhvr>
-                                      <p:to>
-                                        <p:strVal val="visible"/>
-                                      </p:to>
-                                    </p:set>
-                                    <p:animEffect transition="in" filter="fade">
-                                      <p:cBhvr>
-                                        <p:cTn id="52" dur="1000"/>
-                                        <p:tgtEl>
-                                          <p:spTgt spid="3">
-                                            <p:txEl>
-                                              <p:pRg st="8" end="8"/>
-                                            </p:txEl>
-                                          </p:spTgt>
-                                        </p:tgtEl>
-                                      </p:cBhvr>
-                                    </p:animEffect>
-                                    <p:anim calcmode="lin" valueType="num">
-                                      <p:cBhvr>
-                                        <p:cTn id="53" dur="1000" fill="hold"/>
-                                        <p:tgtEl>
-                                          <p:spTgt spid="3">
-                                            <p:txEl>
-                                              <p:pRg st="8" end="8"/>
-                                            </p:txEl>
-                                          </p:spTgt>
-                                        </p:tgtEl>
-                                        <p:attrNameLst>
-                                          <p:attrName>ppt_x</p:attrName>
-                                        </p:attrNameLst>
-                                      </p:cBhvr>
-                                      <p:tavLst>
-                                        <p:tav tm="0">
-                                          <p:val>
-                                            <p:strVal val="#ppt_x"/>
-                                          </p:val>
-                                        </p:tav>
-                                        <p:tav tm="100000">
-                                          <p:val>
-                                            <p:strVal val="#ppt_x"/>
-                                          </p:val>
-                                        </p:tav>
-                                      </p:tavLst>
-                                    </p:anim>
-                                    <p:anim calcmode="lin" valueType="num">
-                                      <p:cBhvr>
-                                        <p:cTn id="54" dur="1000" fill="hold"/>
-                                        <p:tgtEl>
-                                          <p:spTgt spid="3">
-                                            <p:txEl>
-                                              <p:pRg st="8" end="8"/>
-                                            </p:txEl>
-                                          </p:spTgt>
-                                        </p:tgtEl>
-                                        <p:attrNameLst>
-                                          <p:attrName>ppt_y</p:attrName>
-                                        </p:attrNameLst>
-                                      </p:cBhvr>
-                                      <p:tavLst>
-                                        <p:tav tm="0">
-                                          <p:val>
-                                            <p:strVal val="#ppt_y+.1"/>
-                                          </p:val>
-                                        </p:tav>
-                                        <p:tav tm="100000">
-                                          <p:val>
-                                            <p:strVal val="#ppt_y"/>
-                                          </p:val>
-                                        </p:tav>
-                                      </p:tavLst>
-                                    </p:anim>
-                                  </p:childTnLst>
-                                </p:cTn>
-                              </p:par>
-                              <p:par>
-                                <p:cTn id="55" presetID="42" presetClass="entr" presetSubtype="0" fill="hold" grpId="0" nodeType="withEffect" nodePh="1">
-                                  <p:stCondLst>
-                                    <p:cond delay="0"/>
-                                  </p:stCondLst>
-                                  <p:endCondLst>
-                                    <p:cond evt="begin" delay="0">
-                                      <p:tn val="55"/>
-                                    </p:cond>
-                                  </p:endCondLst>
-                                  <p:childTnLst>
-                                    <p:set>
-                                      <p:cBhvr>
-                                        <p:cTn id="56" dur="1" fill="hold">
-                                          <p:stCondLst>
-                                            <p:cond delay="0"/>
-                                          </p:stCondLst>
-                                        </p:cTn>
-                                        <p:tgtEl>
-                                          <p:spTgt spid="4"/>
-                                        </p:tgtEl>
-                                        <p:attrNameLst>
-                                          <p:attrName>style.visibility</p:attrName>
-                                        </p:attrNameLst>
-                                      </p:cBhvr>
-                                      <p:to>
-                                        <p:strVal val="visible"/>
-                                      </p:to>
-                                    </p:set>
-                                    <p:animEffect transition="in" filter="fade">
-                                      <p:cBhvr>
-                                        <p:cTn id="57" dur="1000"/>
-                                        <p:tgtEl>
-                                          <p:spTgt spid="4"/>
-                                        </p:tgtEl>
-                                      </p:cBhvr>
-                                    </p:animEffect>
-                                    <p:anim calcmode="lin" valueType="num">
-                                      <p:cBhvr>
-                                        <p:cTn id="58" dur="1000" fill="hold"/>
-                                        <p:tgtEl>
-                                          <p:spTgt spid="4"/>
-                                        </p:tgtEl>
-                                        <p:attrNameLst>
-                                          <p:attrName>ppt_x</p:attrName>
-                                        </p:attrNameLst>
-                                      </p:cBhvr>
-                                      <p:tavLst>
-                                        <p:tav tm="0">
-                                          <p:val>
-                                            <p:strVal val="#ppt_x"/>
-                                          </p:val>
-                                        </p:tav>
-                                        <p:tav tm="100000">
-                                          <p:val>
-                                            <p:strVal val="#ppt_x"/>
-                                          </p:val>
-                                        </p:tav>
-                                      </p:tavLst>
-                                    </p:anim>
-                                    <p:anim calcmode="lin" valueType="num">
-                                      <p:cBhvr>
-                                        <p:cTn id="59" dur="1000" fill="hold"/>
-                                        <p:tgtEl>
-                                          <p:spTgt spid="4"/>
-                                        </p:tgtEl>
-                                        <p:attrNameLst>
-                                          <p:attrName>ppt_y</p:attrName>
-                                        </p:attrNameLst>
-                                      </p:cBhvr>
-                                      <p:tavLst>
-                                        <p:tav tm="0">
-                                          <p:val>
-                                            <p:strVal val="#ppt_y+.1"/>
-                                          </p:val>
-                                        </p:tav>
-                                        <p:tav tm="100000">
-                                          <p:val>
-                                            <p:strVal val="#ppt_y"/>
-                                          </p:val>
-                                        </p:tav>
-                                      </p:tavLst>
-                                    </p:anim>
-                                  </p:childTnLst>
-                                </p:cTn>
-                              </p:par>
-                            </p:childTnLst>
-                          </p:cTn>
-                        </p:par>
-                      </p:childTnLst>
-                    </p:cTn>
-                  </p:par>
-                </p:childTnLst>
-              </p:cTn>
-              <p:prevCondLst>
-                <p:cond evt="onPrev" delay="0">
-                  <p:tgtEl>
-                    <p:sldTgt/>
-                  </p:tgtEl>
-                </p:cond>
-              </p:prevCondLst>
-              <p:nextCondLst>
-                <p:cond evt="onNext" delay="0">
-                  <p:tgtEl>
-                    <p:sldTgt/>
-                  </p:tgtEl>
-                </p:cond>
-              </p:nextCondLst>
-            </p:seq>
-          </p:childTnLst>
-        </p:cTn>
-      </p:par>
-    </p:tnLst>
-    <p:bldLst>
-      <p:bldP spid="2" grpId="0"/>
-      <p:bldP spid="3" grpId="0" build="p"/>
-      <p:bldP spid="4" grpId="0"/>
-    </p:bldLst>
-  </p:timing>
-</p:sld>
-</file>
-
-<file path=ppt/slides/slide6.xml><?xml version="1.0" encoding="utf-8"?>
-<p:sld xmlns:a="http://schemas.openxmlformats.org/drawingml/2006/main" xmlns:r="http://schemas.openxmlformats.org/officeDocument/2006/relationships" xmlns:p="http://schemas.openxmlformats.org/presentationml/2006/main">
-  <p:cSld>
-    <p:spTree>
-      <p:nvGrpSpPr>
-        <p:cNvPr id="1" name=""/>
-        <p:cNvGrpSpPr/>
-        <p:nvPr/>
-      </p:nvGrpSpPr>
-      <p:grpSpPr>
-        <a:xfrm>
-          <a:off x="0" y="0"/>
-          <a:ext cx="0" cy="0"/>
-          <a:chOff x="0" y="0"/>
-          <a:chExt cx="0" cy="0"/>
-        </a:xfrm>
-      </p:grpSpPr>
-      <p:sp>
-        <p:nvSpPr>
-          <p:cNvPr id="2" name="Cím 1">
-            <a:extLst>
-              <a:ext uri="{FF2B5EF4-FFF2-40B4-BE49-F238E27FC236}">
-                <a16:creationId xmlns:a16="http://schemas.microsoft.com/office/drawing/2014/main" id="{C03EF754-3BE6-D39B-CDF1-7D39E2905B45}"/>
-              </a:ext>
-            </a:extLst>
-          </p:cNvPr>
-          <p:cNvSpPr>
-            <a:spLocks noGrp="1"/>
-          </p:cNvSpPr>
-          <p:nvPr>
-            <p:ph type="title"/>
-          </p:nvPr>
-        </p:nvSpPr>
-        <p:spPr/>
-        <p:txBody>
-          <a:bodyPr>
-            <a:normAutofit fontScale="90000"/>
-          </a:bodyPr>
-          <a:lstStyle/>
-          <a:p>
-            <a:pPr algn="ctr"/>
-            <a:r>
-              <a:rPr lang="en-US" b="1" dirty="0"/>
-              <a:t>Disadvantages of Summer</a:t>
-            </a:r>
-            <a:br>
-              <a:rPr lang="hu-HU" b="1" dirty="0"/>
-            </a:br>
-            <a:r>
-              <a:rPr lang="en-US" b="1" dirty="0"/>
-              <a:t>Jobs for Students:</a:t>
-            </a:r>
-            <a:br>
-              <a:rPr lang="en-US" b="1" dirty="0"/>
-            </a:br>
-            <a:endParaRPr lang="hu-HU" b="1" dirty="0"/>
-          </a:p>
-        </p:txBody>
-      </p:sp>
-      <p:sp>
-        <p:nvSpPr>
-          <p:cNvPr id="3" name="Tartalom helye 2">
-            <a:extLst>
-              <a:ext uri="{FF2B5EF4-FFF2-40B4-BE49-F238E27FC236}">
-                <a16:creationId xmlns:a16="http://schemas.microsoft.com/office/drawing/2014/main" id="{6D5C1302-B8C5-7EF0-8677-1239F595A627}"/>
-              </a:ext>
-            </a:extLst>
-          </p:cNvPr>
-          <p:cNvSpPr>
-            <a:spLocks noGrp="1"/>
-          </p:cNvSpPr>
-          <p:nvPr>
-            <p:ph idx="1"/>
-          </p:nvPr>
-        </p:nvSpPr>
-        <p:spPr/>
-        <p:txBody>
-          <a:bodyPr>
-            <a:normAutofit/>
-          </a:bodyPr>
-          <a:lstStyle/>
-          <a:p>
-            <a:pPr marL="274320" lvl="1" indent="0">
-              <a:buNone/>
-            </a:pPr>
-            <a:r>
-              <a:rPr lang="en-US" sz="3200" b="1" dirty="0">
-                <a:latin typeface="Söhne"/>
-              </a:rPr>
-              <a:t>Low Pay:</a:t>
-            </a:r>
-          </a:p>
-          <a:p>
-            <a:pPr lvl="2"/>
-            <a:r>
-              <a:rPr lang="hu-HU" sz="2800" dirty="0">
-                <a:latin typeface="Söhne"/>
-              </a:rPr>
-              <a:t>E</a:t>
-            </a:r>
-            <a:r>
-              <a:rPr lang="en-US" sz="2800" dirty="0" err="1">
-                <a:latin typeface="Söhne"/>
-              </a:rPr>
-              <a:t>ntry</a:t>
-            </a:r>
-            <a:r>
-              <a:rPr lang="en-US" sz="2800" dirty="0">
-                <a:latin typeface="Söhne"/>
-              </a:rPr>
-              <a:t>-level.</a:t>
-            </a:r>
-          </a:p>
-          <a:p>
-            <a:pPr lvl="2"/>
-            <a:r>
-              <a:rPr lang="en-US" sz="2800" dirty="0">
-                <a:latin typeface="Söhne"/>
-              </a:rPr>
-              <a:t>Limited financial </a:t>
-            </a:r>
-            <a:r>
-              <a:rPr lang="en-US" sz="2800" dirty="0" err="1">
-                <a:latin typeface="Söhne"/>
-              </a:rPr>
-              <a:t>rewar</a:t>
-            </a:r>
-            <a:r>
-              <a:rPr lang="hu-HU" sz="2800" dirty="0">
-                <a:latin typeface="Söhne"/>
-              </a:rPr>
-              <a:t>d.</a:t>
-            </a:r>
-          </a:p>
-          <a:p>
-            <a:pPr marL="274320" lvl="1" indent="0">
-              <a:buNone/>
-            </a:pPr>
-            <a:r>
-              <a:rPr lang="en-US" sz="3200" b="1" dirty="0">
-                <a:latin typeface="Söhne"/>
-              </a:rPr>
-              <a:t>Repetitive or M</a:t>
-            </a:r>
-            <a:r>
-              <a:rPr lang="hu-HU" sz="3200" b="1" dirty="0" err="1">
-                <a:latin typeface="Söhne"/>
-              </a:rPr>
-              <a:t>onotonious</a:t>
-            </a:r>
-            <a:r>
-              <a:rPr lang="en-US" sz="3200" b="1" dirty="0">
-                <a:latin typeface="Söhne"/>
-              </a:rPr>
-              <a:t> Tasks:</a:t>
-            </a:r>
-          </a:p>
-          <a:p>
-            <a:pPr lvl="2"/>
-            <a:r>
-              <a:rPr lang="hu-HU" sz="2800" dirty="0">
-                <a:latin typeface="Söhne"/>
-              </a:rPr>
-              <a:t>Boring </a:t>
-            </a:r>
-            <a:r>
-              <a:rPr lang="hu-HU" sz="2800" dirty="0" err="1">
-                <a:latin typeface="Söhne"/>
-              </a:rPr>
-              <a:t>worktime</a:t>
-            </a:r>
-            <a:endParaRPr lang="hu-HU" sz="2800" dirty="0">
-              <a:latin typeface="Söhne"/>
-            </a:endParaRPr>
-          </a:p>
-          <a:p>
-            <a:pPr lvl="2"/>
-            <a:r>
-              <a:rPr lang="hu-HU" sz="2800" dirty="0" err="1">
-                <a:latin typeface="Söhne"/>
-              </a:rPr>
-              <a:t>Students</a:t>
-            </a:r>
-            <a:r>
-              <a:rPr lang="hu-HU" sz="2800" dirty="0">
-                <a:latin typeface="Söhne"/>
-              </a:rPr>
-              <a:t> </a:t>
-            </a:r>
-            <a:r>
-              <a:rPr lang="hu-HU" sz="2800" dirty="0" err="1">
-                <a:latin typeface="Söhne"/>
-              </a:rPr>
-              <a:t>not</a:t>
-            </a:r>
-            <a:r>
-              <a:rPr lang="hu-HU" sz="2800" dirty="0">
-                <a:latin typeface="Söhne"/>
-              </a:rPr>
-              <a:t> </a:t>
-            </a:r>
-            <a:r>
-              <a:rPr lang="hu-HU" sz="2800" dirty="0" err="1">
-                <a:latin typeface="Söhne"/>
-              </a:rPr>
-              <a:t>interested</a:t>
-            </a:r>
-            <a:r>
-              <a:rPr lang="hu-HU" sz="2800" dirty="0">
-                <a:latin typeface="Söhne"/>
-              </a:rPr>
-              <a:t> in.</a:t>
-            </a:r>
-          </a:p>
-        </p:txBody>
-      </p:sp>
-      <p:sp>
-        <p:nvSpPr>
-          <p:cNvPr id="4" name="Dátum helye 3">
-            <a:extLst>
-              <a:ext uri="{FF2B5EF4-FFF2-40B4-BE49-F238E27FC236}">
-                <a16:creationId xmlns:a16="http://schemas.microsoft.com/office/drawing/2014/main" id="{83C32074-6AFC-4376-607D-B35CBB150500}"/>
-              </a:ext>
-            </a:extLst>
-          </p:cNvPr>
-          <p:cNvSpPr>
-            <a:spLocks noGrp="1"/>
-          </p:cNvSpPr>
-          <p:nvPr>
-            <p:ph type="dt" sz="half" idx="10"/>
-          </p:nvPr>
-        </p:nvSpPr>
-        <p:spPr/>
-        <p:txBody>
-          <a:bodyPr/>
-          <a:lstStyle/>
-          <a:p>
-            <a:pPr rtl="0"/>
-            <a:endParaRPr lang="en-US" dirty="0"/>
-          </a:p>
-        </p:txBody>
-      </p:sp>
-    </p:spTree>
-    <p:extLst>
-      <p:ext uri="{BB962C8B-B14F-4D97-AF65-F5344CB8AC3E}">
-        <p14:creationId xmlns:p14="http://schemas.microsoft.com/office/powerpoint/2010/main" val="834310222"/>
-      </p:ext>
-    </p:extLst>
-  </p:cSld>
-  <p:clrMapOvr>
-    <a:masterClrMapping/>
-  </p:clrMapOvr>
-  <p:timing>
-    <p:tnLst>
-      <p:par>
-        <p:cTn id="1" dur="indefinite" restart="never" nodeType="tmRoot">
-          <p:childTnLst>
-            <p:seq concurrent="1" nextAc="seek">
-              <p:cTn id="2" dur="indefinite" nodeType="mainSeq">
-                <p:childTnLst>
-                  <p:par>
-                    <p:cTn id="3" fill="hold">
-                      <p:stCondLst>
-                        <p:cond delay="indefinite"/>
-                      </p:stCondLst>
-                      <p:childTnLst>
-                        <p:par>
-                          <p:cTn id="4" fill="hold">
-                            <p:stCondLst>
-                              <p:cond delay="0"/>
-                            </p:stCondLst>
-                            <p:childTnLst>
-                              <p:par>
-                                <p:cTn id="5" presetID="16" presetClass="entr" presetSubtype="21" fill="hold" grpId="0" nodeType="clickEffect">
-                                  <p:stCondLst>
-                                    <p:cond delay="0"/>
-                                  </p:stCondLst>
-                                  <p:childTnLst>
-                                    <p:set>
-                                      <p:cBhvr>
-                                        <p:cTn id="6" dur="1" fill="hold">
-                                          <p:stCondLst>
-                                            <p:cond delay="0"/>
-                                          </p:stCondLst>
-                                        </p:cTn>
-                                        <p:tgtEl>
-                                          <p:spTgt spid="2"/>
-                                        </p:tgtEl>
-                                        <p:attrNameLst>
-                                          <p:attrName>style.visibility</p:attrName>
-                                        </p:attrNameLst>
-                                      </p:cBhvr>
-                                      <p:to>
-                                        <p:strVal val="visible"/>
-                                      </p:to>
-                                    </p:set>
-                                    <p:animEffect transition="in" filter="barn(inVertical)">
-                                      <p:cBhvr>
-                                        <p:cTn id="7" dur="500"/>
-                                        <p:tgtEl>
-                                          <p:spTgt spid="2"/>
-                                        </p:tgtEl>
-                                      </p:cBhvr>
-                                    </p:animEffect>
-                                  </p:childTnLst>
-                                </p:cTn>
-                              </p:par>
-                              <p:par>
-                                <p:cTn id="8" presetID="16" presetClass="entr" presetSubtype="21" fill="hold" grpId="0" nodeType="withEffect">
-                                  <p:stCondLst>
-                                    <p:cond delay="0"/>
-                                  </p:stCondLst>
-                                  <p:childTnLst>
-                                    <p:set>
-                                      <p:cBhvr>
-                                        <p:cTn id="9" dur="1" fill="hold">
-                                          <p:stCondLst>
-                                            <p:cond delay="0"/>
-                                          </p:stCondLst>
-                                        </p:cTn>
-                                        <p:tgtEl>
-                                          <p:spTgt spid="3">
-                                            <p:txEl>
-                                              <p:pRg st="0" end="0"/>
-                                            </p:txEl>
-                                          </p:spTgt>
-                                        </p:tgtEl>
-                                        <p:attrNameLst>
-                                          <p:attrName>style.visibility</p:attrName>
-                                        </p:attrNameLst>
-                                      </p:cBhvr>
-                                      <p:to>
-                                        <p:strVal val="visible"/>
-                                      </p:to>
-                                    </p:set>
-                                    <p:animEffect transition="in" filter="barn(inVertical)">
-                                      <p:cBhvr>
-                                        <p:cTn id="10" dur="500"/>
-                                        <p:tgtEl>
-                                          <p:spTgt spid="3">
-                                            <p:txEl>
-                                              <p:pRg st="0" end="0"/>
-                                            </p:txEl>
-                                          </p:spTgt>
-                                        </p:tgtEl>
-                                      </p:cBhvr>
-                                    </p:animEffect>
-                                  </p:childTnLst>
-                                </p:cTn>
-                              </p:par>
-                              <p:par>
-                                <p:cTn id="11" presetID="16" presetClass="entr" presetSubtype="21" fill="hold" grpId="0" nodeType="withEffect">
-                                  <p:stCondLst>
-                                    <p:cond delay="0"/>
-                                  </p:stCondLst>
-                                  <p:childTnLst>
-                                    <p:set>
-                                      <p:cBhvr>
-                                        <p:cTn id="12" dur="1" fill="hold">
-                                          <p:stCondLst>
-                                            <p:cond delay="0"/>
-                                          </p:stCondLst>
-                                        </p:cTn>
-                                        <p:tgtEl>
-                                          <p:spTgt spid="3">
-                                            <p:txEl>
-                                              <p:pRg st="1" end="1"/>
-                                            </p:txEl>
-                                          </p:spTgt>
-                                        </p:tgtEl>
-                                        <p:attrNameLst>
-                                          <p:attrName>style.visibility</p:attrName>
-                                        </p:attrNameLst>
-                                      </p:cBhvr>
-                                      <p:to>
-                                        <p:strVal val="visible"/>
-                                      </p:to>
-                                    </p:set>
-                                    <p:animEffect transition="in" filter="barn(inVertical)">
-                                      <p:cBhvr>
-                                        <p:cTn id="13" dur="500"/>
-                                        <p:tgtEl>
-                                          <p:spTgt spid="3">
-                                            <p:txEl>
-                                              <p:pRg st="1" end="1"/>
-                                            </p:txEl>
-                                          </p:spTgt>
-                                        </p:tgtEl>
-                                      </p:cBhvr>
-                                    </p:animEffect>
-                                  </p:childTnLst>
-                                </p:cTn>
-                              </p:par>
-                              <p:par>
-                                <p:cTn id="14" presetID="16" presetClass="entr" presetSubtype="21" fill="hold" grpId="0" nodeType="withEffect">
-                                  <p:stCondLst>
-                                    <p:cond delay="0"/>
-                                  </p:stCondLst>
-                                  <p:childTnLst>
-                                    <p:set>
-                                      <p:cBhvr>
-                                        <p:cTn id="15" dur="1" fill="hold">
-                                          <p:stCondLst>
-                                            <p:cond delay="0"/>
-                                          </p:stCondLst>
-                                        </p:cTn>
-                                        <p:tgtEl>
-                                          <p:spTgt spid="3">
-                                            <p:txEl>
-                                              <p:pRg st="2" end="2"/>
-                                            </p:txEl>
-                                          </p:spTgt>
-                                        </p:tgtEl>
-                                        <p:attrNameLst>
-                                          <p:attrName>style.visibility</p:attrName>
-                                        </p:attrNameLst>
-                                      </p:cBhvr>
-                                      <p:to>
-                                        <p:strVal val="visible"/>
-                                      </p:to>
-                                    </p:set>
-                                    <p:animEffect transition="in" filter="barn(inVertical)">
-                                      <p:cBhvr>
-                                        <p:cTn id="16" dur="500"/>
-                                        <p:tgtEl>
-                                          <p:spTgt spid="3">
-                                            <p:txEl>
-                                              <p:pRg st="2" end="2"/>
-                                            </p:txEl>
-                                          </p:spTgt>
-                                        </p:tgtEl>
-                                      </p:cBhvr>
-                                    </p:animEffect>
-                                  </p:childTnLst>
-                                </p:cTn>
-                              </p:par>
-                              <p:par>
-                                <p:cTn id="17" presetID="16" presetClass="entr" presetSubtype="21" fill="hold" grpId="0" nodeType="withEffect">
-                                  <p:stCondLst>
-                                    <p:cond delay="0"/>
-                                  </p:stCondLst>
-                                  <p:childTnLst>
-                                    <p:set>
-                                      <p:cBhvr>
-                                        <p:cTn id="18" dur="1" fill="hold">
-                                          <p:stCondLst>
-                                            <p:cond delay="0"/>
-                                          </p:stCondLst>
-                                        </p:cTn>
-                                        <p:tgtEl>
-                                          <p:spTgt spid="3">
-                                            <p:txEl>
-                                              <p:pRg st="3" end="3"/>
-                                            </p:txEl>
-                                          </p:spTgt>
-                                        </p:tgtEl>
-                                        <p:attrNameLst>
-                                          <p:attrName>style.visibility</p:attrName>
-                                        </p:attrNameLst>
-                                      </p:cBhvr>
-                                      <p:to>
-                                        <p:strVal val="visible"/>
-                                      </p:to>
-                                    </p:set>
-                                    <p:animEffect transition="in" filter="barn(inVertical)">
-                                      <p:cBhvr>
-                                        <p:cTn id="19" dur="500"/>
-                                        <p:tgtEl>
-                                          <p:spTgt spid="3">
-                                            <p:txEl>
-                                              <p:pRg st="3" end="3"/>
-                                            </p:txEl>
-                                          </p:spTgt>
-                                        </p:tgtEl>
-                                      </p:cBhvr>
-                                    </p:animEffect>
-                                  </p:childTnLst>
-                                </p:cTn>
-                              </p:par>
-                              <p:par>
-                                <p:cTn id="20" presetID="16" presetClass="entr" presetSubtype="21" fill="hold" grpId="0" nodeType="withEffect">
-                                  <p:stCondLst>
-                                    <p:cond delay="0"/>
-                                  </p:stCondLst>
-                                  <p:childTnLst>
-                                    <p:set>
-                                      <p:cBhvr>
-                                        <p:cTn id="21" dur="1" fill="hold">
-                                          <p:stCondLst>
-                                            <p:cond delay="0"/>
-                                          </p:stCondLst>
-                                        </p:cTn>
-                                        <p:tgtEl>
-                                          <p:spTgt spid="3">
-                                            <p:txEl>
-                                              <p:pRg st="4" end="4"/>
-                                            </p:txEl>
-                                          </p:spTgt>
-                                        </p:tgtEl>
-                                        <p:attrNameLst>
-                                          <p:attrName>style.visibility</p:attrName>
-                                        </p:attrNameLst>
-                                      </p:cBhvr>
-                                      <p:to>
-                                        <p:strVal val="visible"/>
-                                      </p:to>
-                                    </p:set>
-                                    <p:animEffect transition="in" filter="barn(inVertical)">
-                                      <p:cBhvr>
-                                        <p:cTn id="22" dur="500"/>
-                                        <p:tgtEl>
-                                          <p:spTgt spid="3">
-                                            <p:txEl>
-                                              <p:pRg st="4" end="4"/>
-                                            </p:txEl>
-                                          </p:spTgt>
-                                        </p:tgtEl>
-                                      </p:cBhvr>
-                                    </p:animEffect>
-                                  </p:childTnLst>
-                                </p:cTn>
-                              </p:par>
-                              <p:par>
-                                <p:cTn id="23" presetID="16" presetClass="entr" presetSubtype="21" fill="hold" grpId="0" nodeType="withEffect" nodePh="1">
-                                  <p:stCondLst>
-                                    <p:cond delay="0"/>
-                                  </p:stCondLst>
-                                  <p:endCondLst>
-                                    <p:cond evt="begin" delay="0">
-                                      <p:tn val="23"/>
-                                    </p:cond>
-                                  </p:endCondLst>
-                                  <p:childTnLst>
-                                    <p:set>
-                                      <p:cBhvr>
-                                        <p:cTn id="24" dur="1" fill="hold">
-                                          <p:stCondLst>
-                                            <p:cond delay="0"/>
-                                          </p:stCondLst>
-                                        </p:cTn>
-                                        <p:tgtEl>
-                                          <p:spTgt spid="4"/>
-                                        </p:tgtEl>
-                                        <p:attrNameLst>
-                                          <p:attrName>style.visibility</p:attrName>
-                                        </p:attrNameLst>
-                                      </p:cBhvr>
-                                      <p:to>
-                                        <p:strVal val="visible"/>
-                                      </p:to>
-                                    </p:set>
-                                    <p:animEffect transition="in" filter="barn(inVertical)">
-                                      <p:cBhvr>
-                                        <p:cTn id="25" dur="500"/>
-                                        <p:tgtEl>
-                                          <p:spTgt spid="4"/>
-                                        </p:tgtEl>
-                                      </p:cBhvr>
-                                    </p:animEffect>
-                                  </p:childTnLst>
-                                </p:cTn>
-                              </p:par>
-                            </p:childTnLst>
-                          </p:cTn>
-                        </p:par>
-                      </p:childTnLst>
-                    </p:cTn>
-                  </p:par>
-                </p:childTnLst>
-              </p:cTn>
-              <p:prevCondLst>
-                <p:cond evt="onPrev" delay="0">
-                  <p:tgtEl>
-                    <p:sldTgt/>
-                  </p:tgtEl>
-                </p:cond>
-              </p:prevCondLst>
-              <p:nextCondLst>
-                <p:cond evt="onNext" delay="0">
-                  <p:tgtEl>
-                    <p:sldTgt/>
-                  </p:tgtEl>
-                </p:cond>
-              </p:nextCondLst>
-            </p:seq>
-          </p:childTnLst>
-        </p:cTn>
-      </p:par>
-    </p:tnLst>
-    <p:bldLst>
-      <p:bldP spid="2" grpId="0"/>
-      <p:bldP spid="3" grpId="0" build="p"/>
-      <p:bldP spid="4" grpId="0"/>
-    </p:bldLst>
-  </p:timing>
-</p:sld>
-</file>
-
-<file path=ppt/slides/slide7.xml><?xml version="1.0" encoding="utf-8"?>
-<p:sld xmlns:a="http://schemas.openxmlformats.org/drawingml/2006/main" xmlns:r="http://schemas.openxmlformats.org/officeDocument/2006/relationships" xmlns:p="http://schemas.openxmlformats.org/presentationml/2006/main">
-  <p:cSld>
-    <p:spTree>
-      <p:nvGrpSpPr>
-        <p:cNvPr id="1" name=""/>
-        <p:cNvGrpSpPr/>
-        <p:nvPr/>
-      </p:nvGrpSpPr>
-      <p:grpSpPr>
-        <a:xfrm>
-          <a:off x="0" y="0"/>
-          <a:ext cx="0" cy="0"/>
-          <a:chOff x="0" y="0"/>
-          <a:chExt cx="0" cy="0"/>
-        </a:xfrm>
-      </p:grpSpPr>
-      <p:sp>
-        <p:nvSpPr>
           <p:cNvPr id="3" name="Tartalom helye 2">
             <a:extLst>
               <a:ext uri="{FF2B5EF4-FFF2-40B4-BE49-F238E27FC236}">
@@ -10503,12 +9811,9 @@
               </a:rPr>
               <a:t>Retail assistant</a:t>
             </a:r>
-            <a:r>
-              <a:rPr lang="hu-HU" sz="2800" dirty="0">
-                <a:latin typeface="Söhne"/>
-              </a:rPr>
-              <a:t>.</a:t>
-            </a:r>
+            <a:endParaRPr lang="hu-HU" sz="2800" dirty="0">
+              <a:latin typeface="Söhne"/>
+            </a:endParaRPr>
           </a:p>
           <a:p>
             <a:pPr marL="0" indent="0">
@@ -10532,7 +9837,7 @@
               <a:rPr lang="en-US" sz="2800" dirty="0">
                 <a:latin typeface="Söhne"/>
               </a:rPr>
-              <a:t>/hostess at a restaurant.</a:t>
+              <a:t>/hostess at a restaurant</a:t>
             </a:r>
           </a:p>
           <a:p>
@@ -10540,7 +9845,7 @@
               <a:rPr lang="en-US" sz="2800" dirty="0">
                 <a:latin typeface="Söhne"/>
               </a:rPr>
-              <a:t>Hotel front desk clerk or housekeeping assistant.</a:t>
+              <a:t>Hotel front desk clerk or housekeeping assistant</a:t>
             </a:r>
             <a:endParaRPr lang="hu-HU" sz="2800" dirty="0">
               <a:latin typeface="Söhne"/>
@@ -10679,7 +9984,7 @@
         <p:spPr>
           <a:xfrm>
             <a:off x="6096000" y="726393"/>
-            <a:ext cx="4764946" cy="5909310"/>
+            <a:ext cx="4764946" cy="5878532"/>
           </a:xfrm>
           <a:prstGeom prst="rect">
             <a:avLst/>
@@ -10789,7 +10094,7 @@
               <a:rPr lang="en-US" sz="2800" dirty="0">
                 <a:latin typeface="Söhne"/>
               </a:rPr>
-              <a:t>Financial analyst.</a:t>
+              <a:t>Financial analyst</a:t>
             </a:r>
           </a:p>
           <a:p>
@@ -10803,12 +10108,9 @@
               </a:rPr>
               <a:t>IT professional</a:t>
             </a:r>
-            <a:r>
-              <a:rPr lang="hu-HU" sz="2000" dirty="0">
-                <a:latin typeface="Söhne"/>
-              </a:rPr>
-              <a:t>.</a:t>
-            </a:r>
+            <a:endParaRPr lang="hu-HU" sz="2000" dirty="0">
+              <a:latin typeface="Söhne"/>
+            </a:endParaRPr>
           </a:p>
           <a:p>
             <a:pPr marL="342900" indent="-342900">
@@ -10831,7 +10133,7 @@
               <a:buChar char="•"/>
             </a:pPr>
             <a:r>
-              <a:rPr lang="hu-HU" sz="2000">
+              <a:rPr lang="hu-HU" sz="2000" dirty="0" err="1">
                 <a:latin typeface="Söhne"/>
               </a:rPr>
               <a:t>Engineer</a:t>
@@ -10854,10 +10156,10 @@
               <a:buChar char="•"/>
             </a:pPr>
             <a:r>
-              <a:rPr lang="en-US" sz="2800" dirty="0">
-                <a:latin typeface="Söhne"/>
-              </a:rPr>
-              <a:t>Construction worker.</a:t>
+              <a:rPr lang="en-US" dirty="0">
+                <a:latin typeface="Söhne"/>
+              </a:rPr>
+              <a:t>Construction worker</a:t>
             </a:r>
           </a:p>
           <a:p>
@@ -10866,12 +10168,24 @@
               <a:buChar char="•"/>
             </a:pPr>
             <a:r>
-              <a:rPr lang="en-US" sz="2800" dirty="0">
-                <a:latin typeface="Söhne"/>
-              </a:rPr>
-              <a:t>Factory worker.</a:t>
-            </a:r>
-            <a:endParaRPr lang="hu-HU" sz="2800" dirty="0">
+              <a:rPr lang="en-US" dirty="0">
+                <a:latin typeface="Söhne"/>
+              </a:rPr>
+              <a:t>Factory worker</a:t>
+            </a:r>
+          </a:p>
+          <a:p>
+            <a:pPr marL="342900" indent="-342900">
+              <a:buFont typeface="Arial" panose="020B0604020202020204" pitchFamily="34" charset="0"/>
+              <a:buChar char="•"/>
+            </a:pPr>
+            <a:r>
+              <a:rPr lang="en-US" dirty="0">
+                <a:latin typeface="Söhne"/>
+              </a:rPr>
+              <a:t>Welder</a:t>
+            </a:r>
+            <a:endParaRPr lang="hu-HU" dirty="0">
               <a:latin typeface="Söhne"/>
             </a:endParaRPr>
           </a:p>
@@ -11686,372 +11000,6 @@
     <p:bldLst>
       <p:bldP spid="3" grpId="0" build="p"/>
       <p:bldP spid="6" grpId="0"/>
-    </p:bldLst>
-  </p:timing>
-</p:sld>
-</file>
-
-<file path=ppt/slides/slide8.xml><?xml version="1.0" encoding="utf-8"?>
-<p:sld xmlns:a="http://schemas.openxmlformats.org/drawingml/2006/main" xmlns:r="http://schemas.openxmlformats.org/officeDocument/2006/relationships" xmlns:p="http://schemas.openxmlformats.org/presentationml/2006/main">
-  <p:cSld>
-    <p:spTree>
-      <p:nvGrpSpPr>
-        <p:cNvPr id="1" name=""/>
-        <p:cNvGrpSpPr/>
-        <p:nvPr/>
-      </p:nvGrpSpPr>
-      <p:grpSpPr>
-        <a:xfrm>
-          <a:off x="0" y="0"/>
-          <a:ext cx="0" cy="0"/>
-          <a:chOff x="0" y="0"/>
-          <a:chExt cx="0" cy="0"/>
-        </a:xfrm>
-      </p:grpSpPr>
-      <p:sp>
-        <p:nvSpPr>
-          <p:cNvPr id="2" name="Cím 1">
-            <a:extLst>
-              <a:ext uri="{FF2B5EF4-FFF2-40B4-BE49-F238E27FC236}">
-                <a16:creationId xmlns:a16="http://schemas.microsoft.com/office/drawing/2014/main" id="{8E558C41-A8F4-623C-8410-18BAC1545101}"/>
-              </a:ext>
-            </a:extLst>
-          </p:cNvPr>
-          <p:cNvSpPr>
-            <a:spLocks noGrp="1"/>
-          </p:cNvSpPr>
-          <p:nvPr>
-            <p:ph type="title"/>
-          </p:nvPr>
-        </p:nvSpPr>
-        <p:spPr>
-          <a:xfrm>
-            <a:off x="1201024" y="1783489"/>
-            <a:ext cx="10058400" cy="1371600"/>
-          </a:xfrm>
-        </p:spPr>
-        <p:txBody>
-          <a:bodyPr>
-            <a:normAutofit/>
-          </a:bodyPr>
-          <a:lstStyle/>
-          <a:p>
-            <a:pPr algn="ctr"/>
-            <a:r>
-              <a:rPr lang="en-US" sz="4400" b="0" dirty="0">
-                <a:solidFill>
-                  <a:srgbClr val="262626"/>
-                </a:solidFill>
-                <a:effectLst/>
-                <a:latin typeface="Arial" panose="020B0604020202020204" pitchFamily="34" charset="0"/>
-              </a:rPr>
-              <a:t>Thank you for your attention</a:t>
-            </a:r>
-            <a:endParaRPr lang="hu-HU" sz="4400" dirty="0"/>
-          </a:p>
-        </p:txBody>
-      </p:sp>
-      <p:sp>
-        <p:nvSpPr>
-          <p:cNvPr id="3" name="Tartalom helye 2">
-            <a:extLst>
-              <a:ext uri="{FF2B5EF4-FFF2-40B4-BE49-F238E27FC236}">
-                <a16:creationId xmlns:a16="http://schemas.microsoft.com/office/drawing/2014/main" id="{A8D0FD54-EEC4-5AF1-C3D2-48228839D327}"/>
-              </a:ext>
-            </a:extLst>
-          </p:cNvPr>
-          <p:cNvSpPr>
-            <a:spLocks noGrp="1"/>
-          </p:cNvSpPr>
-          <p:nvPr>
-            <p:ph idx="1"/>
-          </p:nvPr>
-        </p:nvSpPr>
-        <p:spPr>
-          <a:xfrm>
-            <a:off x="612396" y="5293371"/>
-            <a:ext cx="10454081" cy="1040317"/>
-          </a:xfrm>
-        </p:spPr>
-        <p:txBody>
-          <a:bodyPr>
-            <a:normAutofit/>
-          </a:bodyPr>
-          <a:lstStyle/>
-          <a:p>
-            <a:r>
-              <a:rPr lang="hu-HU" sz="1800" dirty="0" err="1"/>
-              <a:t>Source</a:t>
-            </a:r>
-            <a:r>
-              <a:rPr lang="hu-HU" sz="1800" dirty="0"/>
-              <a:t>: </a:t>
-            </a:r>
-            <a:r>
-              <a:rPr lang="hu-HU" sz="1800" dirty="0">
-                <a:hlinkClick r:id="rId2"/>
-              </a:rPr>
-              <a:t>https://hu.wikipedia.org/wiki/.jobs</a:t>
-            </a:r>
-            <a:endParaRPr lang="hu-HU" sz="1800" dirty="0"/>
-          </a:p>
-          <a:p>
-            <a:r>
-              <a:rPr lang="hu-HU" sz="1600" dirty="0" err="1"/>
-              <a:t>Made</a:t>
-            </a:r>
-            <a:r>
-              <a:rPr lang="hu-HU" sz="1600" dirty="0"/>
-              <a:t> </a:t>
-            </a:r>
-            <a:r>
-              <a:rPr lang="hu-HU" sz="1600" dirty="0" err="1"/>
-              <a:t>by:Tibor</a:t>
-            </a:r>
-            <a:r>
-              <a:rPr lang="hu-HU" sz="1600" dirty="0"/>
-              <a:t> Kolarovszki, Hunor </a:t>
-            </a:r>
-            <a:r>
-              <a:rPr lang="hu-HU" sz="1600" dirty="0" err="1"/>
-              <a:t>Baukó</a:t>
-            </a:r>
-            <a:r>
-              <a:rPr lang="hu-HU" sz="1600" dirty="0"/>
-              <a:t> </a:t>
-            </a:r>
-          </a:p>
-          <a:p>
-            <a:endParaRPr lang="hu-HU" sz="2400" dirty="0"/>
-          </a:p>
-        </p:txBody>
-      </p:sp>
-      <p:sp>
-        <p:nvSpPr>
-          <p:cNvPr id="4" name="Dátum helye 3">
-            <a:extLst>
-              <a:ext uri="{FF2B5EF4-FFF2-40B4-BE49-F238E27FC236}">
-                <a16:creationId xmlns:a16="http://schemas.microsoft.com/office/drawing/2014/main" id="{187B3C19-4D4C-1841-1AFA-932A0089410E}"/>
-              </a:ext>
-            </a:extLst>
-          </p:cNvPr>
-          <p:cNvSpPr>
-            <a:spLocks noGrp="1"/>
-          </p:cNvSpPr>
-          <p:nvPr>
-            <p:ph type="dt" sz="half" idx="10"/>
-          </p:nvPr>
-        </p:nvSpPr>
-        <p:spPr/>
-        <p:txBody>
-          <a:bodyPr/>
-          <a:lstStyle/>
-          <a:p>
-            <a:pPr rtl="0"/>
-            <a:endParaRPr lang="en-US" dirty="0"/>
-          </a:p>
-        </p:txBody>
-      </p:sp>
-    </p:spTree>
-    <p:extLst>
-      <p:ext uri="{BB962C8B-B14F-4D97-AF65-F5344CB8AC3E}">
-        <p14:creationId xmlns:p14="http://schemas.microsoft.com/office/powerpoint/2010/main" val="1342106218"/>
-      </p:ext>
-    </p:extLst>
-  </p:cSld>
-  <p:clrMapOvr>
-    <a:masterClrMapping/>
-  </p:clrMapOvr>
-  <p:timing>
-    <p:tnLst>
-      <p:par>
-        <p:cTn id="1" dur="indefinite" restart="never" nodeType="tmRoot">
-          <p:childTnLst>
-            <p:seq concurrent="1" nextAc="seek">
-              <p:cTn id="2" dur="indefinite" nodeType="mainSeq">
-                <p:childTnLst>
-                  <p:par>
-                    <p:cTn id="3" fill="hold">
-                      <p:stCondLst>
-                        <p:cond delay="indefinite"/>
-                      </p:stCondLst>
-                      <p:childTnLst>
-                        <p:par>
-                          <p:cTn id="4" fill="hold">
-                            <p:stCondLst>
-                              <p:cond delay="0"/>
-                            </p:stCondLst>
-                            <p:childTnLst>
-                              <p:par>
-                                <p:cTn id="5" presetID="1" presetClass="entr" presetSubtype="0" fill="hold" grpId="0" nodeType="clickEffect">
-                                  <p:stCondLst>
-                                    <p:cond delay="0"/>
-                                  </p:stCondLst>
-                                  <p:childTnLst>
-                                    <p:set>
-                                      <p:cBhvr>
-                                        <p:cTn id="6" dur="1" fill="hold">
-                                          <p:stCondLst>
-                                            <p:cond delay="0"/>
-                                          </p:stCondLst>
-                                        </p:cTn>
-                                        <p:tgtEl>
-                                          <p:spTgt spid="2"/>
-                                        </p:tgtEl>
-                                        <p:attrNameLst>
-                                          <p:attrName>style.visibility</p:attrName>
-                                        </p:attrNameLst>
-                                      </p:cBhvr>
-                                      <p:to>
-                                        <p:strVal val="visible"/>
-                                      </p:to>
-                                    </p:set>
-                                  </p:childTnLst>
-                                </p:cTn>
-                              </p:par>
-                              <p:par>
-                                <p:cTn id="7" presetID="1" presetClass="entr" presetSubtype="0" fill="hold" grpId="0" nodeType="withEffect">
-                                  <p:stCondLst>
-                                    <p:cond delay="0"/>
-                                  </p:stCondLst>
-                                  <p:childTnLst>
-                                    <p:set>
-                                      <p:cBhvr>
-                                        <p:cTn id="8" dur="1" fill="hold">
-                                          <p:stCondLst>
-                                            <p:cond delay="0"/>
-                                          </p:stCondLst>
-                                        </p:cTn>
-                                        <p:tgtEl>
-                                          <p:spTgt spid="3">
-                                            <p:txEl>
-                                              <p:pRg st="0" end="0"/>
-                                            </p:txEl>
-                                          </p:spTgt>
-                                        </p:tgtEl>
-                                        <p:attrNameLst>
-                                          <p:attrName>style.visibility</p:attrName>
-                                        </p:attrNameLst>
-                                      </p:cBhvr>
-                                      <p:to>
-                                        <p:strVal val="visible"/>
-                                      </p:to>
-                                    </p:set>
-                                  </p:childTnLst>
-                                </p:cTn>
-                              </p:par>
-                            </p:childTnLst>
-                          </p:cTn>
-                        </p:par>
-                      </p:childTnLst>
-                    </p:cTn>
-                  </p:par>
-                  <p:par>
-                    <p:cTn id="9" fill="hold">
-                      <p:stCondLst>
-                        <p:cond delay="indefinite"/>
-                      </p:stCondLst>
-                      <p:childTnLst>
-                        <p:par>
-                          <p:cTn id="10" fill="hold">
-                            <p:stCondLst>
-                              <p:cond delay="0"/>
-                            </p:stCondLst>
-                            <p:childTnLst>
-                              <p:par>
-                                <p:cTn id="11" presetID="1" presetClass="entr" presetSubtype="0" fill="hold" grpId="0" nodeType="clickEffect">
-                                  <p:stCondLst>
-                                    <p:cond delay="0"/>
-                                  </p:stCondLst>
-                                  <p:childTnLst>
-                                    <p:set>
-                                      <p:cBhvr>
-                                        <p:cTn id="12" dur="1" fill="hold">
-                                          <p:stCondLst>
-                                            <p:cond delay="0"/>
-                                          </p:stCondLst>
-                                        </p:cTn>
-                                        <p:tgtEl>
-                                          <p:spTgt spid="3">
-                                            <p:txEl>
-                                              <p:pRg st="1" end="1"/>
-                                            </p:txEl>
-                                          </p:spTgt>
-                                        </p:tgtEl>
-                                        <p:attrNameLst>
-                                          <p:attrName>style.visibility</p:attrName>
-                                        </p:attrNameLst>
-                                      </p:cBhvr>
-                                      <p:to>
-                                        <p:strVal val="visible"/>
-                                      </p:to>
-                                    </p:set>
-                                  </p:childTnLst>
-                                </p:cTn>
-                              </p:par>
-                              <p:par>
-                                <p:cTn id="13" presetID="1" presetClass="entr" presetSubtype="0" fill="hold" grpId="0" nodeType="withEffect" nodePh="1">
-                                  <p:stCondLst>
-                                    <p:cond delay="0"/>
-                                  </p:stCondLst>
-                                  <p:endCondLst>
-                                    <p:cond evt="begin" delay="0">
-                                      <p:tn val="13"/>
-                                    </p:cond>
-                                  </p:endCondLst>
-                                  <p:childTnLst>
-                                    <p:set>
-                                      <p:cBhvr>
-                                        <p:cTn id="14" dur="1" fill="hold">
-                                          <p:stCondLst>
-                                            <p:cond delay="0"/>
-                                          </p:stCondLst>
-                                        </p:cTn>
-                                        <p:tgtEl>
-                                          <p:spTgt spid="4"/>
-                                        </p:tgtEl>
-                                        <p:attrNameLst>
-                                          <p:attrName>style.visibility</p:attrName>
-                                        </p:attrNameLst>
-                                      </p:cBhvr>
-                                      <p:to>
-                                        <p:strVal val="visible"/>
-                                      </p:to>
-                                    </p:set>
-                                  </p:childTnLst>
-                                </p:cTn>
-                              </p:par>
-                            </p:childTnLst>
-                          </p:cTn>
-                        </p:par>
-                      </p:childTnLst>
-                    </p:cTn>
-                  </p:par>
-                </p:childTnLst>
-              </p:cTn>
-              <p:prevCondLst>
-                <p:cond evt="onPrev" delay="0">
-                  <p:tgtEl>
-                    <p:sldTgt/>
-                  </p:tgtEl>
-                </p:cond>
-              </p:prevCondLst>
-              <p:nextCondLst>
-                <p:cond evt="onNext" delay="0">
-                  <p:tgtEl>
-                    <p:sldTgt/>
-                  </p:tgtEl>
-                </p:cond>
-              </p:nextCondLst>
-            </p:seq>
-          </p:childTnLst>
-        </p:cTn>
-      </p:par>
-    </p:tnLst>
-    <p:bldLst>
-      <p:bldP spid="2" grpId="0"/>
-      <p:bldP spid="3" grpId="0" build="p"/>
-      <p:bldP spid="4" grpId="0"/>
     </p:bldLst>
   </p:timing>
 </p:sld>
